--- a/smallProject/flappy-bird-new/doc/Flappy Bird.pptx
+++ b/smallProject/flappy-bird-new/doc/Flappy Bird.pptx
@@ -5,10 +5,10 @@
     <p:sldMasterId id="2147483660" r:id="rId4"/>
   </p:sldMasterIdLst>
   <p:notesMasterIdLst>
-    <p:notesMasterId r:id="rId24"/>
+    <p:notesMasterId r:id="rId25"/>
   </p:notesMasterIdLst>
   <p:handoutMasterIdLst>
-    <p:handoutMasterId r:id="rId25"/>
+    <p:handoutMasterId r:id="rId26"/>
   </p:handoutMasterIdLst>
   <p:sldIdLst>
     <p:sldId id="256" r:id="rId5"/>
@@ -30,6 +30,7 @@
     <p:sldId id="290" r:id="rId21"/>
     <p:sldId id="293" r:id="rId22"/>
     <p:sldId id="291" r:id="rId23"/>
+    <p:sldId id="294" r:id="rId24"/>
   </p:sldIdLst>
   <p:sldSz cx="12192000" cy="6858000"/>
   <p:notesSz cx="6858000" cy="9144000"/>
@@ -156,6 +157,7 @@
             <p14:sldId id="290"/>
             <p14:sldId id="293"/>
             <p14:sldId id="291"/>
+            <p14:sldId id="294"/>
           </p14:sldIdLst>
         </p14:section>
         <p14:section name="Learn More" id="{2CC34DB2-6590-42C0-AD4B-A04C6060184E}">
@@ -164,7 +166,7 @@
       </p14:sectionLst>
     </p:ext>
     <p:ext uri="{EFAFB233-063F-42B5-8137-9DF3F51BA10A}">
-      <p15:sldGuideLst xmlns="" xmlns:p15="http://schemas.microsoft.com/office/powerpoint/2012/main">
+      <p15:sldGuideLst xmlns:p15="http://schemas.microsoft.com/office/powerpoint/2012/main" xmlns="">
         <p15:guide id="1" orient="horz" pos="2160" userDrawn="1">
           <p15:clr>
             <a:srgbClr val="A4A3A4"/>
@@ -178,7 +180,7 @@
       </p15:sldGuideLst>
     </p:ext>
     <p:ext uri="{2D200454-40CA-4A62-9FC3-DE9A4176ACB9}">
-      <p15:notesGuideLst xmlns="" xmlns:p15="http://schemas.microsoft.com/office/powerpoint/2012/main"/>
+      <p15:notesGuideLst xmlns:p15="http://schemas.microsoft.com/office/powerpoint/2012/main" xmlns=""/>
     </p:ext>
   </p:extLst>
 </p:presentation>
@@ -272,7 +274,7 @@
           <a:p>
             <a:fld id="{80680FBE-A8DF-4758-9AC4-3A9E1039168F}" type="datetimeFigureOut">
               <a:rPr lang="en-US" smtClean="0"/>
-              <a:t>8/23/2020</a:t>
+              <a:t>8/25/2020</a:t>
             </a:fld>
             <a:endParaRPr lang="en-US"/>
           </a:p>
@@ -437,7 +439,7 @@
           <a:p>
             <a:fld id="{EC13577B-6902-467D-A26C-08A0DD5E4E03}" type="datetimeFigureOut">
               <a:rPr lang="en-US" smtClean="0"/>
-              <a:t>8/23/2020</a:t>
+              <a:t>8/25/2020</a:t>
             </a:fld>
             <a:endParaRPr lang="en-US"/>
           </a:p>
@@ -793,6 +795,95 @@
 </p:notes>
 </file>
 
+<file path=ppt/notesSlides/notesSlide2.xml><?xml version="1.0" encoding="utf-8"?>
+<p:notes xmlns:a="http://schemas.openxmlformats.org/drawingml/2006/main" xmlns:r="http://schemas.openxmlformats.org/officeDocument/2006/relationships" xmlns:p="http://schemas.openxmlformats.org/presentationml/2006/main">
+  <p:cSld>
+    <p:spTree>
+      <p:nvGrpSpPr>
+        <p:cNvPr id="1" name=""/>
+        <p:cNvGrpSpPr/>
+        <p:nvPr/>
+      </p:nvGrpSpPr>
+      <p:grpSpPr>
+        <a:xfrm>
+          <a:off x="0" y="0"/>
+          <a:ext cx="0" cy="0"/>
+          <a:chOff x="0" y="0"/>
+          <a:chExt cx="0" cy="0"/>
+        </a:xfrm>
+      </p:grpSpPr>
+      <p:sp>
+        <p:nvSpPr>
+          <p:cNvPr id="2" name="Slide Image Placeholder 1"/>
+          <p:cNvSpPr>
+            <a:spLocks noGrp="1" noRot="1" noChangeAspect="1"/>
+          </p:cNvSpPr>
+          <p:nvPr>
+            <p:ph type="sldImg"/>
+          </p:nvPr>
+        </p:nvSpPr>
+        <p:spPr>
+          <a:xfrm>
+            <a:off x="685800" y="1143000"/>
+            <a:ext cx="5486400" cy="3086100"/>
+          </a:xfrm>
+        </p:spPr>
+      </p:sp>
+      <p:sp>
+        <p:nvSpPr>
+          <p:cNvPr id="3" name="Notes Placeholder 2"/>
+          <p:cNvSpPr>
+            <a:spLocks noGrp="1"/>
+          </p:cNvSpPr>
+          <p:nvPr>
+            <p:ph type="body" idx="1"/>
+          </p:nvPr>
+        </p:nvSpPr>
+        <p:spPr/>
+        <p:txBody>
+          <a:bodyPr/>
+          <a:lstStyle/>
+          <a:p>
+            <a:endParaRPr lang="en-US"/>
+          </a:p>
+        </p:txBody>
+      </p:sp>
+      <p:sp>
+        <p:nvSpPr>
+          <p:cNvPr id="4" name="Slide Number Placeholder 3"/>
+          <p:cNvSpPr>
+            <a:spLocks noGrp="1"/>
+          </p:cNvSpPr>
+          <p:nvPr>
+            <p:ph type="sldNum" sz="quarter" idx="10"/>
+          </p:nvPr>
+        </p:nvSpPr>
+        <p:spPr/>
+        <p:txBody>
+          <a:bodyPr/>
+          <a:lstStyle/>
+          <a:p>
+            <a:fld id="{DF61EA0F-A667-4B49-8422-0062BC55E249}" type="slidenum">
+              <a:rPr lang="en-US" smtClean="0"/>
+              <a:t>20</a:t>
+            </a:fld>
+            <a:endParaRPr lang="en-US"/>
+          </a:p>
+        </p:txBody>
+      </p:sp>
+    </p:spTree>
+    <p:extLst>
+      <p:ext uri="{BB962C8B-B14F-4D97-AF65-F5344CB8AC3E}">
+        <p14:creationId xmlns:p14="http://schemas.microsoft.com/office/powerpoint/2010/main" val="1011769815"/>
+      </p:ext>
+    </p:extLst>
+  </p:cSld>
+  <p:clrMapOvr>
+    <a:masterClrMapping/>
+  </p:clrMapOvr>
+</p:notes>
+</file>
+
 <file path=ppt/slideLayouts/slideLayout1.xml><?xml version="1.0" encoding="utf-8"?>
 <p:sldLayout xmlns:a="http://schemas.openxmlformats.org/drawingml/2006/main" xmlns:r="http://schemas.openxmlformats.org/officeDocument/2006/relationships" xmlns:p="http://schemas.openxmlformats.org/presentationml/2006/main" preserve="1" userDrawn="1">
   <p:cSld name="Title Slide">
@@ -1232,7 +1323,7 @@
             <a:fld id="{8BEEBAAA-29B5-4AF5-BC5F-7E580C29002D}" type="datetimeFigureOut">
               <a:rPr lang="en-US" smtClean="0"/>
               <a:pPr/>
-              <a:t>8/23/2020</a:t>
+              <a:t>8/25/2020</a:t>
             </a:fld>
             <a:endParaRPr lang="en-US"/>
           </a:p>
@@ -1684,7 +1775,7 @@
         <p:nvSpPr>
           <p:cNvPr id="7" name="Rectangle 6"/>
           <p:cNvSpPr/>
-          <p:nvPr userDrawn="1"/>
+          <p:nvPr/>
         </p:nvSpPr>
         <p:spPr>
           <a:xfrm>
@@ -1858,7 +1949,7 @@
             <a:fld id="{8BEEBAAA-29B5-4AF5-BC5F-7E580C29002D}" type="datetimeFigureOut">
               <a:rPr lang="en-US" smtClean="0"/>
               <a:pPr/>
-              <a:t>8/23/2020</a:t>
+              <a:t>8/25/2020</a:t>
             </a:fld>
             <a:endParaRPr lang="en-US"/>
           </a:p>
@@ -1949,7 +2040,7 @@
         <p:nvCxnSpPr>
           <p:cNvPr id="8" name="Straight Connector 7"/>
           <p:cNvCxnSpPr/>
-          <p:nvPr userDrawn="1"/>
+          <p:nvPr/>
         </p:nvCxnSpPr>
         <p:spPr>
           <a:xfrm>
@@ -2491,6 +2582,18 @@
   <p:clrMapOvr>
     <a:masterClrMapping/>
   </p:clrMapOvr>
+  <mc:AlternateContent xmlns:mc="http://schemas.openxmlformats.org/markup-compatibility/2006">
+    <mc:Choice xmlns:p14="http://schemas.microsoft.com/office/powerpoint/2010/main" Requires="p14">
+      <p:transition spd="slow" p14:dur="2500">
+        <p:checker/>
+      </p:transition>
+    </mc:Choice>
+    <mc:Fallback>
+      <p:transition spd="slow">
+        <p:checker/>
+      </p:transition>
+    </mc:Fallback>
+  </mc:AlternateContent>
   <p:timing>
     <p:tnLst>
       <p:par>
@@ -3627,12 +3730,16 @@
   <p:clrMapOvr>
     <a:masterClrMapping/>
   </p:clrMapOvr>
-  <mc:AlternateContent xmlns:mc="http://schemas.openxmlformats.org/markup-compatibility/2006" xmlns:p14="http://schemas.microsoft.com/office/powerpoint/2010/main">
-    <mc:Choice Requires="p14">
-      <p:transition p14:dur="10"/>
+  <mc:AlternateContent xmlns:mc="http://schemas.openxmlformats.org/markup-compatibility/2006">
+    <mc:Choice xmlns:p14="http://schemas.microsoft.com/office/powerpoint/2010/main" Requires="p14">
+      <p:transition spd="slow" p14:dur="2500">
+        <p:checker/>
+      </p:transition>
     </mc:Choice>
-    <mc:Fallback xmlns="">
-      <p:transition/>
+    <mc:Fallback>
+      <p:transition spd="slow">
+        <p:checker/>
+      </p:transition>
     </mc:Fallback>
   </mc:AlternateContent>
   <p:timing>
@@ -6291,11 +6398,7 @@
             </a:r>
             <a:r>
               <a:rPr lang="en-US" smtClean="0"/>
-              <a:t> </a:t>
-            </a:r>
-            <a:r>
-              <a:rPr lang="en-US" smtClean="0"/>
-              <a:t>sẽ bay lên 1 khoảng, </a:t>
+              <a:t> sẽ bay lên 1 khoảng, </a:t>
             </a:r>
             <a:r>
               <a:rPr lang="en-US"/>
@@ -7303,6 +7406,18 @@
   <p:clrMapOvr>
     <a:masterClrMapping/>
   </p:clrMapOvr>
+  <mc:AlternateContent xmlns:mc="http://schemas.openxmlformats.org/markup-compatibility/2006">
+    <mc:Choice xmlns:p14="http://schemas.microsoft.com/office/powerpoint/2010/main" Requires="p14">
+      <p:transition spd="slow" p14:dur="2500">
+        <p:checker/>
+      </p:transition>
+    </mc:Choice>
+    <mc:Fallback>
+      <p:transition spd="slow">
+        <p:checker/>
+      </p:transition>
+    </mc:Fallback>
+  </mc:AlternateContent>
   <p:timing>
     <p:tnLst>
       <p:par>
@@ -8436,19 +8551,7 @@
           <a:p>
             <a:r>
               <a:rPr lang="en-US" b="1" smtClean="0"/>
-              <a:t>C. </a:t>
-            </a:r>
-            <a:r>
-              <a:rPr lang="en-US" b="1" smtClean="0"/>
-              <a:t>Chuyển động </a:t>
-            </a:r>
-            <a:r>
-              <a:rPr lang="en-US" b="1" smtClean="0"/>
-              <a:t>xoay </a:t>
-            </a:r>
-            <a:r>
-              <a:rPr lang="en-US" b="1" smtClean="0"/>
-              <a:t>của đối tượng Bird</a:t>
+              <a:t>C. Chuyển động xoay của đối tượng Bird</a:t>
             </a:r>
             <a:endParaRPr lang="en-US" b="1"/>
           </a:p>
@@ -8484,7 +8587,6 @@
               <a:rPr lang="en-US" smtClean="0"/>
               <a:t>Đối tượng Bird có 1 chuyển động xoay quanh trục, tỉ lệ với bird.v</a:t>
             </a:r>
-            <a:endParaRPr lang="en-US" smtClean="0"/>
           </a:p>
         </p:txBody>
       </p:sp>
@@ -8660,7 +8762,6 @@
               <a:rPr lang="en-US" smtClean="0"/>
               <a:t>mục đích chỉ làm xoay đối tượng bird nếu k có 2 method này sẽ xoay tất cả các đối tượng canvas phía sau</a:t>
             </a:r>
-            <a:endParaRPr lang="en-US" smtClean="0"/>
           </a:p>
         </p:txBody>
       </p:sp>
@@ -8707,6 +8808,18 @@
   <p:clrMapOvr>
     <a:masterClrMapping/>
   </p:clrMapOvr>
+  <mc:AlternateContent xmlns:mc="http://schemas.openxmlformats.org/markup-compatibility/2006">
+    <mc:Choice xmlns:p14="http://schemas.microsoft.com/office/powerpoint/2010/main" Requires="p14">
+      <p:transition spd="slow" p14:dur="2500">
+        <p:checker/>
+      </p:transition>
+    </mc:Choice>
+    <mc:Fallback>
+      <p:transition spd="slow">
+        <p:checker/>
+      </p:transition>
+    </mc:Fallback>
+  </mc:AlternateContent>
   <p:timing>
     <p:tnLst>
       <p:par>
@@ -8942,11 +9055,7 @@
           <a:p>
             <a:r>
               <a:rPr lang="en-US" b="1" smtClean="0"/>
-              <a:t>C. Animation đập cánh của </a:t>
-            </a:r>
-            <a:r>
-              <a:rPr lang="en-US" b="1" smtClean="0"/>
-              <a:t>đối tượng Bird</a:t>
+              <a:t>C. Animation đập cánh của đối tượng Bird</a:t>
             </a:r>
             <a:endParaRPr lang="en-US" b="1"/>
           </a:p>
@@ -9058,7 +9167,6 @@
               <a:rPr lang="en-US" smtClean="0"/>
               <a:t> là số thứ tự animation muốn vẽ</a:t>
             </a:r>
-            <a:endParaRPr lang="en-US" smtClean="0"/>
           </a:p>
         </p:txBody>
       </p:sp>
@@ -9439,6 +9547,18 @@
   <p:clrMapOvr>
     <a:masterClrMapping/>
   </p:clrMapOvr>
+  <mc:AlternateContent xmlns:mc="http://schemas.openxmlformats.org/markup-compatibility/2006">
+    <mc:Choice xmlns:p14="http://schemas.microsoft.com/office/powerpoint/2010/main" Requires="p14">
+      <p:transition spd="slow" p14:dur="2500">
+        <p:checker/>
+      </p:transition>
+    </mc:Choice>
+    <mc:Fallback>
+      <p:transition spd="slow">
+        <p:checker/>
+      </p:transition>
+    </mc:Fallback>
+  </mc:AlternateContent>
   <p:timing>
     <p:tnLst>
       <p:par>
@@ -10171,6 +10291,18 @@
   <p:clrMapOvr>
     <a:masterClrMapping/>
   </p:clrMapOvr>
+  <mc:AlternateContent xmlns:mc="http://schemas.openxmlformats.org/markup-compatibility/2006">
+    <mc:Choice xmlns:p14="http://schemas.microsoft.com/office/powerpoint/2010/main" Requires="p14">
+      <p:transition spd="slow" p14:dur="2500">
+        <p:checker/>
+      </p:transition>
+    </mc:Choice>
+    <mc:Fallback>
+      <p:transition spd="slow">
+        <p:checker/>
+      </p:transition>
+    </mc:Fallback>
+  </mc:AlternateContent>
   <p:timing>
     <p:tnLst>
       <p:par>
@@ -11250,11 +11382,7 @@
               <a:buChar char="•"/>
             </a:pPr>
             <a:r>
-              <a:rPr lang="en-US" b="1" i="1" smtClean="0">
-                <a:solidFill>
-                  <a:srgbClr val="FF9B45"/>
-                </a:solidFill>
-              </a:rPr>
+              <a:rPr lang="en-US" b="1" i="1" smtClean="0"/>
               <a:t>Điểm bắt đầu vẽ </a:t>
             </a:r>
             <a:r>
@@ -11276,19 +11404,11 @@
               <a:buChar char="•"/>
             </a:pPr>
             <a:r>
-              <a:rPr lang="en-US" b="1" i="1" smtClean="0">
-                <a:solidFill>
-                  <a:srgbClr val="FF9B45"/>
-                </a:solidFill>
-              </a:rPr>
+              <a:rPr lang="en-US" b="1" i="1" smtClean="0"/>
               <a:t>Khoảng trống</a:t>
             </a:r>
             <a:r>
-              <a:rPr lang="en-US" i="1" smtClean="0">
-                <a:solidFill>
-                  <a:srgbClr val="FF9B45"/>
-                </a:solidFill>
-              </a:rPr>
+              <a:rPr lang="en-US" i="1" smtClean="0"/>
               <a:t> </a:t>
             </a:r>
             <a:r>
@@ -11322,11 +11442,7 @@
               <a:buChar char="•"/>
             </a:pPr>
             <a:r>
-              <a:rPr lang="en-US" b="1" i="1">
-                <a:solidFill>
-                  <a:srgbClr val="FF9B45"/>
-                </a:solidFill>
-              </a:rPr>
+              <a:rPr lang="en-US" b="1" i="1"/>
               <a:t>Điểm bắt đầu vẽ </a:t>
             </a:r>
             <a:r>
@@ -11339,15 +11455,7 @@
                   <a:srgbClr val="FF9B45"/>
                 </a:solidFill>
               </a:rPr>
-              <a:t> </a:t>
-            </a:r>
-            <a:r>
-              <a:rPr lang="en-US" i="1">
-                <a:solidFill>
-                  <a:srgbClr val="FF9B45"/>
-                </a:solidFill>
-              </a:rPr>
-              <a:t>pipe </a:t>
+              <a:t> pipe </a:t>
             </a:r>
             <a:r>
               <a:rPr lang="en-US" i="1" smtClean="0">
@@ -11368,16 +11476,16 @@
               <a:t>Ta có thể dễ dàng nhận ra hoành độ </a:t>
             </a:r>
             <a:r>
-              <a:rPr lang="en-US" b="1" i="1" smtClean="0">
-                <a:solidFill>
-                  <a:srgbClr val="FF9B45"/>
-                </a:solidFill>
-              </a:rPr>
+              <a:rPr lang="en-US" b="1" i="1" smtClean="0"/>
               <a:t>điểm bắt đầu vẽ</a:t>
             </a:r>
             <a:r>
+              <a:rPr lang="en-US" b="1" smtClean="0"/>
+              <a:t> </a:t>
+            </a:r>
+            <a:r>
               <a:rPr lang="en-US" smtClean="0"/>
-              <a:t> của </a:t>
+              <a:t>của </a:t>
             </a:r>
             <a:r>
               <a:rPr lang="en-US" i="1" smtClean="0">
@@ -11416,11 +11524,7 @@
               <a:t> là </a:t>
             </a:r>
             <a:r>
-              <a:rPr lang="en-US" smtClean="0">
-                <a:solidFill>
-                  <a:srgbClr val="FF9B45"/>
-                </a:solidFill>
-              </a:rPr>
+              <a:rPr lang="en-US" i="1" smtClean="0"/>
               <a:t>bằng nhau</a:t>
             </a:r>
           </a:p>
@@ -11434,11 +11538,7 @@
               <a:t>Tung độ </a:t>
             </a:r>
             <a:r>
-              <a:rPr lang="en-US" b="1" i="1">
-                <a:solidFill>
-                  <a:srgbClr val="FF9B45"/>
-                </a:solidFill>
-              </a:rPr>
+              <a:rPr lang="en-US" b="1" i="1"/>
               <a:t>điểm bắt đầu vẽ</a:t>
             </a:r>
             <a:r>
@@ -11467,7 +11567,11 @@
                   <a:srgbClr val="FF9B45"/>
                 </a:solidFill>
               </a:rPr>
-              <a:t> điểm bắt đầu vẽ</a:t>
+              <a:t> </a:t>
+            </a:r>
+            <a:r>
+              <a:rPr lang="en-US" b="1" i="1"/>
+              <a:t>điểm bắt đầu vẽ</a:t>
             </a:r>
             <a:r>
               <a:rPr lang="en-US" smtClean="0"/>
@@ -11626,6 +11730,18 @@
   <p:clrMapOvr>
     <a:masterClrMapping/>
   </p:clrMapOvr>
+  <mc:AlternateContent xmlns:mc="http://schemas.openxmlformats.org/markup-compatibility/2006">
+    <mc:Choice xmlns:p14="http://schemas.microsoft.com/office/powerpoint/2010/main" Requires="p14">
+      <p:transition spd="slow" p14:dur="2500">
+        <p:checker/>
+      </p:transition>
+    </mc:Choice>
+    <mc:Fallback>
+      <p:transition spd="slow">
+        <p:checker/>
+      </p:transition>
+    </mc:Fallback>
+  </mc:AlternateContent>
   <p:timing>
     <p:tnLst>
       <p:par>
@@ -13675,6 +13791,18 @@
   <p:clrMapOvr>
     <a:masterClrMapping/>
   </p:clrMapOvr>
+  <mc:AlternateContent xmlns:mc="http://schemas.openxmlformats.org/markup-compatibility/2006">
+    <mc:Choice xmlns:p14="http://schemas.microsoft.com/office/powerpoint/2010/main" Requires="p14">
+      <p:transition spd="slow" p14:dur="2500">
+        <p:checker/>
+      </p:transition>
+    </mc:Choice>
+    <mc:Fallback>
+      <p:transition spd="slow">
+        <p:checker/>
+      </p:transition>
+    </mc:Fallback>
+  </mc:AlternateContent>
   <p:timing>
     <p:tnLst>
       <p:par>
@@ -14450,6 +14578,18 @@
   <p:clrMapOvr>
     <a:masterClrMapping/>
   </p:clrMapOvr>
+  <mc:AlternateContent xmlns:mc="http://schemas.openxmlformats.org/markup-compatibility/2006">
+    <mc:Choice xmlns:p14="http://schemas.microsoft.com/office/powerpoint/2010/main" Requires="p14">
+      <p:transition spd="slow" p14:dur="2500">
+        <p:checker/>
+      </p:transition>
+    </mc:Choice>
+    <mc:Fallback>
+      <p:transition spd="slow">
+        <p:checker/>
+      </p:transition>
+    </mc:Fallback>
+  </mc:AlternateContent>
   <p:timing>
     <p:tnLst>
       <p:par>
@@ -15523,6 +15663,18 @@
   <p:clrMapOvr>
     <a:masterClrMapping/>
   </p:clrMapOvr>
+  <mc:AlternateContent xmlns:mc="http://schemas.openxmlformats.org/markup-compatibility/2006">
+    <mc:Choice xmlns:p14="http://schemas.microsoft.com/office/powerpoint/2010/main" Requires="p14">
+      <p:transition spd="slow" p14:dur="2500">
+        <p:checker/>
+      </p:transition>
+    </mc:Choice>
+    <mc:Fallback>
+      <p:transition spd="slow">
+        <p:checker/>
+      </p:transition>
+    </mc:Fallback>
+  </mc:AlternateContent>
   <p:timing>
     <p:tnLst>
       <p:par>
@@ -15852,7 +16004,7 @@
           <a:graphicData uri="http://schemas.openxmlformats.org/presentationml/2006/ole">
             <mc:AlternateContent xmlns:mc="http://schemas.openxmlformats.org/markup-compatibility/2006">
               <mc:Choice xmlns:v="urn:schemas-microsoft-com:vml" Requires="v">
-                <p:oleObj spid="_x0000_s2063" r:id="rId3" imgW="3047400" imgH="3809520" progId="">
+                <p:oleObj spid="_x0000_s2067" r:id="rId3" imgW="3047400" imgH="3809520" progId="">
                   <p:embed/>
                 </p:oleObj>
               </mc:Choice>
@@ -15896,7 +16048,7 @@
         <p:spPr>
           <a:xfrm>
             <a:off x="542007" y="1701247"/>
-            <a:ext cx="6382423" cy="1084015"/>
+            <a:ext cx="6382423" cy="3568926"/>
           </a:xfrm>
           <a:prstGeom prst="rect">
             <a:avLst/>
@@ -15964,11 +16116,77 @@
               <a:t> </a:t>
             </a:r>
             <a:r>
-              <a:rPr lang="en-US" err="1" smtClean="0">
+              <a:rPr lang="en-US" smtClean="0">
                 <a:ea typeface="Calibri" panose="020F0502020204030204" pitchFamily="34" charset="0"/>
                 <a:cs typeface="Times New Roman" panose="02020603050405020304" pitchFamily="18" charset="0"/>
               </a:rPr>
               <a:t>Nội</a:t>
+            </a:r>
+          </a:p>
+          <a:p>
+            <a:pPr marL="342900" marR="0" lvl="0" indent="-342900">
+              <a:lnSpc>
+                <a:spcPct val="107000"/>
+              </a:lnSpc>
+              <a:spcBef>
+                <a:spcPts val="0"/>
+              </a:spcBef>
+              <a:spcAft>
+                <a:spcPts val="800"/>
+              </a:spcAft>
+              <a:buFont typeface="Symbol" panose="05050102010706020507" pitchFamily="18" charset="2"/>
+              <a:buChar char=""/>
+            </a:pPr>
+            <a:r>
+              <a:rPr lang="en-US" smtClean="0">
+                <a:ea typeface="Calibri" panose="020F0502020204030204" pitchFamily="34" charset="0"/>
+                <a:cs typeface="Times New Roman" panose="02020603050405020304" pitchFamily="18" charset="0"/>
+              </a:rPr>
+              <a:t>Từ nhỏ đã có niềm đam mê với lập trình</a:t>
+            </a:r>
+          </a:p>
+          <a:p>
+            <a:pPr marL="342900" marR="0" lvl="0" indent="-342900">
+              <a:lnSpc>
+                <a:spcPct val="107000"/>
+              </a:lnSpc>
+              <a:spcBef>
+                <a:spcPts val="0"/>
+              </a:spcBef>
+              <a:spcAft>
+                <a:spcPts val="800"/>
+              </a:spcAft>
+              <a:buFont typeface="Symbol" panose="05050102010706020507" pitchFamily="18" charset="2"/>
+              <a:buChar char=""/>
+            </a:pPr>
+            <a:r>
+              <a:rPr lang="en-US" smtClean="0">
+                <a:ea typeface="Calibri" panose="020F0502020204030204" pitchFamily="34" charset="0"/>
+                <a:cs typeface="Times New Roman" panose="02020603050405020304" pitchFamily="18" charset="0"/>
+              </a:rPr>
+              <a:t>Năm 16 tuổi cho ra mắt trò chơi đầu tiên, đó là trò cờ vua trên máy tính cá nhân của mình</a:t>
+            </a:r>
+          </a:p>
+          <a:p>
+            <a:pPr marL="342900" marR="0" lvl="0" indent="-342900">
+              <a:lnSpc>
+                <a:spcPct val="107000"/>
+              </a:lnSpc>
+              <a:spcBef>
+                <a:spcPts val="0"/>
+              </a:spcBef>
+              <a:spcAft>
+                <a:spcPts val="800"/>
+              </a:spcAft>
+              <a:buFont typeface="Symbol" panose="05050102010706020507" pitchFamily="18" charset="2"/>
+              <a:buChar char=""/>
+            </a:pPr>
+            <a:r>
+              <a:rPr lang="en-US" smtClean="0">
+                <a:ea typeface="Calibri" panose="020F0502020204030204" pitchFamily="34" charset="0"/>
+                <a:cs typeface="Times New Roman" panose="02020603050405020304" pitchFamily="18" charset="0"/>
+              </a:rPr>
+              <a:t>Đến năm thứ 2 đại học anh được thực tập tai công ty game duy nhất tại Hà nôi lúc bấy giờ đó là Punch Entertainment</a:t>
             </a:r>
             <a:endParaRPr lang="en-US" smtClean="0">
               <a:ea typeface="Calibri" panose="020F0502020204030204" pitchFamily="34" charset="0"/>
@@ -16115,8 +16333,24 @@
               <a:t> </a:t>
             </a:r>
             <a:r>
-              <a:rPr lang="en-US" err="1" smtClean="0"/>
+              <a:rPr lang="en-US" smtClean="0"/>
               <a:t>Nội</a:t>
+            </a:r>
+          </a:p>
+          <a:p>
+            <a:pPr marL="342900" indent="-342900">
+              <a:lnSpc>
+                <a:spcPct val="107000"/>
+              </a:lnSpc>
+              <a:spcAft>
+                <a:spcPts val="800"/>
+              </a:spcAft>
+              <a:buFont typeface="Symbol" panose="05050102010706020507" pitchFamily="18" charset="2"/>
+              <a:buChar char=""/>
+            </a:pPr>
+            <a:r>
+              <a:rPr lang="en-US" smtClean="0"/>
+              <a:t>Mở công ty riêng năm 27 tuổi.</a:t>
             </a:r>
             <a:endParaRPr lang="en-US"/>
           </a:p>
@@ -16132,12 +16366,147 @@
   <p:clrMapOvr>
     <a:masterClrMapping/>
   </p:clrMapOvr>
-  <mc:AlternateContent xmlns:mc="http://schemas.openxmlformats.org/markup-compatibility/2006" xmlns:p14="http://schemas.microsoft.com/office/powerpoint/2010/main">
-    <mc:Choice Requires="p14">
-      <p:transition p14:dur="10"/>
+  <mc:AlternateContent xmlns:mc="http://schemas.openxmlformats.org/markup-compatibility/2006">
+    <mc:Choice xmlns:p14="http://schemas.microsoft.com/office/powerpoint/2010/main" Requires="p14">
+      <p:transition spd="slow" p14:dur="1600">
+        <p:blinds dir="vert"/>
+      </p:transition>
     </mc:Choice>
-    <mc:Fallback xmlns="">
-      <p:transition/>
+    <mc:Fallback>
+      <p:transition spd="slow">
+        <p:blinds dir="vert"/>
+      </p:transition>
+    </mc:Fallback>
+  </mc:AlternateContent>
+  <p:timing>
+    <p:tnLst>
+      <p:par>
+        <p:cTn id="1" dur="indefinite" restart="never" nodeType="tmRoot"/>
+      </p:par>
+    </p:tnLst>
+  </p:timing>
+</p:sld>
+</file>
+
+<file path=ppt/slides/slide20.xml><?xml version="1.0" encoding="utf-8"?>
+<p:sld xmlns:a="http://schemas.openxmlformats.org/drawingml/2006/main" xmlns:r="http://schemas.openxmlformats.org/officeDocument/2006/relationships" xmlns:p="http://schemas.openxmlformats.org/presentationml/2006/main">
+  <p:cSld>
+    <p:spTree>
+      <p:nvGrpSpPr>
+        <p:cNvPr id="1" name=""/>
+        <p:cNvGrpSpPr/>
+        <p:nvPr/>
+      </p:nvGrpSpPr>
+      <p:grpSpPr>
+        <a:xfrm>
+          <a:off x="0" y="0"/>
+          <a:ext cx="0" cy="0"/>
+          <a:chOff x="0" y="0"/>
+          <a:chExt cx="0" cy="0"/>
+        </a:xfrm>
+      </p:grpSpPr>
+      <p:sp>
+        <p:nvSpPr>
+          <p:cNvPr id="2" name="Title 1"/>
+          <p:cNvSpPr>
+            <a:spLocks noGrp="1"/>
+          </p:cNvSpPr>
+          <p:nvPr>
+            <p:ph type="ctrTitle"/>
+          </p:nvPr>
+        </p:nvSpPr>
+        <p:spPr>
+          <a:xfrm>
+            <a:off x="838200" y="1164324"/>
+            <a:ext cx="10515600" cy="2387600"/>
+          </a:xfrm>
+        </p:spPr>
+        <p:txBody>
+          <a:bodyPr anchor="ctr" anchorCtr="0">
+            <a:normAutofit/>
+          </a:bodyPr>
+          <a:lstStyle/>
+          <a:p>
+            <a:pPr algn="ctr"/>
+            <a:r>
+              <a:rPr lang="en-US" sz="4800" smtClean="0">
+                <a:solidFill>
+                  <a:schemeClr val="bg1"/>
+                </a:solidFill>
+              </a:rPr>
+              <a:t>Flappy Bird</a:t>
+            </a:r>
+            <a:endParaRPr lang="en-US" sz="4800">
+              <a:solidFill>
+                <a:schemeClr val="bg1"/>
+              </a:solidFill>
+            </a:endParaRPr>
+          </a:p>
+        </p:txBody>
+      </p:sp>
+      <p:sp>
+        <p:nvSpPr>
+          <p:cNvPr id="3" name="Subtitle 2"/>
+          <p:cNvSpPr>
+            <a:spLocks noGrp="1"/>
+          </p:cNvSpPr>
+          <p:nvPr>
+            <p:ph type="subTitle" idx="4294967295"/>
+          </p:nvPr>
+        </p:nvSpPr>
+        <p:spPr>
+          <a:xfrm>
+            <a:off x="855620" y="2933105"/>
+            <a:ext cx="10658200" cy="1137793"/>
+          </a:xfrm>
+        </p:spPr>
+        <p:txBody>
+          <a:bodyPr>
+            <a:normAutofit/>
+          </a:bodyPr>
+          <a:lstStyle/>
+          <a:p>
+            <a:pPr marL="0" indent="0" algn="ctr">
+              <a:buNone/>
+            </a:pPr>
+            <a:r>
+              <a:rPr lang="en-US" sz="2400" smtClean="0">
+                <a:solidFill>
+                  <a:schemeClr val="bg1"/>
+                </a:solidFill>
+                <a:latin typeface="+mj-lt"/>
+              </a:rPr>
+              <a:t>Thank for watching!!!</a:t>
+            </a:r>
+            <a:endParaRPr lang="en-US" sz="2400">
+              <a:solidFill>
+                <a:schemeClr val="bg1"/>
+              </a:solidFill>
+              <a:latin typeface="+mj-lt"/>
+            </a:endParaRPr>
+          </a:p>
+        </p:txBody>
+      </p:sp>
+    </p:spTree>
+    <p:extLst>
+      <p:ext uri="{BB962C8B-B14F-4D97-AF65-F5344CB8AC3E}">
+        <p14:creationId xmlns:p14="http://schemas.microsoft.com/office/powerpoint/2010/main" val="349393749"/>
+      </p:ext>
+    </p:extLst>
+  </p:cSld>
+  <p:clrMapOvr>
+    <a:masterClrMapping/>
+  </p:clrMapOvr>
+  <mc:AlternateContent xmlns:mc="http://schemas.openxmlformats.org/markup-compatibility/2006">
+    <mc:Choice xmlns:p14="http://schemas.microsoft.com/office/powerpoint/2010/main" Requires="p14">
+      <p:transition spd="slow" p14:dur="2500">
+        <p:checker/>
+      </p:transition>
+    </mc:Choice>
+    <mc:Fallback>
+      <p:transition spd="slow">
+        <p:checker/>
+      </p:transition>
     </mc:Fallback>
   </mc:AlternateContent>
   <p:timing>
@@ -16674,12 +17043,16 @@
   <p:clrMapOvr>
     <a:masterClrMapping/>
   </p:clrMapOvr>
-  <mc:AlternateContent xmlns:mc="http://schemas.openxmlformats.org/markup-compatibility/2006" xmlns:p14="http://schemas.microsoft.com/office/powerpoint/2010/main">
-    <mc:Choice Requires="p14">
-      <p:transition p14:dur="10"/>
+  <mc:AlternateContent xmlns:mc="http://schemas.openxmlformats.org/markup-compatibility/2006">
+    <mc:Choice xmlns:p14="http://schemas.microsoft.com/office/powerpoint/2010/main" Requires="p14">
+      <p:transition spd="slow" p14:dur="1600">
+        <p:blinds dir="vert"/>
+      </p:transition>
     </mc:Choice>
-    <mc:Fallback xmlns="">
-      <p:transition/>
+    <mc:Fallback>
+      <p:transition spd="slow">
+        <p:blinds dir="vert"/>
+      </p:transition>
     </mc:Fallback>
   </mc:AlternateContent>
   <p:timing>
@@ -17021,7 +17394,7 @@
           <a:graphicData uri="http://schemas.openxmlformats.org/presentationml/2006/ole">
             <mc:AlternateContent xmlns:mc="http://schemas.openxmlformats.org/markup-compatibility/2006">
               <mc:Choice xmlns:v="urn:schemas-microsoft-com:vml" Requires="v">
-                <p:oleObj spid="_x0000_s4137" r:id="rId3" imgW="2907720" imgH="7936200" progId="">
+                <p:oleObj spid="_x0000_s4153" r:id="rId3" imgW="2907720" imgH="7936200" progId="">
                   <p:embed/>
                 </p:oleObj>
               </mc:Choice>
@@ -17078,7 +17451,7 @@
           <a:graphicData uri="http://schemas.openxmlformats.org/presentationml/2006/ole">
             <mc:AlternateContent xmlns:mc="http://schemas.openxmlformats.org/markup-compatibility/2006">
               <mc:Choice xmlns:v="urn:schemas-microsoft-com:vml" Requires="v">
-                <p:oleObj spid="_x0000_s4138" r:id="rId5" imgW="2729880" imgH="1815840" progId="">
+                <p:oleObj spid="_x0000_s4154" r:id="rId5" imgW="2729880" imgH="1815840" progId="">
                   <p:embed/>
                 </p:oleObj>
               </mc:Choice>
@@ -17135,7 +17508,7 @@
           <a:graphicData uri="http://schemas.openxmlformats.org/presentationml/2006/ole">
             <mc:AlternateContent xmlns:mc="http://schemas.openxmlformats.org/markup-compatibility/2006">
               <mc:Choice xmlns:v="urn:schemas-microsoft-com:vml" Requires="v">
-                <p:oleObj spid="_x0000_s4139" r:id="rId7" imgW="647280" imgH="456840" progId="">
+                <p:oleObj spid="_x0000_s4155" r:id="rId7" imgW="647280" imgH="456840" progId="">
                   <p:embed/>
                 </p:oleObj>
               </mc:Choice>
@@ -17192,7 +17565,7 @@
           <a:graphicData uri="http://schemas.openxmlformats.org/presentationml/2006/ole">
             <mc:AlternateContent xmlns:mc="http://schemas.openxmlformats.org/markup-compatibility/2006">
               <mc:Choice xmlns:v="urn:schemas-microsoft-com:vml" Requires="v">
-                <p:oleObj spid="_x0000_s4140" r:id="rId9" imgW="672840" imgH="1422000" progId="">
+                <p:oleObj spid="_x0000_s4156" r:id="rId9" imgW="672840" imgH="1422000" progId="">
                   <p:embed/>
                 </p:oleObj>
               </mc:Choice>
@@ -17261,12 +17634,16 @@
   <p:clrMapOvr>
     <a:masterClrMapping/>
   </p:clrMapOvr>
-  <mc:AlternateContent xmlns:mc="http://schemas.openxmlformats.org/markup-compatibility/2006" xmlns:p14="http://schemas.microsoft.com/office/powerpoint/2010/main">
-    <mc:Choice Requires="p14">
-      <p:transition p14:dur="10"/>
+  <mc:AlternateContent xmlns:mc="http://schemas.openxmlformats.org/markup-compatibility/2006">
+    <mc:Choice xmlns:p14="http://schemas.microsoft.com/office/powerpoint/2010/main" Requires="p14">
+      <p:transition spd="slow" p14:dur="2500">
+        <p:checker/>
+      </p:transition>
     </mc:Choice>
-    <mc:Fallback xmlns="">
-      <p:transition/>
+    <mc:Fallback>
+      <p:transition spd="slow">
+        <p:checker/>
+      </p:transition>
     </mc:Fallback>
   </mc:AlternateContent>
   <p:timing>
@@ -17917,7 +18294,7 @@
           <a:graphicData uri="http://schemas.openxmlformats.org/presentationml/2006/ole">
             <mc:AlternateContent xmlns:mc="http://schemas.openxmlformats.org/markup-compatibility/2006">
               <mc:Choice xmlns:v="urn:schemas-microsoft-com:vml" Requires="v">
-                <p:oleObj spid="_x0000_s5130" r:id="rId3" imgW="17053920" imgH="9015840" progId="">
+                <p:oleObj spid="_x0000_s5134" r:id="rId3" imgW="17053920" imgH="9015840" progId="">
                   <p:embed/>
                 </p:oleObj>
               </mc:Choice>
@@ -18003,6 +18380,18 @@
   <p:clrMapOvr>
     <a:masterClrMapping/>
   </p:clrMapOvr>
+  <mc:AlternateContent xmlns:mc="http://schemas.openxmlformats.org/markup-compatibility/2006">
+    <mc:Choice xmlns:p14="http://schemas.microsoft.com/office/powerpoint/2010/main" Requires="p14">
+      <p:transition spd="slow" p14:dur="2500">
+        <p:checker/>
+      </p:transition>
+    </mc:Choice>
+    <mc:Fallback>
+      <p:transition spd="slow">
+        <p:checker/>
+      </p:transition>
+    </mc:Fallback>
+  </mc:AlternateContent>
   <p:timing>
     <p:tnLst>
       <p:par>
@@ -18889,12 +19278,16 @@
   <p:clrMapOvr>
     <a:masterClrMapping/>
   </p:clrMapOvr>
-  <mc:AlternateContent xmlns:mc="http://schemas.openxmlformats.org/markup-compatibility/2006" xmlns:p14="http://schemas.microsoft.com/office/powerpoint/2010/main">
-    <mc:Choice Requires="p14">
-      <p:transition p14:dur="10"/>
+  <mc:AlternateContent xmlns:mc="http://schemas.openxmlformats.org/markup-compatibility/2006">
+    <mc:Choice xmlns:p14="http://schemas.microsoft.com/office/powerpoint/2010/main" Requires="p14">
+      <p:transition spd="slow" p14:dur="2500">
+        <p:checker/>
+      </p:transition>
     </mc:Choice>
-    <mc:Fallback xmlns="">
-      <p:transition/>
+    <mc:Fallback>
+      <p:transition spd="slow">
+        <p:checker/>
+      </p:transition>
     </mc:Fallback>
   </mc:AlternateContent>
   <p:timing>
@@ -19476,12 +19869,16 @@
   <p:clrMapOvr>
     <a:masterClrMapping/>
   </p:clrMapOvr>
-  <mc:AlternateContent xmlns:mc="http://schemas.openxmlformats.org/markup-compatibility/2006" xmlns:p14="http://schemas.microsoft.com/office/powerpoint/2010/main">
-    <mc:Choice Requires="p14">
-      <p:transition p14:dur="10"/>
+  <mc:AlternateContent xmlns:mc="http://schemas.openxmlformats.org/markup-compatibility/2006">
+    <mc:Choice xmlns:p14="http://schemas.microsoft.com/office/powerpoint/2010/main" Requires="p14">
+      <p:transition spd="slow" p14:dur="2500">
+        <p:checker/>
+      </p:transition>
     </mc:Choice>
-    <mc:Fallback xmlns="">
-      <p:transition/>
+    <mc:Fallback>
+      <p:transition spd="slow">
+        <p:checker/>
+      </p:transition>
     </mc:Fallback>
   </mc:AlternateContent>
   <p:timing>
@@ -21318,12 +21715,16 @@
   <p:clrMapOvr>
     <a:masterClrMapping/>
   </p:clrMapOvr>
-  <mc:AlternateContent xmlns:mc="http://schemas.openxmlformats.org/markup-compatibility/2006" xmlns:p14="http://schemas.microsoft.com/office/powerpoint/2010/main">
-    <mc:Choice Requires="p14">
-      <p:transition p14:dur="10"/>
+  <mc:AlternateContent xmlns:mc="http://schemas.openxmlformats.org/markup-compatibility/2006">
+    <mc:Choice xmlns:p14="http://schemas.microsoft.com/office/powerpoint/2010/main" Requires="p14">
+      <p:transition spd="slow" p14:dur="2500">
+        <p:checker/>
+      </p:transition>
     </mc:Choice>
-    <mc:Fallback xmlns="">
-      <p:transition/>
+    <mc:Fallback>
+      <p:transition spd="slow">
+        <p:checker/>
+      </p:transition>
     </mc:Fallback>
   </mc:AlternateContent>
   <p:timing>
@@ -24076,12 +24477,16 @@
   <p:clrMapOvr>
     <a:masterClrMapping/>
   </p:clrMapOvr>
-  <mc:AlternateContent xmlns:mc="http://schemas.openxmlformats.org/markup-compatibility/2006" xmlns:p14="http://schemas.microsoft.com/office/powerpoint/2010/main">
-    <mc:Choice Requires="p14">
-      <p:transition p14:dur="10"/>
+  <mc:AlternateContent xmlns:mc="http://schemas.openxmlformats.org/markup-compatibility/2006">
+    <mc:Choice xmlns:p14="http://schemas.microsoft.com/office/powerpoint/2010/main" Requires="p14">
+      <p:transition spd="slow" p14:dur="2500">
+        <p:checker/>
+      </p:transition>
     </mc:Choice>
-    <mc:Fallback xmlns="">
-      <p:transition/>
+    <mc:Fallback>
+      <p:transition spd="slow">
+        <p:checker/>
+      </p:transition>
     </mc:Fallback>
   </mc:AlternateContent>
   <p:timing>
@@ -24749,7 +25154,7 @@
   <a:extraClrSchemeLst/>
   <a:extLst>
     <a:ext uri="{05A4C25C-085E-4340-85A3-A5531E510DB2}">
-      <thm15:themeFamily xmlns="" xmlns:thm15="http://schemas.microsoft.com/office/thememl/2012/main" name="TF10001108_Welcome to Powerpoint 2016_CLR_v2" id="{CAB9082A-965C-42BE-8170-C940D3319B60}" vid="{82B84162-888A-4FD2-BEC9-B29B6DB2C73F}"/>
+      <thm15:themeFamily xmlns:thm15="http://schemas.microsoft.com/office/thememl/2012/main" xmlns="" name="TF10001108_Welcome to Powerpoint 2016_CLR_v2" id="{CAB9082A-965C-42BE-8170-C940D3319B60}" vid="{82B84162-888A-4FD2-BEC9-B29B6DB2C73F}"/>
     </a:ext>
   </a:extLst>
 </a:theme>
@@ -25010,7 +25415,7 @@
   <a:extraClrSchemeLst/>
   <a:extLst>
     <a:ext uri="{05A4C25C-085E-4340-85A3-A5531E510DB2}">
-      <thm15:themeFamily xmlns="" xmlns:thm15="http://schemas.microsoft.com/office/thememl/2012/main" name="Office Theme" id="{62F939B6-93AF-4DB8-9C6B-D6C7DFDC589F}" vid="{4A3C46E8-61CC-4603-A589-7422A47A8E4A}"/>
+      <thm15:themeFamily xmlns:thm15="http://schemas.microsoft.com/office/thememl/2012/main" xmlns="" name="Office Theme" id="{62F939B6-93AF-4DB8-9C6B-D6C7DFDC589F}" vid="{4A3C46E8-61CC-4603-A589-7422A47A8E4A}"/>
     </a:ext>
   </a:extLst>
 </a:theme>
@@ -25305,7 +25710,7 @@
   <a:extraClrSchemeLst/>
   <a:extLst>
     <a:ext uri="{05A4C25C-085E-4340-85A3-A5531E510DB2}">
-      <thm15:themeFamily xmlns="" xmlns:thm15="http://schemas.microsoft.com/office/thememl/2012/main" name="Office Theme" id="{62F939B6-93AF-4DB8-9C6B-D6C7DFDC589F}" vid="{4A3C46E8-61CC-4603-A589-7422A47A8E4A}"/>
+      <thm15:themeFamily xmlns:thm15="http://schemas.microsoft.com/office/thememl/2012/main" xmlns="" name="Office Theme" id="{62F939B6-93AF-4DB8-9C6B-D6C7DFDC589F}" vid="{4A3C46E8-61CC-4603-A589-7422A47A8E4A}"/>
     </a:ext>
   </a:extLst>
 </a:theme>

--- a/smallProject/flappy-bird-new/doc/Flappy Bird.pptx
+++ b/smallProject/flappy-bird-new/doc/Flappy Bird.pptx
@@ -164,7 +164,7 @@
       </p14:sectionLst>
     </p:ext>
     <p:ext uri="{EFAFB233-063F-42B5-8137-9DF3F51BA10A}">
-      <p15:sldGuideLst xmlns="" xmlns:p15="http://schemas.microsoft.com/office/powerpoint/2012/main">
+      <p15:sldGuideLst xmlns:p15="http://schemas.microsoft.com/office/powerpoint/2012/main">
         <p15:guide id="1" orient="horz" pos="2160" userDrawn="1">
           <p15:clr>
             <a:srgbClr val="A4A3A4"/>
@@ -178,7 +178,7 @@
       </p15:sldGuideLst>
     </p:ext>
     <p:ext uri="{2D200454-40CA-4A62-9FC3-DE9A4176ACB9}">
-      <p15:notesGuideLst xmlns="" xmlns:p15="http://schemas.microsoft.com/office/powerpoint/2012/main"/>
+      <p15:notesGuideLst xmlns:p15="http://schemas.microsoft.com/office/powerpoint/2012/main"/>
     </p:ext>
   </p:extLst>
 </p:presentation>
@@ -272,7 +272,7 @@
           <a:p>
             <a:fld id="{80680FBE-A8DF-4758-9AC4-3A9E1039168F}" type="datetimeFigureOut">
               <a:rPr lang="en-US" smtClean="0"/>
-              <a:t>8/23/2020</a:t>
+              <a:t>8/25/2020</a:t>
             </a:fld>
             <a:endParaRPr lang="en-US"/>
           </a:p>
@@ -437,7 +437,7 @@
           <a:p>
             <a:fld id="{EC13577B-6902-467D-A26C-08A0DD5E4E03}" type="datetimeFigureOut">
               <a:rPr lang="en-US" smtClean="0"/>
-              <a:t>8/23/2020</a:t>
+              <a:t>8/25/2020</a:t>
             </a:fld>
             <a:endParaRPr lang="en-US"/>
           </a:p>
@@ -1232,7 +1232,7 @@
             <a:fld id="{8BEEBAAA-29B5-4AF5-BC5F-7E580C29002D}" type="datetimeFigureOut">
               <a:rPr lang="en-US" smtClean="0"/>
               <a:pPr/>
-              <a:t>8/23/2020</a:t>
+              <a:t>8/25/2020</a:t>
             </a:fld>
             <a:endParaRPr lang="en-US"/>
           </a:p>
@@ -1858,7 +1858,7 @@
             <a:fld id="{8BEEBAAA-29B5-4AF5-BC5F-7E580C29002D}" type="datetimeFigureOut">
               <a:rPr lang="en-US" smtClean="0"/>
               <a:pPr/>
-              <a:t>8/23/2020</a:t>
+              <a:t>8/25/2020</a:t>
             </a:fld>
             <a:endParaRPr lang="en-US"/>
           </a:p>
@@ -2494,9 +2494,313 @@
   <p:timing>
     <p:tnLst>
       <p:par>
-        <p:cTn id="1" dur="indefinite" restart="never" nodeType="tmRoot"/>
+        <p:cTn id="1" dur="indefinite" restart="never" nodeType="tmRoot">
+          <p:childTnLst>
+            <p:seq concurrent="1" nextAc="seek">
+              <p:cTn id="2" dur="indefinite" nodeType="mainSeq">
+                <p:childTnLst>
+                  <p:par>
+                    <p:cTn id="3" fill="hold">
+                      <p:stCondLst>
+                        <p:cond delay="indefinite"/>
+                      </p:stCondLst>
+                      <p:childTnLst>
+                        <p:par>
+                          <p:cTn id="4" fill="hold">
+                            <p:stCondLst>
+                              <p:cond delay="0"/>
+                            </p:stCondLst>
+                            <p:childTnLst>
+                              <p:par>
+                                <p:cTn id="5" presetID="42" presetClass="entr" presetSubtype="0" fill="hold" grpId="0" nodeType="clickEffect">
+                                  <p:stCondLst>
+                                    <p:cond delay="0"/>
+                                  </p:stCondLst>
+                                  <p:childTnLst>
+                                    <p:set>
+                                      <p:cBhvr>
+                                        <p:cTn id="6" dur="1" fill="hold">
+                                          <p:stCondLst>
+                                            <p:cond delay="0"/>
+                                          </p:stCondLst>
+                                        </p:cTn>
+                                        <p:tgtEl>
+                                          <p:spTgt spid="2"/>
+                                        </p:tgtEl>
+                                        <p:attrNameLst>
+                                          <p:attrName>style.visibility</p:attrName>
+                                        </p:attrNameLst>
+                                      </p:cBhvr>
+                                      <p:to>
+                                        <p:strVal val="visible"/>
+                                      </p:to>
+                                    </p:set>
+                                    <p:animEffect transition="in" filter="fade">
+                                      <p:cBhvr>
+                                        <p:cTn id="7" dur="1000"/>
+                                        <p:tgtEl>
+                                          <p:spTgt spid="2"/>
+                                        </p:tgtEl>
+                                      </p:cBhvr>
+                                    </p:animEffect>
+                                    <p:anim calcmode="lin" valueType="num">
+                                      <p:cBhvr>
+                                        <p:cTn id="8" dur="1000" fill="hold"/>
+                                        <p:tgtEl>
+                                          <p:spTgt spid="2"/>
+                                        </p:tgtEl>
+                                        <p:attrNameLst>
+                                          <p:attrName>ppt_x</p:attrName>
+                                        </p:attrNameLst>
+                                      </p:cBhvr>
+                                      <p:tavLst>
+                                        <p:tav tm="0">
+                                          <p:val>
+                                            <p:strVal val="#ppt_x"/>
+                                          </p:val>
+                                        </p:tav>
+                                        <p:tav tm="100000">
+                                          <p:val>
+                                            <p:strVal val="#ppt_x"/>
+                                          </p:val>
+                                        </p:tav>
+                                      </p:tavLst>
+                                    </p:anim>
+                                    <p:anim calcmode="lin" valueType="num">
+                                      <p:cBhvr>
+                                        <p:cTn id="9" dur="1000" fill="hold"/>
+                                        <p:tgtEl>
+                                          <p:spTgt spid="2"/>
+                                        </p:tgtEl>
+                                        <p:attrNameLst>
+                                          <p:attrName>ppt_y</p:attrName>
+                                        </p:attrNameLst>
+                                      </p:cBhvr>
+                                      <p:tavLst>
+                                        <p:tav tm="0">
+                                          <p:val>
+                                            <p:strVal val="#ppt_y+.1"/>
+                                          </p:val>
+                                        </p:tav>
+                                        <p:tav tm="100000">
+                                          <p:val>
+                                            <p:strVal val="#ppt_y"/>
+                                          </p:val>
+                                        </p:tav>
+                                      </p:tavLst>
+                                    </p:anim>
+                                  </p:childTnLst>
+                                </p:cTn>
+                              </p:par>
+                              <p:par>
+                                <p:cTn id="10" presetID="42" presetClass="entr" presetSubtype="0" fill="hold" grpId="0" nodeType="withEffect">
+                                  <p:stCondLst>
+                                    <p:cond delay="0"/>
+                                  </p:stCondLst>
+                                  <p:childTnLst>
+                                    <p:set>
+                                      <p:cBhvr>
+                                        <p:cTn id="11" dur="1" fill="hold">
+                                          <p:stCondLst>
+                                            <p:cond delay="0"/>
+                                          </p:stCondLst>
+                                        </p:cTn>
+                                        <p:tgtEl>
+                                          <p:spTgt spid="3">
+                                            <p:txEl>
+                                              <p:pRg st="0" end="0"/>
+                                            </p:txEl>
+                                          </p:spTgt>
+                                        </p:tgtEl>
+                                        <p:attrNameLst>
+                                          <p:attrName>style.visibility</p:attrName>
+                                        </p:attrNameLst>
+                                      </p:cBhvr>
+                                      <p:to>
+                                        <p:strVal val="visible"/>
+                                      </p:to>
+                                    </p:set>
+                                    <p:animEffect transition="in" filter="fade">
+                                      <p:cBhvr>
+                                        <p:cTn id="12" dur="1000"/>
+                                        <p:tgtEl>
+                                          <p:spTgt spid="3">
+                                            <p:txEl>
+                                              <p:pRg st="0" end="0"/>
+                                            </p:txEl>
+                                          </p:spTgt>
+                                        </p:tgtEl>
+                                      </p:cBhvr>
+                                    </p:animEffect>
+                                    <p:anim calcmode="lin" valueType="num">
+                                      <p:cBhvr>
+                                        <p:cTn id="13" dur="1000" fill="hold"/>
+                                        <p:tgtEl>
+                                          <p:spTgt spid="3">
+                                            <p:txEl>
+                                              <p:pRg st="0" end="0"/>
+                                            </p:txEl>
+                                          </p:spTgt>
+                                        </p:tgtEl>
+                                        <p:attrNameLst>
+                                          <p:attrName>ppt_x</p:attrName>
+                                        </p:attrNameLst>
+                                      </p:cBhvr>
+                                      <p:tavLst>
+                                        <p:tav tm="0">
+                                          <p:val>
+                                            <p:strVal val="#ppt_x"/>
+                                          </p:val>
+                                        </p:tav>
+                                        <p:tav tm="100000">
+                                          <p:val>
+                                            <p:strVal val="#ppt_x"/>
+                                          </p:val>
+                                        </p:tav>
+                                      </p:tavLst>
+                                    </p:anim>
+                                    <p:anim calcmode="lin" valueType="num">
+                                      <p:cBhvr>
+                                        <p:cTn id="14" dur="1000" fill="hold"/>
+                                        <p:tgtEl>
+                                          <p:spTgt spid="3">
+                                            <p:txEl>
+                                              <p:pRg st="0" end="0"/>
+                                            </p:txEl>
+                                          </p:spTgt>
+                                        </p:tgtEl>
+                                        <p:attrNameLst>
+                                          <p:attrName>ppt_y</p:attrName>
+                                        </p:attrNameLst>
+                                      </p:cBhvr>
+                                      <p:tavLst>
+                                        <p:tav tm="0">
+                                          <p:val>
+                                            <p:strVal val="#ppt_y+.1"/>
+                                          </p:val>
+                                        </p:tav>
+                                        <p:tav tm="100000">
+                                          <p:val>
+                                            <p:strVal val="#ppt_y"/>
+                                          </p:val>
+                                        </p:tav>
+                                      </p:tavLst>
+                                    </p:anim>
+                                  </p:childTnLst>
+                                </p:cTn>
+                              </p:par>
+                              <p:par>
+                                <p:cTn id="15" presetID="42" presetClass="entr" presetSubtype="0" fill="hold" nodeType="withEffect">
+                                  <p:stCondLst>
+                                    <p:cond delay="0"/>
+                                  </p:stCondLst>
+                                  <p:childTnLst>
+                                    <p:set>
+                                      <p:cBhvr>
+                                        <p:cTn id="16" dur="1" fill="hold">
+                                          <p:stCondLst>
+                                            <p:cond delay="0"/>
+                                          </p:stCondLst>
+                                        </p:cTn>
+                                        <p:tgtEl>
+                                          <p:spTgt spid="1026"/>
+                                        </p:tgtEl>
+                                        <p:attrNameLst>
+                                          <p:attrName>style.visibility</p:attrName>
+                                        </p:attrNameLst>
+                                      </p:cBhvr>
+                                      <p:to>
+                                        <p:strVal val="visible"/>
+                                      </p:to>
+                                    </p:set>
+                                    <p:animEffect transition="in" filter="fade">
+                                      <p:cBhvr>
+                                        <p:cTn id="17" dur="1000"/>
+                                        <p:tgtEl>
+                                          <p:spTgt spid="1026"/>
+                                        </p:tgtEl>
+                                      </p:cBhvr>
+                                    </p:animEffect>
+                                    <p:anim calcmode="lin" valueType="num">
+                                      <p:cBhvr>
+                                        <p:cTn id="18" dur="1000" fill="hold"/>
+                                        <p:tgtEl>
+                                          <p:spTgt spid="1026"/>
+                                        </p:tgtEl>
+                                        <p:attrNameLst>
+                                          <p:attrName>ppt_x</p:attrName>
+                                        </p:attrNameLst>
+                                      </p:cBhvr>
+                                      <p:tavLst>
+                                        <p:tav tm="0">
+                                          <p:val>
+                                            <p:strVal val="#ppt_x"/>
+                                          </p:val>
+                                        </p:tav>
+                                        <p:tav tm="100000">
+                                          <p:val>
+                                            <p:strVal val="#ppt_x"/>
+                                          </p:val>
+                                        </p:tav>
+                                      </p:tavLst>
+                                    </p:anim>
+                                    <p:anim calcmode="lin" valueType="num">
+                                      <p:cBhvr>
+                                        <p:cTn id="19" dur="1000" fill="hold"/>
+                                        <p:tgtEl>
+                                          <p:spTgt spid="1026"/>
+                                        </p:tgtEl>
+                                        <p:attrNameLst>
+                                          <p:attrName>ppt_y</p:attrName>
+                                        </p:attrNameLst>
+                                      </p:cBhvr>
+                                      <p:tavLst>
+                                        <p:tav tm="0">
+                                          <p:val>
+                                            <p:strVal val="#ppt_y+.1"/>
+                                          </p:val>
+                                        </p:tav>
+                                        <p:tav tm="100000">
+                                          <p:val>
+                                            <p:strVal val="#ppt_y"/>
+                                          </p:val>
+                                        </p:tav>
+                                      </p:tavLst>
+                                    </p:anim>
+                                  </p:childTnLst>
+                                </p:cTn>
+                              </p:par>
+                            </p:childTnLst>
+                          </p:cTn>
+                        </p:par>
+                      </p:childTnLst>
+                    </p:cTn>
+                  </p:par>
+                </p:childTnLst>
+              </p:cTn>
+              <p:prevCondLst>
+                <p:cond evt="onPrev" delay="0">
+                  <p:tgtEl>
+                    <p:sldTgt/>
+                  </p:tgtEl>
+                </p:cond>
+              </p:prevCondLst>
+              <p:nextCondLst>
+                <p:cond evt="onNext" delay="0">
+                  <p:tgtEl>
+                    <p:sldTgt/>
+                  </p:tgtEl>
+                </p:cond>
+              </p:nextCondLst>
+            </p:seq>
+          </p:childTnLst>
+        </p:cTn>
       </p:par>
     </p:tnLst>
+    <p:bldLst>
+      <p:bldP spid="2" grpId="0"/>
+      <p:bldP spid="3" grpId="0" build="p"/>
+    </p:bldLst>
   </p:timing>
 </p:sld>
 </file>
@@ -6291,11 +6595,7 @@
             </a:r>
             <a:r>
               <a:rPr lang="en-US" smtClean="0"/>
-              <a:t> </a:t>
-            </a:r>
-            <a:r>
-              <a:rPr lang="en-US" smtClean="0"/>
-              <a:t>sẽ bay lên 1 khoảng, </a:t>
+              <a:t> sẽ bay lên 1 khoảng, </a:t>
             </a:r>
             <a:r>
               <a:rPr lang="en-US"/>
@@ -8436,19 +8736,7 @@
           <a:p>
             <a:r>
               <a:rPr lang="en-US" b="1" smtClean="0"/>
-              <a:t>C. </a:t>
-            </a:r>
-            <a:r>
-              <a:rPr lang="en-US" b="1" smtClean="0"/>
-              <a:t>Chuyển động </a:t>
-            </a:r>
-            <a:r>
-              <a:rPr lang="en-US" b="1" smtClean="0"/>
-              <a:t>xoay </a:t>
-            </a:r>
-            <a:r>
-              <a:rPr lang="en-US" b="1" smtClean="0"/>
-              <a:t>của đối tượng Bird</a:t>
+              <a:t>C. Chuyển động xoay của đối tượng Bird</a:t>
             </a:r>
             <a:endParaRPr lang="en-US" b="1"/>
           </a:p>
@@ -8484,7 +8772,6 @@
               <a:rPr lang="en-US" smtClean="0"/>
               <a:t>Đối tượng Bird có 1 chuyển động xoay quanh trục, tỉ lệ với bird.v</a:t>
             </a:r>
-            <a:endParaRPr lang="en-US" smtClean="0"/>
           </a:p>
         </p:txBody>
       </p:sp>
@@ -8660,7 +8947,6 @@
               <a:rPr lang="en-US" smtClean="0"/>
               <a:t>mục đích chỉ làm xoay đối tượng bird nếu k có 2 method này sẽ xoay tất cả các đối tượng canvas phía sau</a:t>
             </a:r>
-            <a:endParaRPr lang="en-US" smtClean="0"/>
           </a:p>
         </p:txBody>
       </p:sp>
@@ -8942,11 +9228,7 @@
           <a:p>
             <a:r>
               <a:rPr lang="en-US" b="1" smtClean="0"/>
-              <a:t>C. Animation đập cánh của </a:t>
-            </a:r>
-            <a:r>
-              <a:rPr lang="en-US" b="1" smtClean="0"/>
-              <a:t>đối tượng Bird</a:t>
+              <a:t>C. Animation đập cánh của đối tượng Bird</a:t>
             </a:r>
             <a:endParaRPr lang="en-US" b="1"/>
           </a:p>
@@ -9058,7 +9340,6 @@
               <a:rPr lang="en-US" smtClean="0"/>
               <a:t> là số thứ tự animation muốn vẽ</a:t>
             </a:r>
-            <a:endParaRPr lang="en-US" smtClean="0"/>
           </a:p>
         </p:txBody>
       </p:sp>
@@ -11339,15 +11620,7 @@
                   <a:srgbClr val="FF9B45"/>
                 </a:solidFill>
               </a:rPr>
-              <a:t> </a:t>
-            </a:r>
-            <a:r>
-              <a:rPr lang="en-US" i="1">
-                <a:solidFill>
-                  <a:srgbClr val="FF9B45"/>
-                </a:solidFill>
-              </a:rPr>
-              <a:t>pipe </a:t>
+              <a:t> pipe </a:t>
             </a:r>
             <a:r>
               <a:rPr lang="en-US" i="1" smtClean="0">
@@ -15852,7 +16125,7 @@
           <a:graphicData uri="http://schemas.openxmlformats.org/presentationml/2006/ole">
             <mc:AlternateContent xmlns:mc="http://schemas.openxmlformats.org/markup-compatibility/2006">
               <mc:Choice xmlns:v="urn:schemas-microsoft-com:vml" Requires="v">
-                <p:oleObj spid="_x0000_s2063" r:id="rId3" imgW="3047400" imgH="3809520" progId="">
+                <p:oleObj spid="_x0000_s2065" r:id="rId3" imgW="3047400" imgH="3809520" progId="">
                   <p:embed/>
                 </p:oleObj>
               </mc:Choice>
@@ -16143,9 +16416,269 @@
   <p:timing>
     <p:tnLst>
       <p:par>
-        <p:cTn id="1" dur="indefinite" restart="never" nodeType="tmRoot"/>
+        <p:cTn id="1" dur="indefinite" restart="never" nodeType="tmRoot">
+          <p:childTnLst>
+            <p:seq concurrent="1" nextAc="seek">
+              <p:cTn id="2" dur="indefinite" nodeType="mainSeq">
+                <p:childTnLst>
+                  <p:par>
+                    <p:cTn id="3" fill="hold">
+                      <p:stCondLst>
+                        <p:cond delay="indefinite"/>
+                      </p:stCondLst>
+                      <p:childTnLst>
+                        <p:par>
+                          <p:cTn id="4" fill="hold">
+                            <p:stCondLst>
+                              <p:cond delay="0"/>
+                            </p:stCondLst>
+                            <p:childTnLst>
+                              <p:par>
+                                <p:cTn id="5" presetID="16" presetClass="entr" presetSubtype="21" fill="hold" grpId="0" nodeType="clickEffect">
+                                  <p:stCondLst>
+                                    <p:cond delay="0"/>
+                                  </p:stCondLst>
+                                  <p:childTnLst>
+                                    <p:set>
+                                      <p:cBhvr>
+                                        <p:cTn id="6" dur="1" fill="hold">
+                                          <p:stCondLst>
+                                            <p:cond delay="0"/>
+                                          </p:stCondLst>
+                                        </p:cTn>
+                                        <p:tgtEl>
+                                          <p:spTgt spid="8"/>
+                                        </p:tgtEl>
+                                        <p:attrNameLst>
+                                          <p:attrName>style.visibility</p:attrName>
+                                        </p:attrNameLst>
+                                      </p:cBhvr>
+                                      <p:to>
+                                        <p:strVal val="visible"/>
+                                      </p:to>
+                                    </p:set>
+                                    <p:animEffect transition="in" filter="barn(inVertical)">
+                                      <p:cBhvr>
+                                        <p:cTn id="7" dur="500"/>
+                                        <p:tgtEl>
+                                          <p:spTgt spid="8"/>
+                                        </p:tgtEl>
+                                      </p:cBhvr>
+                                    </p:animEffect>
+                                  </p:childTnLst>
+                                </p:cTn>
+                              </p:par>
+                              <p:par>
+                                <p:cTn id="8" presetID="42" presetClass="entr" presetSubtype="0" fill="hold" nodeType="withEffect">
+                                  <p:stCondLst>
+                                    <p:cond delay="0"/>
+                                  </p:stCondLst>
+                                  <p:childTnLst>
+                                    <p:set>
+                                      <p:cBhvr>
+                                        <p:cTn id="9" dur="1" fill="hold">
+                                          <p:stCondLst>
+                                            <p:cond delay="0"/>
+                                          </p:stCondLst>
+                                        </p:cTn>
+                                        <p:tgtEl>
+                                          <p:spTgt spid="2"/>
+                                        </p:tgtEl>
+                                        <p:attrNameLst>
+                                          <p:attrName>style.visibility</p:attrName>
+                                        </p:attrNameLst>
+                                      </p:cBhvr>
+                                      <p:to>
+                                        <p:strVal val="visible"/>
+                                      </p:to>
+                                    </p:set>
+                                    <p:animEffect transition="in" filter="fade">
+                                      <p:cBhvr>
+                                        <p:cTn id="10" dur="1000"/>
+                                        <p:tgtEl>
+                                          <p:spTgt spid="2"/>
+                                        </p:tgtEl>
+                                      </p:cBhvr>
+                                    </p:animEffect>
+                                    <p:anim calcmode="lin" valueType="num">
+                                      <p:cBhvr>
+                                        <p:cTn id="11" dur="1000" fill="hold"/>
+                                        <p:tgtEl>
+                                          <p:spTgt spid="2"/>
+                                        </p:tgtEl>
+                                        <p:attrNameLst>
+                                          <p:attrName>ppt_x</p:attrName>
+                                        </p:attrNameLst>
+                                      </p:cBhvr>
+                                      <p:tavLst>
+                                        <p:tav tm="0">
+                                          <p:val>
+                                            <p:strVal val="#ppt_x"/>
+                                          </p:val>
+                                        </p:tav>
+                                        <p:tav tm="100000">
+                                          <p:val>
+                                            <p:strVal val="#ppt_x"/>
+                                          </p:val>
+                                        </p:tav>
+                                      </p:tavLst>
+                                    </p:anim>
+                                    <p:anim calcmode="lin" valueType="num">
+                                      <p:cBhvr>
+                                        <p:cTn id="12" dur="1000" fill="hold"/>
+                                        <p:tgtEl>
+                                          <p:spTgt spid="2"/>
+                                        </p:tgtEl>
+                                        <p:attrNameLst>
+                                          <p:attrName>ppt_y</p:attrName>
+                                        </p:attrNameLst>
+                                      </p:cBhvr>
+                                      <p:tavLst>
+                                        <p:tav tm="0">
+                                          <p:val>
+                                            <p:strVal val="#ppt_y+.1"/>
+                                          </p:val>
+                                        </p:tav>
+                                        <p:tav tm="100000">
+                                          <p:val>
+                                            <p:strVal val="#ppt_y"/>
+                                          </p:val>
+                                        </p:tav>
+                                      </p:tavLst>
+                                    </p:anim>
+                                  </p:childTnLst>
+                                </p:cTn>
+                              </p:par>
+                            </p:childTnLst>
+                          </p:cTn>
+                        </p:par>
+                      </p:childTnLst>
+                    </p:cTn>
+                  </p:par>
+                  <p:par>
+                    <p:cTn id="13" fill="hold">
+                      <p:stCondLst>
+                        <p:cond delay="indefinite"/>
+                      </p:stCondLst>
+                      <p:childTnLst>
+                        <p:par>
+                          <p:cTn id="14" fill="hold">
+                            <p:stCondLst>
+                              <p:cond delay="0"/>
+                            </p:stCondLst>
+                            <p:childTnLst>
+                              <p:par>
+                                <p:cTn id="15" presetID="42" presetClass="entr" presetSubtype="0" fill="hold" grpId="0" nodeType="clickEffect">
+                                  <p:stCondLst>
+                                    <p:cond delay="0"/>
+                                  </p:stCondLst>
+                                  <p:childTnLst>
+                                    <p:set>
+                                      <p:cBhvr>
+                                        <p:cTn id="16" dur="1" fill="hold">
+                                          <p:stCondLst>
+                                            <p:cond delay="0"/>
+                                          </p:stCondLst>
+                                        </p:cTn>
+                                        <p:tgtEl>
+                                          <p:spTgt spid="4"/>
+                                        </p:tgtEl>
+                                        <p:attrNameLst>
+                                          <p:attrName>style.visibility</p:attrName>
+                                        </p:attrNameLst>
+                                      </p:cBhvr>
+                                      <p:to>
+                                        <p:strVal val="visible"/>
+                                      </p:to>
+                                    </p:set>
+                                    <p:animEffect transition="in" filter="fade">
+                                      <p:cBhvr>
+                                        <p:cTn id="17" dur="1000"/>
+                                        <p:tgtEl>
+                                          <p:spTgt spid="4"/>
+                                        </p:tgtEl>
+                                      </p:cBhvr>
+                                    </p:animEffect>
+                                    <p:anim calcmode="lin" valueType="num">
+                                      <p:cBhvr>
+                                        <p:cTn id="18" dur="1000" fill="hold"/>
+                                        <p:tgtEl>
+                                          <p:spTgt spid="4"/>
+                                        </p:tgtEl>
+                                        <p:attrNameLst>
+                                          <p:attrName>ppt_x</p:attrName>
+                                        </p:attrNameLst>
+                                      </p:cBhvr>
+                                      <p:tavLst>
+                                        <p:tav tm="0">
+                                          <p:val>
+                                            <p:strVal val="#ppt_x"/>
+                                          </p:val>
+                                        </p:tav>
+                                        <p:tav tm="100000">
+                                          <p:val>
+                                            <p:strVal val="#ppt_x"/>
+                                          </p:val>
+                                        </p:tav>
+                                      </p:tavLst>
+                                    </p:anim>
+                                    <p:anim calcmode="lin" valueType="num">
+                                      <p:cBhvr>
+                                        <p:cTn id="19" dur="1000" fill="hold"/>
+                                        <p:tgtEl>
+                                          <p:spTgt spid="4"/>
+                                        </p:tgtEl>
+                                        <p:attrNameLst>
+                                          <p:attrName>ppt_y</p:attrName>
+                                        </p:attrNameLst>
+                                      </p:cBhvr>
+                                      <p:tavLst>
+                                        <p:tav tm="0">
+                                          <p:val>
+                                            <p:strVal val="#ppt_y+.1"/>
+                                          </p:val>
+                                        </p:tav>
+                                        <p:tav tm="100000">
+                                          <p:val>
+                                            <p:strVal val="#ppt_y"/>
+                                          </p:val>
+                                        </p:tav>
+                                      </p:tavLst>
+                                    </p:anim>
+                                  </p:childTnLst>
+                                </p:cTn>
+                              </p:par>
+                            </p:childTnLst>
+                          </p:cTn>
+                        </p:par>
+                      </p:childTnLst>
+                    </p:cTn>
+                  </p:par>
+                </p:childTnLst>
+              </p:cTn>
+              <p:prevCondLst>
+                <p:cond evt="onPrev" delay="0">
+                  <p:tgtEl>
+                    <p:sldTgt/>
+                  </p:tgtEl>
+                </p:cond>
+              </p:prevCondLst>
+              <p:nextCondLst>
+                <p:cond evt="onNext" delay="0">
+                  <p:tgtEl>
+                    <p:sldTgt/>
+                  </p:tgtEl>
+                </p:cond>
+              </p:nextCondLst>
+            </p:seq>
+          </p:childTnLst>
+        </p:cTn>
       </p:par>
     </p:tnLst>
+    <p:bldLst>
+      <p:bldP spid="8" grpId="0"/>
+      <p:bldP spid="4" grpId="0"/>
+    </p:bldLst>
   </p:timing>
 </p:sld>
 </file>
@@ -16685,9 +17218,215 @@
   <p:timing>
     <p:tnLst>
       <p:par>
-        <p:cTn id="1" dur="indefinite" restart="never" nodeType="tmRoot"/>
+        <p:cTn id="1" dur="indefinite" restart="never" nodeType="tmRoot">
+          <p:childTnLst>
+            <p:seq concurrent="1" nextAc="seek">
+              <p:cTn id="2" dur="indefinite" nodeType="mainSeq">
+                <p:childTnLst>
+                  <p:par>
+                    <p:cTn id="3" fill="hold">
+                      <p:stCondLst>
+                        <p:cond delay="indefinite"/>
+                      </p:stCondLst>
+                      <p:childTnLst>
+                        <p:par>
+                          <p:cTn id="4" fill="hold">
+                            <p:stCondLst>
+                              <p:cond delay="0"/>
+                            </p:stCondLst>
+                            <p:childTnLst>
+                              <p:par>
+                                <p:cTn id="5" presetID="16" presetClass="entr" presetSubtype="21" fill="hold" grpId="0" nodeType="clickEffect">
+                                  <p:stCondLst>
+                                    <p:cond delay="0"/>
+                                  </p:stCondLst>
+                                  <p:childTnLst>
+                                    <p:set>
+                                      <p:cBhvr>
+                                        <p:cTn id="6" dur="1" fill="hold">
+                                          <p:stCondLst>
+                                            <p:cond delay="0"/>
+                                          </p:stCondLst>
+                                        </p:cTn>
+                                        <p:tgtEl>
+                                          <p:spTgt spid="4"/>
+                                        </p:tgtEl>
+                                        <p:attrNameLst>
+                                          <p:attrName>style.visibility</p:attrName>
+                                        </p:attrNameLst>
+                                      </p:cBhvr>
+                                      <p:to>
+                                        <p:strVal val="visible"/>
+                                      </p:to>
+                                    </p:set>
+                                    <p:animEffect transition="in" filter="barn(inVertical)">
+                                      <p:cBhvr>
+                                        <p:cTn id="7" dur="500"/>
+                                        <p:tgtEl>
+                                          <p:spTgt spid="4"/>
+                                        </p:tgtEl>
+                                      </p:cBhvr>
+                                    </p:animEffect>
+                                  </p:childTnLst>
+                                </p:cTn>
+                              </p:par>
+                            </p:childTnLst>
+                          </p:cTn>
+                        </p:par>
+                      </p:childTnLst>
+                    </p:cTn>
+                  </p:par>
+                  <p:par>
+                    <p:cTn id="8" fill="hold">
+                      <p:stCondLst>
+                        <p:cond delay="indefinite"/>
+                      </p:stCondLst>
+                      <p:childTnLst>
+                        <p:par>
+                          <p:cTn id="9" fill="hold">
+                            <p:stCondLst>
+                              <p:cond delay="0"/>
+                            </p:stCondLst>
+                            <p:childTnLst>
+                              <p:par>
+                                <p:cTn id="10" presetID="42" presetClass="entr" presetSubtype="0" fill="hold" grpId="0" nodeType="clickEffect">
+                                  <p:stCondLst>
+                                    <p:cond delay="0"/>
+                                  </p:stCondLst>
+                                  <p:childTnLst>
+                                    <p:set>
+                                      <p:cBhvr>
+                                        <p:cTn id="11" dur="1" fill="hold">
+                                          <p:stCondLst>
+                                            <p:cond delay="0"/>
+                                          </p:stCondLst>
+                                        </p:cTn>
+                                        <p:tgtEl>
+                                          <p:spTgt spid="5"/>
+                                        </p:tgtEl>
+                                        <p:attrNameLst>
+                                          <p:attrName>style.visibility</p:attrName>
+                                        </p:attrNameLst>
+                                      </p:cBhvr>
+                                      <p:to>
+                                        <p:strVal val="visible"/>
+                                      </p:to>
+                                    </p:set>
+                                    <p:animEffect transition="in" filter="fade">
+                                      <p:cBhvr>
+                                        <p:cTn id="12" dur="1000"/>
+                                        <p:tgtEl>
+                                          <p:spTgt spid="5"/>
+                                        </p:tgtEl>
+                                      </p:cBhvr>
+                                    </p:animEffect>
+                                    <p:anim calcmode="lin" valueType="num">
+                                      <p:cBhvr>
+                                        <p:cTn id="13" dur="1000" fill="hold"/>
+                                        <p:tgtEl>
+                                          <p:spTgt spid="5"/>
+                                        </p:tgtEl>
+                                        <p:attrNameLst>
+                                          <p:attrName>ppt_x</p:attrName>
+                                        </p:attrNameLst>
+                                      </p:cBhvr>
+                                      <p:tavLst>
+                                        <p:tav tm="0">
+                                          <p:val>
+                                            <p:strVal val="#ppt_x"/>
+                                          </p:val>
+                                        </p:tav>
+                                        <p:tav tm="100000">
+                                          <p:val>
+                                            <p:strVal val="#ppt_x"/>
+                                          </p:val>
+                                        </p:tav>
+                                      </p:tavLst>
+                                    </p:anim>
+                                    <p:anim calcmode="lin" valueType="num">
+                                      <p:cBhvr>
+                                        <p:cTn id="14" dur="1000" fill="hold"/>
+                                        <p:tgtEl>
+                                          <p:spTgt spid="5"/>
+                                        </p:tgtEl>
+                                        <p:attrNameLst>
+                                          <p:attrName>ppt_y</p:attrName>
+                                        </p:attrNameLst>
+                                      </p:cBhvr>
+                                      <p:tavLst>
+                                        <p:tav tm="0">
+                                          <p:val>
+                                            <p:strVal val="#ppt_y+.1"/>
+                                          </p:val>
+                                        </p:tav>
+                                        <p:tav tm="100000">
+                                          <p:val>
+                                            <p:strVal val="#ppt_y"/>
+                                          </p:val>
+                                        </p:tav>
+                                      </p:tavLst>
+                                    </p:anim>
+                                  </p:childTnLst>
+                                </p:cTn>
+                              </p:par>
+                              <p:par>
+                                <p:cTn id="15" presetID="1" presetClass="entr" presetSubtype="0" fill="hold" nodeType="withEffect">
+                                  <p:stCondLst>
+                                    <p:cond delay="0"/>
+                                  </p:stCondLst>
+                                  <p:childTnLst>
+                                    <p:set>
+                                      <p:cBhvr>
+                                        <p:cTn id="16" dur="1" fill="hold">
+                                          <p:stCondLst>
+                                            <p:cond delay="0"/>
+                                          </p:stCondLst>
+                                        </p:cTn>
+                                        <p:tgtEl>
+                                          <p:spTgt spid="3074"/>
+                                        </p:tgtEl>
+                                        <p:attrNameLst>
+                                          <p:attrName>style.visibility</p:attrName>
+                                        </p:attrNameLst>
+                                      </p:cBhvr>
+                                      <p:to>
+                                        <p:strVal val="visible"/>
+                                      </p:to>
+                                    </p:set>
+                                  </p:childTnLst>
+                                </p:cTn>
+                              </p:par>
+                            </p:childTnLst>
+                          </p:cTn>
+                        </p:par>
+                      </p:childTnLst>
+                    </p:cTn>
+                  </p:par>
+                </p:childTnLst>
+              </p:cTn>
+              <p:prevCondLst>
+                <p:cond evt="onPrev" delay="0">
+                  <p:tgtEl>
+                    <p:sldTgt/>
+                  </p:tgtEl>
+                </p:cond>
+              </p:prevCondLst>
+              <p:nextCondLst>
+                <p:cond evt="onNext" delay="0">
+                  <p:tgtEl>
+                    <p:sldTgt/>
+                  </p:tgtEl>
+                </p:cond>
+              </p:nextCondLst>
+            </p:seq>
+          </p:childTnLst>
+        </p:cTn>
       </p:par>
     </p:tnLst>
+    <p:bldLst>
+      <p:bldP spid="4" grpId="0"/>
+      <p:bldP spid="5" grpId="0"/>
+    </p:bldLst>
   </p:timing>
 </p:sld>
 </file>
@@ -16758,7 +17497,7 @@
         <p:spPr>
           <a:xfrm>
             <a:off x="541609" y="1610757"/>
-            <a:ext cx="5562205" cy="4790886"/>
+            <a:ext cx="5562205" cy="639384"/>
           </a:xfrm>
         </p:spPr>
         <p:txBody>
@@ -16767,7 +17506,7 @@
           </a:bodyPr>
           <a:lstStyle/>
           <a:p>
-            <a:pPr marL="171450" lvl="0" indent="-171450">
+            <a:pPr marL="285750" lvl="0" indent="-285750">
               <a:buFont typeface="Arial" panose="020B0604020202020204" pitchFamily="34" charset="0"/>
               <a:buChar char="•"/>
             </a:pPr>
@@ -16791,211 +17530,7 @@
               <a:rPr lang="en-US" sz="1800" smtClean="0"/>
               <a:t>ground</a:t>
             </a:r>
-          </a:p>
-          <a:p>
-            <a:pPr marL="171450" lvl="0" indent="-171450">
-              <a:buFont typeface="Arial" panose="020B0604020202020204" pitchFamily="34" charset="0"/>
-              <a:buChar char="•"/>
-            </a:pPr>
-            <a:r>
-              <a:rPr lang="en-US" sz="1800" smtClean="0"/>
-              <a:t>Bird </a:t>
-            </a:r>
-            <a:r>
-              <a:rPr lang="en-US" sz="1800" err="1" smtClean="0"/>
-              <a:t>chuyển</a:t>
-            </a:r>
-            <a:r>
-              <a:rPr lang="en-US" sz="1800" smtClean="0"/>
-              <a:t> </a:t>
-            </a:r>
-            <a:r>
-              <a:rPr lang="en-US" sz="1800" err="1" smtClean="0"/>
-              <a:t>động</a:t>
-            </a:r>
-            <a:r>
-              <a:rPr lang="en-US" sz="1800" smtClean="0"/>
-              <a:t> </a:t>
-            </a:r>
-            <a:r>
-              <a:rPr lang="en-US" sz="1800" err="1" smtClean="0"/>
-              <a:t>theo</a:t>
-            </a:r>
-            <a:r>
-              <a:rPr lang="en-US" sz="1800" smtClean="0"/>
-              <a:t> </a:t>
-            </a:r>
-            <a:r>
-              <a:rPr lang="en-US" sz="1800"/>
-              <a:t>trục Y, rơi là +y, bay lên là –</a:t>
-            </a:r>
-            <a:r>
-              <a:rPr lang="en-US" sz="1800" smtClean="0"/>
-              <a:t>y</a:t>
-            </a:r>
-          </a:p>
-          <a:p>
-            <a:pPr marL="171450" lvl="0" indent="-171450">
-              <a:buFont typeface="Arial" panose="020B0604020202020204" pitchFamily="34" charset="0"/>
-              <a:buChar char="•"/>
-            </a:pPr>
-            <a:r>
-              <a:rPr lang="en-US" sz="1800" smtClean="0"/>
-              <a:t>Pipes </a:t>
-            </a:r>
-            <a:r>
-              <a:rPr lang="en-US" sz="1800" err="1" smtClean="0"/>
-              <a:t>là</a:t>
-            </a:r>
-            <a:r>
-              <a:rPr lang="en-US" sz="1800" smtClean="0"/>
-              <a:t> 1 </a:t>
-            </a:r>
-            <a:r>
-              <a:rPr lang="en-US" sz="1800" err="1" smtClean="0"/>
-              <a:t>cặp</a:t>
-            </a:r>
-            <a:r>
-              <a:rPr lang="en-US" sz="1800" smtClean="0"/>
-              <a:t> </a:t>
-            </a:r>
-            <a:r>
-              <a:rPr lang="en-US" sz="1800" err="1" smtClean="0"/>
-              <a:t>ống</a:t>
-            </a:r>
-            <a:r>
-              <a:rPr lang="en-US" sz="1800" smtClean="0"/>
-              <a:t> top </a:t>
-            </a:r>
-            <a:r>
-              <a:rPr lang="en-US" sz="1800" err="1" smtClean="0"/>
-              <a:t>và</a:t>
-            </a:r>
-            <a:r>
-              <a:rPr lang="en-US" sz="1800" smtClean="0"/>
-              <a:t> bottom ở giữa</a:t>
-            </a:r>
-            <a:r>
-              <a:rPr lang="en-US" sz="1800"/>
-              <a:t> </a:t>
-            </a:r>
-            <a:r>
-              <a:rPr lang="en-US" sz="1800" smtClean="0"/>
-              <a:t>có space, </a:t>
-            </a:r>
-            <a:r>
-              <a:rPr lang="en-US" sz="1800" err="1" smtClean="0"/>
-              <a:t>chuyển</a:t>
-            </a:r>
-            <a:r>
-              <a:rPr lang="en-US" sz="1800" smtClean="0"/>
-              <a:t> </a:t>
-            </a:r>
-            <a:r>
-              <a:rPr lang="en-US" sz="1800" err="1" smtClean="0"/>
-              <a:t>động</a:t>
-            </a:r>
-            <a:r>
-              <a:rPr lang="en-US" sz="1800" smtClean="0"/>
-              <a:t> </a:t>
-            </a:r>
-            <a:r>
-              <a:rPr lang="en-US" sz="1800" err="1" smtClean="0"/>
-              <a:t>theo</a:t>
-            </a:r>
-            <a:r>
-              <a:rPr lang="en-US" sz="1800" smtClean="0"/>
-              <a:t> </a:t>
-            </a:r>
-            <a:r>
-              <a:rPr lang="en-US" sz="1800" err="1" smtClean="0"/>
-              <a:t>trục</a:t>
-            </a:r>
-            <a:r>
-              <a:rPr lang="en-US" sz="1800" smtClean="0"/>
-              <a:t> X ( -x )</a:t>
-            </a:r>
-          </a:p>
-          <a:p>
-            <a:pPr marL="171450" lvl="0" indent="-171450">
-              <a:buFont typeface="Arial" panose="020B0604020202020204" pitchFamily="34" charset="0"/>
-              <a:buChar char="•"/>
-            </a:pPr>
-            <a:r>
-              <a:rPr lang="en-US" sz="1800" smtClean="0"/>
-              <a:t>Ground </a:t>
-            </a:r>
-            <a:r>
-              <a:rPr lang="en-US" sz="1800" err="1" smtClean="0"/>
-              <a:t>tương</a:t>
-            </a:r>
-            <a:r>
-              <a:rPr lang="en-US" sz="1800" smtClean="0"/>
-              <a:t> </a:t>
-            </a:r>
-            <a:r>
-              <a:rPr lang="en-US" sz="1800" err="1" smtClean="0"/>
-              <a:t>tự</a:t>
-            </a:r>
-            <a:r>
-              <a:rPr lang="en-US" sz="1800" smtClean="0"/>
-              <a:t> </a:t>
-            </a:r>
-            <a:r>
-              <a:rPr lang="en-US" sz="1800" err="1" smtClean="0"/>
-              <a:t>như</a:t>
-            </a:r>
-            <a:r>
-              <a:rPr lang="en-US" sz="1800" smtClean="0"/>
-              <a:t> Pipes</a:t>
-            </a:r>
-          </a:p>
-          <a:p>
-            <a:pPr marL="171450" lvl="0" indent="-171450">
-              <a:buFont typeface="Arial" panose="020B0604020202020204" pitchFamily="34" charset="0"/>
-              <a:buChar char="•"/>
-            </a:pPr>
-            <a:r>
-              <a:rPr lang="en-US" sz="1800" err="1" smtClean="0"/>
-              <a:t>Các</a:t>
-            </a:r>
-            <a:r>
-              <a:rPr lang="en-US" sz="1800" smtClean="0"/>
-              <a:t> </a:t>
-            </a:r>
-            <a:r>
-              <a:rPr lang="en-US" sz="1800" err="1" smtClean="0"/>
-              <a:t>đối</a:t>
-            </a:r>
-            <a:r>
-              <a:rPr lang="en-US" sz="1800" smtClean="0"/>
-              <a:t> </a:t>
-            </a:r>
-            <a:r>
-              <a:rPr lang="en-US" sz="1800" err="1" smtClean="0"/>
-              <a:t>tượng</a:t>
-            </a:r>
-            <a:r>
-              <a:rPr lang="en-US" sz="1800" smtClean="0"/>
-              <a:t> </a:t>
-            </a:r>
-            <a:r>
-              <a:rPr lang="en-US" sz="1800" err="1" smtClean="0"/>
-              <a:t>phụ</a:t>
-            </a:r>
-            <a:r>
-              <a:rPr lang="en-US" sz="1800" smtClean="0"/>
-              <a:t>: </a:t>
-            </a:r>
-            <a:r>
-              <a:rPr lang="en-US" sz="1800" err="1" smtClean="0"/>
-              <a:t>Bg</a:t>
-            </a:r>
-            <a:r>
-              <a:rPr lang="en-US" sz="1800" smtClean="0"/>
-              <a:t>, Score, Medal…</a:t>
-            </a:r>
-            <a:endParaRPr lang="en-US" sz="1800"/>
+            <a:endParaRPr lang="en-US" sz="1800" smtClean="0"/>
           </a:p>
         </p:txBody>
       </p:sp>
@@ -17021,7 +17556,7 @@
           <a:graphicData uri="http://schemas.openxmlformats.org/presentationml/2006/ole">
             <mc:AlternateContent xmlns:mc="http://schemas.openxmlformats.org/markup-compatibility/2006">
               <mc:Choice xmlns:v="urn:schemas-microsoft-com:vml" Requires="v">
-                <p:oleObj spid="_x0000_s4137" r:id="rId3" imgW="2907720" imgH="7936200" progId="">
+                <p:oleObj spid="_x0000_s4149" r:id="rId3" imgW="2907720" imgH="7936200" progId="">
                   <p:embed/>
                 </p:oleObj>
               </mc:Choice>
@@ -17078,7 +17613,7 @@
           <a:graphicData uri="http://schemas.openxmlformats.org/presentationml/2006/ole">
             <mc:AlternateContent xmlns:mc="http://schemas.openxmlformats.org/markup-compatibility/2006">
               <mc:Choice xmlns:v="urn:schemas-microsoft-com:vml" Requires="v">
-                <p:oleObj spid="_x0000_s4138" r:id="rId5" imgW="2729880" imgH="1815840" progId="">
+                <p:oleObj spid="_x0000_s4150" r:id="rId5" imgW="2729880" imgH="1815840" progId="">
                   <p:embed/>
                 </p:oleObj>
               </mc:Choice>
@@ -17135,7 +17670,7 @@
           <a:graphicData uri="http://schemas.openxmlformats.org/presentationml/2006/ole">
             <mc:AlternateContent xmlns:mc="http://schemas.openxmlformats.org/markup-compatibility/2006">
               <mc:Choice xmlns:v="urn:schemas-microsoft-com:vml" Requires="v">
-                <p:oleObj spid="_x0000_s4139" r:id="rId7" imgW="647280" imgH="456840" progId="">
+                <p:oleObj spid="_x0000_s4151" r:id="rId7" imgW="647280" imgH="456840" progId="">
                   <p:embed/>
                 </p:oleObj>
               </mc:Choice>
@@ -17192,7 +17727,7 @@
           <a:graphicData uri="http://schemas.openxmlformats.org/presentationml/2006/ole">
             <mc:AlternateContent xmlns:mc="http://schemas.openxmlformats.org/markup-compatibility/2006">
               <mc:Choice xmlns:v="urn:schemas-microsoft-com:vml" Requires="v">
-                <p:oleObj spid="_x0000_s4140" r:id="rId9" imgW="672840" imgH="1422000" progId="">
+                <p:oleObj spid="_x0000_s4152" r:id="rId9" imgW="672840" imgH="1422000" progId="">
                   <p:embed/>
                 </p:oleObj>
               </mc:Choice>
@@ -17251,6 +17786,104 @@
           </a:prstGeom>
         </p:spPr>
       </p:pic>
+      <p:sp>
+        <p:nvSpPr>
+          <p:cNvPr id="2" name="TextBox 1"/>
+          <p:cNvSpPr txBox="1"/>
+          <p:nvPr/>
+        </p:nvSpPr>
+        <p:spPr>
+          <a:xfrm>
+            <a:off x="537883" y="2151529"/>
+            <a:ext cx="5459505" cy="1754326"/>
+          </a:xfrm>
+          <a:prstGeom prst="rect">
+            <a:avLst/>
+          </a:prstGeom>
+          <a:noFill/>
+        </p:spPr>
+        <p:txBody>
+          <a:bodyPr wrap="square" rtlCol="0">
+            <a:spAutoFit/>
+          </a:bodyPr>
+          <a:lstStyle/>
+          <a:p>
+            <a:pPr marL="285750" lvl="0" indent="-285750">
+              <a:buFont typeface="Arial" panose="020B0604020202020204" pitchFamily="34" charset="0"/>
+              <a:buChar char="•"/>
+            </a:pPr>
+            <a:r>
+              <a:rPr lang="en-US"/>
+              <a:t>Bird chuyển động theo trục Y, rơi là +y, bay lên là –y</a:t>
+            </a:r>
+          </a:p>
+          <a:p>
+            <a:pPr marL="285750" lvl="0" indent="-285750">
+              <a:buFont typeface="Arial" panose="020B0604020202020204" pitchFamily="34" charset="0"/>
+              <a:buChar char="•"/>
+            </a:pPr>
+            <a:r>
+              <a:rPr lang="en-US"/>
+              <a:t>Pipes là 1 cặp ống top và bottom ở giữa có space, chuyển động theo trục X ( -x )</a:t>
+            </a:r>
+          </a:p>
+          <a:p>
+            <a:pPr marL="285750" lvl="0" indent="-285750">
+              <a:buFont typeface="Arial" panose="020B0604020202020204" pitchFamily="34" charset="0"/>
+              <a:buChar char="•"/>
+            </a:pPr>
+            <a:r>
+              <a:rPr lang="en-US"/>
+              <a:t>Ground tương tự như Pipes</a:t>
+            </a:r>
+          </a:p>
+          <a:p>
+            <a:endParaRPr lang="en-US"/>
+          </a:p>
+        </p:txBody>
+      </p:sp>
+      <p:sp>
+        <p:nvSpPr>
+          <p:cNvPr id="6" name="TextBox 5"/>
+          <p:cNvSpPr txBox="1"/>
+          <p:nvPr/>
+        </p:nvSpPr>
+        <p:spPr>
+          <a:xfrm>
+            <a:off x="546847" y="3585877"/>
+            <a:ext cx="4344651" cy="369332"/>
+          </a:xfrm>
+          <a:prstGeom prst="rect">
+            <a:avLst/>
+          </a:prstGeom>
+          <a:noFill/>
+        </p:spPr>
+        <p:txBody>
+          <a:bodyPr wrap="none" rtlCol="0">
+            <a:spAutoFit/>
+          </a:bodyPr>
+          <a:lstStyle/>
+          <a:p>
+            <a:pPr marL="285750" lvl="0" indent="-285750">
+              <a:buFont typeface="Arial" panose="020B0604020202020204" pitchFamily="34" charset="0"/>
+              <a:buChar char="•"/>
+            </a:pPr>
+            <a:r>
+              <a:rPr lang="en-US"/>
+              <a:t>Các đối tượng phụ: Bg, Score, </a:t>
+            </a:r>
+            <a:r>
+              <a:rPr lang="en-US"/>
+              <a:t>Medal</a:t>
+            </a:r>
+            <a:r>
+              <a:rPr lang="en-US" smtClean="0"/>
+              <a:t>…</a:t>
+            </a:r>
+            <a:endParaRPr lang="en-US"/>
+          </a:p>
+        </p:txBody>
+      </p:sp>
     </p:spTree>
     <p:extLst>
       <p:ext uri="{BB962C8B-B14F-4D97-AF65-F5344CB8AC3E}">
@@ -17272,9 +17905,809 @@
   <p:timing>
     <p:tnLst>
       <p:par>
-        <p:cTn id="1" dur="indefinite" restart="never" nodeType="tmRoot"/>
+        <p:cTn id="1" dur="indefinite" restart="never" nodeType="tmRoot">
+          <p:childTnLst>
+            <p:seq concurrent="1" nextAc="seek">
+              <p:cTn id="2" dur="indefinite" nodeType="mainSeq">
+                <p:childTnLst>
+                  <p:par>
+                    <p:cTn id="3" fill="hold">
+                      <p:stCondLst>
+                        <p:cond delay="indefinite"/>
+                      </p:stCondLst>
+                      <p:childTnLst>
+                        <p:par>
+                          <p:cTn id="4" fill="hold">
+                            <p:stCondLst>
+                              <p:cond delay="0"/>
+                            </p:stCondLst>
+                            <p:childTnLst>
+                              <p:par>
+                                <p:cTn id="5" presetID="16" presetClass="entr" presetSubtype="21" fill="hold" grpId="0" nodeType="clickEffect">
+                                  <p:stCondLst>
+                                    <p:cond delay="0"/>
+                                  </p:stCondLst>
+                                  <p:childTnLst>
+                                    <p:set>
+                                      <p:cBhvr>
+                                        <p:cTn id="6" dur="1" fill="hold">
+                                          <p:stCondLst>
+                                            <p:cond delay="0"/>
+                                          </p:stCondLst>
+                                        </p:cTn>
+                                        <p:tgtEl>
+                                          <p:spTgt spid="3"/>
+                                        </p:tgtEl>
+                                        <p:attrNameLst>
+                                          <p:attrName>style.visibility</p:attrName>
+                                        </p:attrNameLst>
+                                      </p:cBhvr>
+                                      <p:to>
+                                        <p:strVal val="visible"/>
+                                      </p:to>
+                                    </p:set>
+                                    <p:animEffect transition="in" filter="barn(inVertical)">
+                                      <p:cBhvr>
+                                        <p:cTn id="7" dur="500"/>
+                                        <p:tgtEl>
+                                          <p:spTgt spid="3"/>
+                                        </p:tgtEl>
+                                      </p:cBhvr>
+                                    </p:animEffect>
+                                  </p:childTnLst>
+                                </p:cTn>
+                              </p:par>
+                            </p:childTnLst>
+                          </p:cTn>
+                        </p:par>
+                      </p:childTnLst>
+                    </p:cTn>
+                  </p:par>
+                  <p:par>
+                    <p:cTn id="8" fill="hold">
+                      <p:stCondLst>
+                        <p:cond delay="indefinite"/>
+                      </p:stCondLst>
+                      <p:childTnLst>
+                        <p:par>
+                          <p:cTn id="9" fill="hold">
+                            <p:stCondLst>
+                              <p:cond delay="0"/>
+                            </p:stCondLst>
+                            <p:childTnLst>
+                              <p:par>
+                                <p:cTn id="10" presetID="42" presetClass="entr" presetSubtype="0" fill="hold" grpId="0" nodeType="clickEffect">
+                                  <p:stCondLst>
+                                    <p:cond delay="0"/>
+                                  </p:stCondLst>
+                                  <p:childTnLst>
+                                    <p:set>
+                                      <p:cBhvr>
+                                        <p:cTn id="11" dur="1" fill="hold">
+                                          <p:stCondLst>
+                                            <p:cond delay="0"/>
+                                          </p:stCondLst>
+                                        </p:cTn>
+                                        <p:tgtEl>
+                                          <p:spTgt spid="5">
+                                            <p:txEl>
+                                              <p:pRg st="0" end="0"/>
+                                            </p:txEl>
+                                          </p:spTgt>
+                                        </p:tgtEl>
+                                        <p:attrNameLst>
+                                          <p:attrName>style.visibility</p:attrName>
+                                        </p:attrNameLst>
+                                      </p:cBhvr>
+                                      <p:to>
+                                        <p:strVal val="visible"/>
+                                      </p:to>
+                                    </p:set>
+                                    <p:animEffect transition="in" filter="fade">
+                                      <p:cBhvr>
+                                        <p:cTn id="12" dur="1000"/>
+                                        <p:tgtEl>
+                                          <p:spTgt spid="5">
+                                            <p:txEl>
+                                              <p:pRg st="0" end="0"/>
+                                            </p:txEl>
+                                          </p:spTgt>
+                                        </p:tgtEl>
+                                      </p:cBhvr>
+                                    </p:animEffect>
+                                    <p:anim calcmode="lin" valueType="num">
+                                      <p:cBhvr>
+                                        <p:cTn id="13" dur="1000" fill="hold"/>
+                                        <p:tgtEl>
+                                          <p:spTgt spid="5">
+                                            <p:txEl>
+                                              <p:pRg st="0" end="0"/>
+                                            </p:txEl>
+                                          </p:spTgt>
+                                        </p:tgtEl>
+                                        <p:attrNameLst>
+                                          <p:attrName>ppt_x</p:attrName>
+                                        </p:attrNameLst>
+                                      </p:cBhvr>
+                                      <p:tavLst>
+                                        <p:tav tm="0">
+                                          <p:val>
+                                            <p:strVal val="#ppt_x"/>
+                                          </p:val>
+                                        </p:tav>
+                                        <p:tav tm="100000">
+                                          <p:val>
+                                            <p:strVal val="#ppt_x"/>
+                                          </p:val>
+                                        </p:tav>
+                                      </p:tavLst>
+                                    </p:anim>
+                                    <p:anim calcmode="lin" valueType="num">
+                                      <p:cBhvr>
+                                        <p:cTn id="14" dur="1000" fill="hold"/>
+                                        <p:tgtEl>
+                                          <p:spTgt spid="5">
+                                            <p:txEl>
+                                              <p:pRg st="0" end="0"/>
+                                            </p:txEl>
+                                          </p:spTgt>
+                                        </p:tgtEl>
+                                        <p:attrNameLst>
+                                          <p:attrName>ppt_y</p:attrName>
+                                        </p:attrNameLst>
+                                      </p:cBhvr>
+                                      <p:tavLst>
+                                        <p:tav tm="0">
+                                          <p:val>
+                                            <p:strVal val="#ppt_y+.1"/>
+                                          </p:val>
+                                        </p:tav>
+                                        <p:tav tm="100000">
+                                          <p:val>
+                                            <p:strVal val="#ppt_y"/>
+                                          </p:val>
+                                        </p:tav>
+                                      </p:tavLst>
+                                    </p:anim>
+                                  </p:childTnLst>
+                                </p:cTn>
+                              </p:par>
+                              <p:par>
+                                <p:cTn id="15" presetID="42" presetClass="entr" presetSubtype="0" fill="hold" nodeType="withEffect">
+                                  <p:stCondLst>
+                                    <p:cond delay="0"/>
+                                  </p:stCondLst>
+                                  <p:childTnLst>
+                                    <p:set>
+                                      <p:cBhvr>
+                                        <p:cTn id="16" dur="1" fill="hold">
+                                          <p:stCondLst>
+                                            <p:cond delay="0"/>
+                                          </p:stCondLst>
+                                        </p:cTn>
+                                        <p:tgtEl>
+                                          <p:spTgt spid="9"/>
+                                        </p:tgtEl>
+                                        <p:attrNameLst>
+                                          <p:attrName>style.visibility</p:attrName>
+                                        </p:attrNameLst>
+                                      </p:cBhvr>
+                                      <p:to>
+                                        <p:strVal val="visible"/>
+                                      </p:to>
+                                    </p:set>
+                                    <p:animEffect transition="in" filter="fade">
+                                      <p:cBhvr>
+                                        <p:cTn id="17" dur="1000"/>
+                                        <p:tgtEl>
+                                          <p:spTgt spid="9"/>
+                                        </p:tgtEl>
+                                      </p:cBhvr>
+                                    </p:animEffect>
+                                    <p:anim calcmode="lin" valueType="num">
+                                      <p:cBhvr>
+                                        <p:cTn id="18" dur="1000" fill="hold"/>
+                                        <p:tgtEl>
+                                          <p:spTgt spid="9"/>
+                                        </p:tgtEl>
+                                        <p:attrNameLst>
+                                          <p:attrName>ppt_x</p:attrName>
+                                        </p:attrNameLst>
+                                      </p:cBhvr>
+                                      <p:tavLst>
+                                        <p:tav tm="0">
+                                          <p:val>
+                                            <p:strVal val="#ppt_x"/>
+                                          </p:val>
+                                        </p:tav>
+                                        <p:tav tm="100000">
+                                          <p:val>
+                                            <p:strVal val="#ppt_x"/>
+                                          </p:val>
+                                        </p:tav>
+                                      </p:tavLst>
+                                    </p:anim>
+                                    <p:anim calcmode="lin" valueType="num">
+                                      <p:cBhvr>
+                                        <p:cTn id="19" dur="1000" fill="hold"/>
+                                        <p:tgtEl>
+                                          <p:spTgt spid="9"/>
+                                        </p:tgtEl>
+                                        <p:attrNameLst>
+                                          <p:attrName>ppt_y</p:attrName>
+                                        </p:attrNameLst>
+                                      </p:cBhvr>
+                                      <p:tavLst>
+                                        <p:tav tm="0">
+                                          <p:val>
+                                            <p:strVal val="#ppt_y+.1"/>
+                                          </p:val>
+                                        </p:tav>
+                                        <p:tav tm="100000">
+                                          <p:val>
+                                            <p:strVal val="#ppt_y"/>
+                                          </p:val>
+                                        </p:tav>
+                                      </p:tavLst>
+                                    </p:anim>
+                                  </p:childTnLst>
+                                </p:cTn>
+                              </p:par>
+                              <p:par>
+                                <p:cTn id="20" presetID="42" presetClass="entr" presetSubtype="0" fill="hold" nodeType="withEffect">
+                                  <p:stCondLst>
+                                    <p:cond delay="0"/>
+                                  </p:stCondLst>
+                                  <p:childTnLst>
+                                    <p:set>
+                                      <p:cBhvr>
+                                        <p:cTn id="21" dur="1" fill="hold">
+                                          <p:stCondLst>
+                                            <p:cond delay="0"/>
+                                          </p:stCondLst>
+                                        </p:cTn>
+                                        <p:tgtEl>
+                                          <p:spTgt spid="12"/>
+                                        </p:tgtEl>
+                                        <p:attrNameLst>
+                                          <p:attrName>style.visibility</p:attrName>
+                                        </p:attrNameLst>
+                                      </p:cBhvr>
+                                      <p:to>
+                                        <p:strVal val="visible"/>
+                                      </p:to>
+                                    </p:set>
+                                    <p:animEffect transition="in" filter="fade">
+                                      <p:cBhvr>
+                                        <p:cTn id="22" dur="1000"/>
+                                        <p:tgtEl>
+                                          <p:spTgt spid="12"/>
+                                        </p:tgtEl>
+                                      </p:cBhvr>
+                                    </p:animEffect>
+                                    <p:anim calcmode="lin" valueType="num">
+                                      <p:cBhvr>
+                                        <p:cTn id="23" dur="1000" fill="hold"/>
+                                        <p:tgtEl>
+                                          <p:spTgt spid="12"/>
+                                        </p:tgtEl>
+                                        <p:attrNameLst>
+                                          <p:attrName>ppt_x</p:attrName>
+                                        </p:attrNameLst>
+                                      </p:cBhvr>
+                                      <p:tavLst>
+                                        <p:tav tm="0">
+                                          <p:val>
+                                            <p:strVal val="#ppt_x"/>
+                                          </p:val>
+                                        </p:tav>
+                                        <p:tav tm="100000">
+                                          <p:val>
+                                            <p:strVal val="#ppt_x"/>
+                                          </p:val>
+                                        </p:tav>
+                                      </p:tavLst>
+                                    </p:anim>
+                                    <p:anim calcmode="lin" valueType="num">
+                                      <p:cBhvr>
+                                        <p:cTn id="24" dur="1000" fill="hold"/>
+                                        <p:tgtEl>
+                                          <p:spTgt spid="12"/>
+                                        </p:tgtEl>
+                                        <p:attrNameLst>
+                                          <p:attrName>ppt_y</p:attrName>
+                                        </p:attrNameLst>
+                                      </p:cBhvr>
+                                      <p:tavLst>
+                                        <p:tav tm="0">
+                                          <p:val>
+                                            <p:strVal val="#ppt_y+.1"/>
+                                          </p:val>
+                                        </p:tav>
+                                        <p:tav tm="100000">
+                                          <p:val>
+                                            <p:strVal val="#ppt_y"/>
+                                          </p:val>
+                                        </p:tav>
+                                      </p:tavLst>
+                                    </p:anim>
+                                  </p:childTnLst>
+                                </p:cTn>
+                              </p:par>
+                              <p:par>
+                                <p:cTn id="25" presetID="42" presetClass="entr" presetSubtype="0" fill="hold" nodeType="withEffect">
+                                  <p:stCondLst>
+                                    <p:cond delay="0"/>
+                                  </p:stCondLst>
+                                  <p:childTnLst>
+                                    <p:set>
+                                      <p:cBhvr>
+                                        <p:cTn id="26" dur="1" fill="hold">
+                                          <p:stCondLst>
+                                            <p:cond delay="0"/>
+                                          </p:stCondLst>
+                                        </p:cTn>
+                                        <p:tgtEl>
+                                          <p:spTgt spid="8"/>
+                                        </p:tgtEl>
+                                        <p:attrNameLst>
+                                          <p:attrName>style.visibility</p:attrName>
+                                        </p:attrNameLst>
+                                      </p:cBhvr>
+                                      <p:to>
+                                        <p:strVal val="visible"/>
+                                      </p:to>
+                                    </p:set>
+                                    <p:animEffect transition="in" filter="fade">
+                                      <p:cBhvr>
+                                        <p:cTn id="27" dur="1000"/>
+                                        <p:tgtEl>
+                                          <p:spTgt spid="8"/>
+                                        </p:tgtEl>
+                                      </p:cBhvr>
+                                    </p:animEffect>
+                                    <p:anim calcmode="lin" valueType="num">
+                                      <p:cBhvr>
+                                        <p:cTn id="28" dur="1000" fill="hold"/>
+                                        <p:tgtEl>
+                                          <p:spTgt spid="8"/>
+                                        </p:tgtEl>
+                                        <p:attrNameLst>
+                                          <p:attrName>ppt_x</p:attrName>
+                                        </p:attrNameLst>
+                                      </p:cBhvr>
+                                      <p:tavLst>
+                                        <p:tav tm="0">
+                                          <p:val>
+                                            <p:strVal val="#ppt_x"/>
+                                          </p:val>
+                                        </p:tav>
+                                        <p:tav tm="100000">
+                                          <p:val>
+                                            <p:strVal val="#ppt_x"/>
+                                          </p:val>
+                                        </p:tav>
+                                      </p:tavLst>
+                                    </p:anim>
+                                    <p:anim calcmode="lin" valueType="num">
+                                      <p:cBhvr>
+                                        <p:cTn id="29" dur="1000" fill="hold"/>
+                                        <p:tgtEl>
+                                          <p:spTgt spid="8"/>
+                                        </p:tgtEl>
+                                        <p:attrNameLst>
+                                          <p:attrName>ppt_y</p:attrName>
+                                        </p:attrNameLst>
+                                      </p:cBhvr>
+                                      <p:tavLst>
+                                        <p:tav tm="0">
+                                          <p:val>
+                                            <p:strVal val="#ppt_y+.1"/>
+                                          </p:val>
+                                        </p:tav>
+                                        <p:tav tm="100000">
+                                          <p:val>
+                                            <p:strVal val="#ppt_y"/>
+                                          </p:val>
+                                        </p:tav>
+                                      </p:tavLst>
+                                    </p:anim>
+                                  </p:childTnLst>
+                                </p:cTn>
+                              </p:par>
+                            </p:childTnLst>
+                          </p:cTn>
+                        </p:par>
+                      </p:childTnLst>
+                    </p:cTn>
+                  </p:par>
+                  <p:par>
+                    <p:cTn id="30" fill="hold">
+                      <p:stCondLst>
+                        <p:cond delay="indefinite"/>
+                      </p:stCondLst>
+                      <p:childTnLst>
+                        <p:par>
+                          <p:cTn id="31" fill="hold">
+                            <p:stCondLst>
+                              <p:cond delay="0"/>
+                            </p:stCondLst>
+                            <p:childTnLst>
+                              <p:par>
+                                <p:cTn id="32" presetID="42" presetClass="entr" presetSubtype="0" fill="hold" grpId="0" nodeType="clickEffect">
+                                  <p:stCondLst>
+                                    <p:cond delay="0"/>
+                                  </p:stCondLst>
+                                  <p:childTnLst>
+                                    <p:set>
+                                      <p:cBhvr>
+                                        <p:cTn id="33" dur="1" fill="hold">
+                                          <p:stCondLst>
+                                            <p:cond delay="0"/>
+                                          </p:stCondLst>
+                                        </p:cTn>
+                                        <p:tgtEl>
+                                          <p:spTgt spid="2"/>
+                                        </p:tgtEl>
+                                        <p:attrNameLst>
+                                          <p:attrName>style.visibility</p:attrName>
+                                        </p:attrNameLst>
+                                      </p:cBhvr>
+                                      <p:to>
+                                        <p:strVal val="visible"/>
+                                      </p:to>
+                                    </p:set>
+                                    <p:animEffect transition="in" filter="fade">
+                                      <p:cBhvr>
+                                        <p:cTn id="34" dur="1000"/>
+                                        <p:tgtEl>
+                                          <p:spTgt spid="2"/>
+                                        </p:tgtEl>
+                                      </p:cBhvr>
+                                    </p:animEffect>
+                                    <p:anim calcmode="lin" valueType="num">
+                                      <p:cBhvr>
+                                        <p:cTn id="35" dur="1000" fill="hold"/>
+                                        <p:tgtEl>
+                                          <p:spTgt spid="2"/>
+                                        </p:tgtEl>
+                                        <p:attrNameLst>
+                                          <p:attrName>ppt_x</p:attrName>
+                                        </p:attrNameLst>
+                                      </p:cBhvr>
+                                      <p:tavLst>
+                                        <p:tav tm="0">
+                                          <p:val>
+                                            <p:strVal val="#ppt_x"/>
+                                          </p:val>
+                                        </p:tav>
+                                        <p:tav tm="100000">
+                                          <p:val>
+                                            <p:strVal val="#ppt_x"/>
+                                          </p:val>
+                                        </p:tav>
+                                      </p:tavLst>
+                                    </p:anim>
+                                    <p:anim calcmode="lin" valueType="num">
+                                      <p:cBhvr>
+                                        <p:cTn id="36" dur="1000" fill="hold"/>
+                                        <p:tgtEl>
+                                          <p:spTgt spid="2"/>
+                                        </p:tgtEl>
+                                        <p:attrNameLst>
+                                          <p:attrName>ppt_y</p:attrName>
+                                        </p:attrNameLst>
+                                      </p:cBhvr>
+                                      <p:tavLst>
+                                        <p:tav tm="0">
+                                          <p:val>
+                                            <p:strVal val="#ppt_y+.1"/>
+                                          </p:val>
+                                        </p:tav>
+                                        <p:tav tm="100000">
+                                          <p:val>
+                                            <p:strVal val="#ppt_y"/>
+                                          </p:val>
+                                        </p:tav>
+                                      </p:tavLst>
+                                    </p:anim>
+                                  </p:childTnLst>
+                                </p:cTn>
+                              </p:par>
+                            </p:childTnLst>
+                          </p:cTn>
+                        </p:par>
+                      </p:childTnLst>
+                    </p:cTn>
+                  </p:par>
+                  <p:par>
+                    <p:cTn id="37" fill="hold">
+                      <p:stCondLst>
+                        <p:cond delay="indefinite"/>
+                      </p:stCondLst>
+                      <p:childTnLst>
+                        <p:par>
+                          <p:cTn id="38" fill="hold">
+                            <p:stCondLst>
+                              <p:cond delay="0"/>
+                            </p:stCondLst>
+                            <p:childTnLst>
+                              <p:par>
+                                <p:cTn id="39" presetID="42" presetClass="entr" presetSubtype="0" fill="hold" grpId="0" nodeType="clickEffect">
+                                  <p:stCondLst>
+                                    <p:cond delay="0"/>
+                                  </p:stCondLst>
+                                  <p:childTnLst>
+                                    <p:set>
+                                      <p:cBhvr>
+                                        <p:cTn id="40" dur="1" fill="hold">
+                                          <p:stCondLst>
+                                            <p:cond delay="0"/>
+                                          </p:stCondLst>
+                                        </p:cTn>
+                                        <p:tgtEl>
+                                          <p:spTgt spid="6"/>
+                                        </p:tgtEl>
+                                        <p:attrNameLst>
+                                          <p:attrName>style.visibility</p:attrName>
+                                        </p:attrNameLst>
+                                      </p:cBhvr>
+                                      <p:to>
+                                        <p:strVal val="visible"/>
+                                      </p:to>
+                                    </p:set>
+                                    <p:animEffect transition="in" filter="fade">
+                                      <p:cBhvr>
+                                        <p:cTn id="41" dur="1000"/>
+                                        <p:tgtEl>
+                                          <p:spTgt spid="6"/>
+                                        </p:tgtEl>
+                                      </p:cBhvr>
+                                    </p:animEffect>
+                                    <p:anim calcmode="lin" valueType="num">
+                                      <p:cBhvr>
+                                        <p:cTn id="42" dur="1000" fill="hold"/>
+                                        <p:tgtEl>
+                                          <p:spTgt spid="6"/>
+                                        </p:tgtEl>
+                                        <p:attrNameLst>
+                                          <p:attrName>ppt_x</p:attrName>
+                                        </p:attrNameLst>
+                                      </p:cBhvr>
+                                      <p:tavLst>
+                                        <p:tav tm="0">
+                                          <p:val>
+                                            <p:strVal val="#ppt_x"/>
+                                          </p:val>
+                                        </p:tav>
+                                        <p:tav tm="100000">
+                                          <p:val>
+                                            <p:strVal val="#ppt_x"/>
+                                          </p:val>
+                                        </p:tav>
+                                      </p:tavLst>
+                                    </p:anim>
+                                    <p:anim calcmode="lin" valueType="num">
+                                      <p:cBhvr>
+                                        <p:cTn id="43" dur="1000" fill="hold"/>
+                                        <p:tgtEl>
+                                          <p:spTgt spid="6"/>
+                                        </p:tgtEl>
+                                        <p:attrNameLst>
+                                          <p:attrName>ppt_y</p:attrName>
+                                        </p:attrNameLst>
+                                      </p:cBhvr>
+                                      <p:tavLst>
+                                        <p:tav tm="0">
+                                          <p:val>
+                                            <p:strVal val="#ppt_y+.1"/>
+                                          </p:val>
+                                        </p:tav>
+                                        <p:tav tm="100000">
+                                          <p:val>
+                                            <p:strVal val="#ppt_y"/>
+                                          </p:val>
+                                        </p:tav>
+                                      </p:tavLst>
+                                    </p:anim>
+                                  </p:childTnLst>
+                                </p:cTn>
+                              </p:par>
+                              <p:par>
+                                <p:cTn id="44" presetID="42" presetClass="entr" presetSubtype="0" fill="hold" nodeType="withEffect">
+                                  <p:stCondLst>
+                                    <p:cond delay="0"/>
+                                  </p:stCondLst>
+                                  <p:childTnLst>
+                                    <p:set>
+                                      <p:cBhvr>
+                                        <p:cTn id="45" dur="1" fill="hold">
+                                          <p:stCondLst>
+                                            <p:cond delay="0"/>
+                                          </p:stCondLst>
+                                        </p:cTn>
+                                        <p:tgtEl>
+                                          <p:spTgt spid="4"/>
+                                        </p:tgtEl>
+                                        <p:attrNameLst>
+                                          <p:attrName>style.visibility</p:attrName>
+                                        </p:attrNameLst>
+                                      </p:cBhvr>
+                                      <p:to>
+                                        <p:strVal val="visible"/>
+                                      </p:to>
+                                    </p:set>
+                                    <p:animEffect transition="in" filter="fade">
+                                      <p:cBhvr>
+                                        <p:cTn id="46" dur="1000"/>
+                                        <p:tgtEl>
+                                          <p:spTgt spid="4"/>
+                                        </p:tgtEl>
+                                      </p:cBhvr>
+                                    </p:animEffect>
+                                    <p:anim calcmode="lin" valueType="num">
+                                      <p:cBhvr>
+                                        <p:cTn id="47" dur="1000" fill="hold"/>
+                                        <p:tgtEl>
+                                          <p:spTgt spid="4"/>
+                                        </p:tgtEl>
+                                        <p:attrNameLst>
+                                          <p:attrName>ppt_x</p:attrName>
+                                        </p:attrNameLst>
+                                      </p:cBhvr>
+                                      <p:tavLst>
+                                        <p:tav tm="0">
+                                          <p:val>
+                                            <p:strVal val="#ppt_x"/>
+                                          </p:val>
+                                        </p:tav>
+                                        <p:tav tm="100000">
+                                          <p:val>
+                                            <p:strVal val="#ppt_x"/>
+                                          </p:val>
+                                        </p:tav>
+                                      </p:tavLst>
+                                    </p:anim>
+                                    <p:anim calcmode="lin" valueType="num">
+                                      <p:cBhvr>
+                                        <p:cTn id="48" dur="1000" fill="hold"/>
+                                        <p:tgtEl>
+                                          <p:spTgt spid="4"/>
+                                        </p:tgtEl>
+                                        <p:attrNameLst>
+                                          <p:attrName>ppt_y</p:attrName>
+                                        </p:attrNameLst>
+                                      </p:cBhvr>
+                                      <p:tavLst>
+                                        <p:tav tm="0">
+                                          <p:val>
+                                            <p:strVal val="#ppt_y+.1"/>
+                                          </p:val>
+                                        </p:tav>
+                                        <p:tav tm="100000">
+                                          <p:val>
+                                            <p:strVal val="#ppt_y"/>
+                                          </p:val>
+                                        </p:tav>
+                                      </p:tavLst>
+                                    </p:anim>
+                                  </p:childTnLst>
+                                </p:cTn>
+                              </p:par>
+                              <p:par>
+                                <p:cTn id="49" presetID="42" presetClass="entr" presetSubtype="0" fill="hold" nodeType="withEffect">
+                                  <p:stCondLst>
+                                    <p:cond delay="0"/>
+                                  </p:stCondLst>
+                                  <p:childTnLst>
+                                    <p:set>
+                                      <p:cBhvr>
+                                        <p:cTn id="50" dur="1" fill="hold">
+                                          <p:stCondLst>
+                                            <p:cond delay="0"/>
+                                          </p:stCondLst>
+                                        </p:cTn>
+                                        <p:tgtEl>
+                                          <p:spTgt spid="11"/>
+                                        </p:tgtEl>
+                                        <p:attrNameLst>
+                                          <p:attrName>style.visibility</p:attrName>
+                                        </p:attrNameLst>
+                                      </p:cBhvr>
+                                      <p:to>
+                                        <p:strVal val="visible"/>
+                                      </p:to>
+                                    </p:set>
+                                    <p:animEffect transition="in" filter="fade">
+                                      <p:cBhvr>
+                                        <p:cTn id="51" dur="1000"/>
+                                        <p:tgtEl>
+                                          <p:spTgt spid="11"/>
+                                        </p:tgtEl>
+                                      </p:cBhvr>
+                                    </p:animEffect>
+                                    <p:anim calcmode="lin" valueType="num">
+                                      <p:cBhvr>
+                                        <p:cTn id="52" dur="1000" fill="hold"/>
+                                        <p:tgtEl>
+                                          <p:spTgt spid="11"/>
+                                        </p:tgtEl>
+                                        <p:attrNameLst>
+                                          <p:attrName>ppt_x</p:attrName>
+                                        </p:attrNameLst>
+                                      </p:cBhvr>
+                                      <p:tavLst>
+                                        <p:tav tm="0">
+                                          <p:val>
+                                            <p:strVal val="#ppt_x"/>
+                                          </p:val>
+                                        </p:tav>
+                                        <p:tav tm="100000">
+                                          <p:val>
+                                            <p:strVal val="#ppt_x"/>
+                                          </p:val>
+                                        </p:tav>
+                                      </p:tavLst>
+                                    </p:anim>
+                                    <p:anim calcmode="lin" valueType="num">
+                                      <p:cBhvr>
+                                        <p:cTn id="53" dur="1000" fill="hold"/>
+                                        <p:tgtEl>
+                                          <p:spTgt spid="11"/>
+                                        </p:tgtEl>
+                                        <p:attrNameLst>
+                                          <p:attrName>ppt_y</p:attrName>
+                                        </p:attrNameLst>
+                                      </p:cBhvr>
+                                      <p:tavLst>
+                                        <p:tav tm="0">
+                                          <p:val>
+                                            <p:strVal val="#ppt_y+.1"/>
+                                          </p:val>
+                                        </p:tav>
+                                        <p:tav tm="100000">
+                                          <p:val>
+                                            <p:strVal val="#ppt_y"/>
+                                          </p:val>
+                                        </p:tav>
+                                      </p:tavLst>
+                                    </p:anim>
+                                  </p:childTnLst>
+                                </p:cTn>
+                              </p:par>
+                            </p:childTnLst>
+                          </p:cTn>
+                        </p:par>
+                      </p:childTnLst>
+                    </p:cTn>
+                  </p:par>
+                </p:childTnLst>
+              </p:cTn>
+              <p:prevCondLst>
+                <p:cond evt="onPrev" delay="0">
+                  <p:tgtEl>
+                    <p:sldTgt/>
+                  </p:tgtEl>
+                </p:cond>
+              </p:prevCondLst>
+              <p:nextCondLst>
+                <p:cond evt="onNext" delay="0">
+                  <p:tgtEl>
+                    <p:sldTgt/>
+                  </p:tgtEl>
+                </p:cond>
+              </p:nextCondLst>
+            </p:seq>
+          </p:childTnLst>
+        </p:cTn>
       </p:par>
     </p:tnLst>
+    <p:bldLst>
+      <p:bldP spid="3" grpId="0"/>
+      <p:bldP spid="5" grpId="0" build="p"/>
+      <p:bldP spid="2" grpId="0"/>
+      <p:bldP spid="6" grpId="0"/>
+    </p:bldLst>
   </p:timing>
 </p:sld>
 </file>
@@ -17904,20 +19337,20 @@
           <p:nvPr>
             <p:extLst>
               <p:ext uri="{D42A27DB-BD31-4B8C-83A1-F6EECF244321}">
-                <p14:modId xmlns:p14="http://schemas.microsoft.com/office/powerpoint/2010/main" val="2083677674"/>
+                <p14:modId xmlns:p14="http://schemas.microsoft.com/office/powerpoint/2010/main" val="3389094671"/>
               </p:ext>
             </p:extLst>
           </p:nvPr>
         </p:nvGraphicFramePr>
         <p:xfrm>
-          <a:off x="7440030" y="1424119"/>
+          <a:off x="7440030" y="1451013"/>
           <a:ext cx="4170717" cy="2080471"/>
         </p:xfrm>
         <a:graphic>
           <a:graphicData uri="http://schemas.openxmlformats.org/presentationml/2006/ole">
             <mc:AlternateContent xmlns:mc="http://schemas.openxmlformats.org/markup-compatibility/2006">
               <mc:Choice xmlns:v="urn:schemas-microsoft-com:vml" Requires="v">
-                <p:oleObj spid="_x0000_s5130" r:id="rId3" imgW="17053920" imgH="9015840" progId="">
+                <p:oleObj spid="_x0000_s5133" r:id="rId3" imgW="17053920" imgH="9015840" progId="">
                   <p:embed/>
                 </p:oleObj>
               </mc:Choice>
@@ -17938,7 +19371,7 @@
                     </p:blipFill>
                     <p:spPr>
                       <a:xfrm>
-                        <a:off x="7440030" y="1424119"/>
+                        <a:off x="7440030" y="1451013"/>
                         <a:ext cx="4170717" cy="2080471"/>
                       </a:xfrm>
                       <a:prstGeom prst="rect">
@@ -18006,9 +19439,650 @@
   <p:timing>
     <p:tnLst>
       <p:par>
-        <p:cTn id="1" dur="indefinite" restart="never" nodeType="tmRoot"/>
+        <p:cTn id="1" dur="indefinite" restart="never" nodeType="tmRoot">
+          <p:childTnLst>
+            <p:seq concurrent="1" nextAc="seek">
+              <p:cTn id="2" dur="indefinite" nodeType="mainSeq">
+                <p:childTnLst>
+                  <p:par>
+                    <p:cTn id="3" fill="hold">
+                      <p:stCondLst>
+                        <p:cond delay="indefinite"/>
+                      </p:stCondLst>
+                      <p:childTnLst>
+                        <p:par>
+                          <p:cTn id="4" fill="hold">
+                            <p:stCondLst>
+                              <p:cond delay="0"/>
+                            </p:stCondLst>
+                            <p:childTnLst>
+                              <p:par>
+                                <p:cTn id="5" presetID="16" presetClass="entr" presetSubtype="21" fill="hold" grpId="0" nodeType="clickEffect">
+                                  <p:stCondLst>
+                                    <p:cond delay="0"/>
+                                  </p:stCondLst>
+                                  <p:childTnLst>
+                                    <p:set>
+                                      <p:cBhvr>
+                                        <p:cTn id="6" dur="1" fill="hold">
+                                          <p:stCondLst>
+                                            <p:cond delay="0"/>
+                                          </p:stCondLst>
+                                        </p:cTn>
+                                        <p:tgtEl>
+                                          <p:spTgt spid="3"/>
+                                        </p:tgtEl>
+                                        <p:attrNameLst>
+                                          <p:attrName>style.visibility</p:attrName>
+                                        </p:attrNameLst>
+                                      </p:cBhvr>
+                                      <p:to>
+                                        <p:strVal val="visible"/>
+                                      </p:to>
+                                    </p:set>
+                                    <p:animEffect transition="in" filter="barn(inVertical)">
+                                      <p:cBhvr>
+                                        <p:cTn id="7" dur="500"/>
+                                        <p:tgtEl>
+                                          <p:spTgt spid="3"/>
+                                        </p:tgtEl>
+                                      </p:cBhvr>
+                                    </p:animEffect>
+                                  </p:childTnLst>
+                                </p:cTn>
+                              </p:par>
+                            </p:childTnLst>
+                          </p:cTn>
+                        </p:par>
+                      </p:childTnLst>
+                    </p:cTn>
+                  </p:par>
+                  <p:par>
+                    <p:cTn id="8" fill="hold">
+                      <p:stCondLst>
+                        <p:cond delay="indefinite"/>
+                      </p:stCondLst>
+                      <p:childTnLst>
+                        <p:par>
+                          <p:cTn id="9" fill="hold">
+                            <p:stCondLst>
+                              <p:cond delay="0"/>
+                            </p:stCondLst>
+                            <p:childTnLst>
+                              <p:par>
+                                <p:cTn id="10" presetID="42" presetClass="entr" presetSubtype="0" fill="hold" grpId="0" nodeType="clickEffect">
+                                  <p:stCondLst>
+                                    <p:cond delay="0"/>
+                                  </p:stCondLst>
+                                  <p:childTnLst>
+                                    <p:set>
+                                      <p:cBhvr>
+                                        <p:cTn id="11" dur="1" fill="hold">
+                                          <p:stCondLst>
+                                            <p:cond delay="0"/>
+                                          </p:stCondLst>
+                                        </p:cTn>
+                                        <p:tgtEl>
+                                          <p:spTgt spid="4"/>
+                                        </p:tgtEl>
+                                        <p:attrNameLst>
+                                          <p:attrName>style.visibility</p:attrName>
+                                        </p:attrNameLst>
+                                      </p:cBhvr>
+                                      <p:to>
+                                        <p:strVal val="visible"/>
+                                      </p:to>
+                                    </p:set>
+                                    <p:animEffect transition="in" filter="fade">
+                                      <p:cBhvr>
+                                        <p:cTn id="12" dur="1000"/>
+                                        <p:tgtEl>
+                                          <p:spTgt spid="4"/>
+                                        </p:tgtEl>
+                                      </p:cBhvr>
+                                    </p:animEffect>
+                                    <p:anim calcmode="lin" valueType="num">
+                                      <p:cBhvr>
+                                        <p:cTn id="13" dur="1000" fill="hold"/>
+                                        <p:tgtEl>
+                                          <p:spTgt spid="4"/>
+                                        </p:tgtEl>
+                                        <p:attrNameLst>
+                                          <p:attrName>ppt_x</p:attrName>
+                                        </p:attrNameLst>
+                                      </p:cBhvr>
+                                      <p:tavLst>
+                                        <p:tav tm="0">
+                                          <p:val>
+                                            <p:strVal val="#ppt_x"/>
+                                          </p:val>
+                                        </p:tav>
+                                        <p:tav tm="100000">
+                                          <p:val>
+                                            <p:strVal val="#ppt_x"/>
+                                          </p:val>
+                                        </p:tav>
+                                      </p:tavLst>
+                                    </p:anim>
+                                    <p:anim calcmode="lin" valueType="num">
+                                      <p:cBhvr>
+                                        <p:cTn id="14" dur="1000" fill="hold"/>
+                                        <p:tgtEl>
+                                          <p:spTgt spid="4"/>
+                                        </p:tgtEl>
+                                        <p:attrNameLst>
+                                          <p:attrName>ppt_y</p:attrName>
+                                        </p:attrNameLst>
+                                      </p:cBhvr>
+                                      <p:tavLst>
+                                        <p:tav tm="0">
+                                          <p:val>
+                                            <p:strVal val="#ppt_y+.1"/>
+                                          </p:val>
+                                        </p:tav>
+                                        <p:tav tm="100000">
+                                          <p:val>
+                                            <p:strVal val="#ppt_y"/>
+                                          </p:val>
+                                        </p:tav>
+                                      </p:tavLst>
+                                    </p:anim>
+                                  </p:childTnLst>
+                                </p:cTn>
+                              </p:par>
+                            </p:childTnLst>
+                          </p:cTn>
+                        </p:par>
+                      </p:childTnLst>
+                    </p:cTn>
+                  </p:par>
+                  <p:par>
+                    <p:cTn id="15" fill="hold">
+                      <p:stCondLst>
+                        <p:cond delay="indefinite"/>
+                      </p:stCondLst>
+                      <p:childTnLst>
+                        <p:par>
+                          <p:cTn id="16" fill="hold">
+                            <p:stCondLst>
+                              <p:cond delay="0"/>
+                            </p:stCondLst>
+                            <p:childTnLst>
+                              <p:par>
+                                <p:cTn id="17" presetID="42" presetClass="entr" presetSubtype="0" fill="hold" grpId="0" nodeType="clickEffect">
+                                  <p:stCondLst>
+                                    <p:cond delay="0"/>
+                                  </p:stCondLst>
+                                  <p:childTnLst>
+                                    <p:set>
+                                      <p:cBhvr>
+                                        <p:cTn id="18" dur="1" fill="hold">
+                                          <p:stCondLst>
+                                            <p:cond delay="0"/>
+                                          </p:stCondLst>
+                                        </p:cTn>
+                                        <p:tgtEl>
+                                          <p:spTgt spid="7"/>
+                                        </p:tgtEl>
+                                        <p:attrNameLst>
+                                          <p:attrName>style.visibility</p:attrName>
+                                        </p:attrNameLst>
+                                      </p:cBhvr>
+                                      <p:to>
+                                        <p:strVal val="visible"/>
+                                      </p:to>
+                                    </p:set>
+                                    <p:animEffect transition="in" filter="fade">
+                                      <p:cBhvr>
+                                        <p:cTn id="19" dur="1000"/>
+                                        <p:tgtEl>
+                                          <p:spTgt spid="7"/>
+                                        </p:tgtEl>
+                                      </p:cBhvr>
+                                    </p:animEffect>
+                                    <p:anim calcmode="lin" valueType="num">
+                                      <p:cBhvr>
+                                        <p:cTn id="20" dur="1000" fill="hold"/>
+                                        <p:tgtEl>
+                                          <p:spTgt spid="7"/>
+                                        </p:tgtEl>
+                                        <p:attrNameLst>
+                                          <p:attrName>ppt_x</p:attrName>
+                                        </p:attrNameLst>
+                                      </p:cBhvr>
+                                      <p:tavLst>
+                                        <p:tav tm="0">
+                                          <p:val>
+                                            <p:strVal val="#ppt_x"/>
+                                          </p:val>
+                                        </p:tav>
+                                        <p:tav tm="100000">
+                                          <p:val>
+                                            <p:strVal val="#ppt_x"/>
+                                          </p:val>
+                                        </p:tav>
+                                      </p:tavLst>
+                                    </p:anim>
+                                    <p:anim calcmode="lin" valueType="num">
+                                      <p:cBhvr>
+                                        <p:cTn id="21" dur="1000" fill="hold"/>
+                                        <p:tgtEl>
+                                          <p:spTgt spid="7"/>
+                                        </p:tgtEl>
+                                        <p:attrNameLst>
+                                          <p:attrName>ppt_y</p:attrName>
+                                        </p:attrNameLst>
+                                      </p:cBhvr>
+                                      <p:tavLst>
+                                        <p:tav tm="0">
+                                          <p:val>
+                                            <p:strVal val="#ppt_y+.1"/>
+                                          </p:val>
+                                        </p:tav>
+                                        <p:tav tm="100000">
+                                          <p:val>
+                                            <p:strVal val="#ppt_y"/>
+                                          </p:val>
+                                        </p:tav>
+                                      </p:tavLst>
+                                    </p:anim>
+                                  </p:childTnLst>
+                                </p:cTn>
+                              </p:par>
+                              <p:par>
+                                <p:cTn id="22" presetID="42" presetClass="entr" presetSubtype="0" fill="hold" nodeType="withEffect">
+                                  <p:stCondLst>
+                                    <p:cond delay="0"/>
+                                  </p:stCondLst>
+                                  <p:childTnLst>
+                                    <p:set>
+                                      <p:cBhvr>
+                                        <p:cTn id="23" dur="1" fill="hold">
+                                          <p:stCondLst>
+                                            <p:cond delay="0"/>
+                                          </p:stCondLst>
+                                        </p:cTn>
+                                        <p:tgtEl>
+                                          <p:spTgt spid="12"/>
+                                        </p:tgtEl>
+                                        <p:attrNameLst>
+                                          <p:attrName>style.visibility</p:attrName>
+                                        </p:attrNameLst>
+                                      </p:cBhvr>
+                                      <p:to>
+                                        <p:strVal val="visible"/>
+                                      </p:to>
+                                    </p:set>
+                                    <p:animEffect transition="in" filter="fade">
+                                      <p:cBhvr>
+                                        <p:cTn id="24" dur="1000"/>
+                                        <p:tgtEl>
+                                          <p:spTgt spid="12"/>
+                                        </p:tgtEl>
+                                      </p:cBhvr>
+                                    </p:animEffect>
+                                    <p:anim calcmode="lin" valueType="num">
+                                      <p:cBhvr>
+                                        <p:cTn id="25" dur="1000" fill="hold"/>
+                                        <p:tgtEl>
+                                          <p:spTgt spid="12"/>
+                                        </p:tgtEl>
+                                        <p:attrNameLst>
+                                          <p:attrName>ppt_x</p:attrName>
+                                        </p:attrNameLst>
+                                      </p:cBhvr>
+                                      <p:tavLst>
+                                        <p:tav tm="0">
+                                          <p:val>
+                                            <p:strVal val="#ppt_x"/>
+                                          </p:val>
+                                        </p:tav>
+                                        <p:tav tm="100000">
+                                          <p:val>
+                                            <p:strVal val="#ppt_x"/>
+                                          </p:val>
+                                        </p:tav>
+                                      </p:tavLst>
+                                    </p:anim>
+                                    <p:anim calcmode="lin" valueType="num">
+                                      <p:cBhvr>
+                                        <p:cTn id="26" dur="1000" fill="hold"/>
+                                        <p:tgtEl>
+                                          <p:spTgt spid="12"/>
+                                        </p:tgtEl>
+                                        <p:attrNameLst>
+                                          <p:attrName>ppt_y</p:attrName>
+                                        </p:attrNameLst>
+                                      </p:cBhvr>
+                                      <p:tavLst>
+                                        <p:tav tm="0">
+                                          <p:val>
+                                            <p:strVal val="#ppt_y+.1"/>
+                                          </p:val>
+                                        </p:tav>
+                                        <p:tav tm="100000">
+                                          <p:val>
+                                            <p:strVal val="#ppt_y"/>
+                                          </p:val>
+                                        </p:tav>
+                                      </p:tavLst>
+                                    </p:anim>
+                                  </p:childTnLst>
+                                </p:cTn>
+                              </p:par>
+                              <p:par>
+                                <p:cTn id="27" presetID="42" presetClass="entr" presetSubtype="0" fill="hold" nodeType="withEffect">
+                                  <p:stCondLst>
+                                    <p:cond delay="0"/>
+                                  </p:stCondLst>
+                                  <p:childTnLst>
+                                    <p:set>
+                                      <p:cBhvr>
+                                        <p:cTn id="28" dur="1" fill="hold">
+                                          <p:stCondLst>
+                                            <p:cond delay="0"/>
+                                          </p:stCondLst>
+                                        </p:cTn>
+                                        <p:tgtEl>
+                                          <p:spTgt spid="5122"/>
+                                        </p:tgtEl>
+                                        <p:attrNameLst>
+                                          <p:attrName>style.visibility</p:attrName>
+                                        </p:attrNameLst>
+                                      </p:cBhvr>
+                                      <p:to>
+                                        <p:strVal val="visible"/>
+                                      </p:to>
+                                    </p:set>
+                                    <p:animEffect transition="in" filter="fade">
+                                      <p:cBhvr>
+                                        <p:cTn id="29" dur="1000"/>
+                                        <p:tgtEl>
+                                          <p:spTgt spid="5122"/>
+                                        </p:tgtEl>
+                                      </p:cBhvr>
+                                    </p:animEffect>
+                                    <p:anim calcmode="lin" valueType="num">
+                                      <p:cBhvr>
+                                        <p:cTn id="30" dur="1000" fill="hold"/>
+                                        <p:tgtEl>
+                                          <p:spTgt spid="5122"/>
+                                        </p:tgtEl>
+                                        <p:attrNameLst>
+                                          <p:attrName>ppt_x</p:attrName>
+                                        </p:attrNameLst>
+                                      </p:cBhvr>
+                                      <p:tavLst>
+                                        <p:tav tm="0">
+                                          <p:val>
+                                            <p:strVal val="#ppt_x"/>
+                                          </p:val>
+                                        </p:tav>
+                                        <p:tav tm="100000">
+                                          <p:val>
+                                            <p:strVal val="#ppt_x"/>
+                                          </p:val>
+                                        </p:tav>
+                                      </p:tavLst>
+                                    </p:anim>
+                                    <p:anim calcmode="lin" valueType="num">
+                                      <p:cBhvr>
+                                        <p:cTn id="31" dur="1000" fill="hold"/>
+                                        <p:tgtEl>
+                                          <p:spTgt spid="5122"/>
+                                        </p:tgtEl>
+                                        <p:attrNameLst>
+                                          <p:attrName>ppt_y</p:attrName>
+                                        </p:attrNameLst>
+                                      </p:cBhvr>
+                                      <p:tavLst>
+                                        <p:tav tm="0">
+                                          <p:val>
+                                            <p:strVal val="#ppt_y+.1"/>
+                                          </p:val>
+                                        </p:tav>
+                                        <p:tav tm="100000">
+                                          <p:val>
+                                            <p:strVal val="#ppt_y"/>
+                                          </p:val>
+                                        </p:tav>
+                                      </p:tavLst>
+                                    </p:anim>
+                                  </p:childTnLst>
+                                </p:cTn>
+                              </p:par>
+                            </p:childTnLst>
+                          </p:cTn>
+                        </p:par>
+                      </p:childTnLst>
+                    </p:cTn>
+                  </p:par>
+                  <p:par>
+                    <p:cTn id="32" fill="hold">
+                      <p:stCondLst>
+                        <p:cond delay="indefinite"/>
+                      </p:stCondLst>
+                      <p:childTnLst>
+                        <p:par>
+                          <p:cTn id="33" fill="hold">
+                            <p:stCondLst>
+                              <p:cond delay="0"/>
+                            </p:stCondLst>
+                            <p:childTnLst>
+                              <p:par>
+                                <p:cTn id="34" presetID="42" presetClass="entr" presetSubtype="0" fill="hold" grpId="0" nodeType="clickEffect">
+                                  <p:stCondLst>
+                                    <p:cond delay="0"/>
+                                  </p:stCondLst>
+                                  <p:childTnLst>
+                                    <p:set>
+                                      <p:cBhvr>
+                                        <p:cTn id="35" dur="1" fill="hold">
+                                          <p:stCondLst>
+                                            <p:cond delay="0"/>
+                                          </p:stCondLst>
+                                        </p:cTn>
+                                        <p:tgtEl>
+                                          <p:spTgt spid="8"/>
+                                        </p:tgtEl>
+                                        <p:attrNameLst>
+                                          <p:attrName>style.visibility</p:attrName>
+                                        </p:attrNameLst>
+                                      </p:cBhvr>
+                                      <p:to>
+                                        <p:strVal val="visible"/>
+                                      </p:to>
+                                    </p:set>
+                                    <p:animEffect transition="in" filter="fade">
+                                      <p:cBhvr>
+                                        <p:cTn id="36" dur="1000"/>
+                                        <p:tgtEl>
+                                          <p:spTgt spid="8"/>
+                                        </p:tgtEl>
+                                      </p:cBhvr>
+                                    </p:animEffect>
+                                    <p:anim calcmode="lin" valueType="num">
+                                      <p:cBhvr>
+                                        <p:cTn id="37" dur="1000" fill="hold"/>
+                                        <p:tgtEl>
+                                          <p:spTgt spid="8"/>
+                                        </p:tgtEl>
+                                        <p:attrNameLst>
+                                          <p:attrName>ppt_x</p:attrName>
+                                        </p:attrNameLst>
+                                      </p:cBhvr>
+                                      <p:tavLst>
+                                        <p:tav tm="0">
+                                          <p:val>
+                                            <p:strVal val="#ppt_x"/>
+                                          </p:val>
+                                        </p:tav>
+                                        <p:tav tm="100000">
+                                          <p:val>
+                                            <p:strVal val="#ppt_x"/>
+                                          </p:val>
+                                        </p:tav>
+                                      </p:tavLst>
+                                    </p:anim>
+                                    <p:anim calcmode="lin" valueType="num">
+                                      <p:cBhvr>
+                                        <p:cTn id="38" dur="1000" fill="hold"/>
+                                        <p:tgtEl>
+                                          <p:spTgt spid="8"/>
+                                        </p:tgtEl>
+                                        <p:attrNameLst>
+                                          <p:attrName>ppt_y</p:attrName>
+                                        </p:attrNameLst>
+                                      </p:cBhvr>
+                                      <p:tavLst>
+                                        <p:tav tm="0">
+                                          <p:val>
+                                            <p:strVal val="#ppt_y+.1"/>
+                                          </p:val>
+                                        </p:tav>
+                                        <p:tav tm="100000">
+                                          <p:val>
+                                            <p:strVal val="#ppt_y"/>
+                                          </p:val>
+                                        </p:tav>
+                                      </p:tavLst>
+                                    </p:anim>
+                                  </p:childTnLst>
+                                </p:cTn>
+                              </p:par>
+                            </p:childTnLst>
+                          </p:cTn>
+                        </p:par>
+                      </p:childTnLst>
+                    </p:cTn>
+                  </p:par>
+                  <p:par>
+                    <p:cTn id="39" fill="hold">
+                      <p:stCondLst>
+                        <p:cond delay="indefinite"/>
+                      </p:stCondLst>
+                      <p:childTnLst>
+                        <p:par>
+                          <p:cTn id="40" fill="hold">
+                            <p:stCondLst>
+                              <p:cond delay="0"/>
+                            </p:stCondLst>
+                            <p:childTnLst>
+                              <p:par>
+                                <p:cTn id="41" presetID="42" presetClass="entr" presetSubtype="0" fill="hold" grpId="0" nodeType="clickEffect">
+                                  <p:stCondLst>
+                                    <p:cond delay="0"/>
+                                  </p:stCondLst>
+                                  <p:childTnLst>
+                                    <p:set>
+                                      <p:cBhvr>
+                                        <p:cTn id="42" dur="1" fill="hold">
+                                          <p:stCondLst>
+                                            <p:cond delay="0"/>
+                                          </p:stCondLst>
+                                        </p:cTn>
+                                        <p:tgtEl>
+                                          <p:spTgt spid="9"/>
+                                        </p:tgtEl>
+                                        <p:attrNameLst>
+                                          <p:attrName>style.visibility</p:attrName>
+                                        </p:attrNameLst>
+                                      </p:cBhvr>
+                                      <p:to>
+                                        <p:strVal val="visible"/>
+                                      </p:to>
+                                    </p:set>
+                                    <p:animEffect transition="in" filter="fade">
+                                      <p:cBhvr>
+                                        <p:cTn id="43" dur="1000"/>
+                                        <p:tgtEl>
+                                          <p:spTgt spid="9"/>
+                                        </p:tgtEl>
+                                      </p:cBhvr>
+                                    </p:animEffect>
+                                    <p:anim calcmode="lin" valueType="num">
+                                      <p:cBhvr>
+                                        <p:cTn id="44" dur="1000" fill="hold"/>
+                                        <p:tgtEl>
+                                          <p:spTgt spid="9"/>
+                                        </p:tgtEl>
+                                        <p:attrNameLst>
+                                          <p:attrName>ppt_x</p:attrName>
+                                        </p:attrNameLst>
+                                      </p:cBhvr>
+                                      <p:tavLst>
+                                        <p:tav tm="0">
+                                          <p:val>
+                                            <p:strVal val="#ppt_x"/>
+                                          </p:val>
+                                        </p:tav>
+                                        <p:tav tm="100000">
+                                          <p:val>
+                                            <p:strVal val="#ppt_x"/>
+                                          </p:val>
+                                        </p:tav>
+                                      </p:tavLst>
+                                    </p:anim>
+                                    <p:anim calcmode="lin" valueType="num">
+                                      <p:cBhvr>
+                                        <p:cTn id="45" dur="1000" fill="hold"/>
+                                        <p:tgtEl>
+                                          <p:spTgt spid="9"/>
+                                        </p:tgtEl>
+                                        <p:attrNameLst>
+                                          <p:attrName>ppt_y</p:attrName>
+                                        </p:attrNameLst>
+                                      </p:cBhvr>
+                                      <p:tavLst>
+                                        <p:tav tm="0">
+                                          <p:val>
+                                            <p:strVal val="#ppt_y+.1"/>
+                                          </p:val>
+                                        </p:tav>
+                                        <p:tav tm="100000">
+                                          <p:val>
+                                            <p:strVal val="#ppt_y"/>
+                                          </p:val>
+                                        </p:tav>
+                                      </p:tavLst>
+                                    </p:anim>
+                                  </p:childTnLst>
+                                </p:cTn>
+                              </p:par>
+                            </p:childTnLst>
+                          </p:cTn>
+                        </p:par>
+                      </p:childTnLst>
+                    </p:cTn>
+                  </p:par>
+                </p:childTnLst>
+              </p:cTn>
+              <p:prevCondLst>
+                <p:cond evt="onPrev" delay="0">
+                  <p:tgtEl>
+                    <p:sldTgt/>
+                  </p:tgtEl>
+                </p:cond>
+              </p:prevCondLst>
+              <p:nextCondLst>
+                <p:cond evt="onNext" delay="0">
+                  <p:tgtEl>
+                    <p:sldTgt/>
+                  </p:tgtEl>
+                </p:cond>
+              </p:nextCondLst>
+            </p:seq>
+          </p:childTnLst>
+        </p:cTn>
       </p:par>
     </p:tnLst>
+    <p:bldLst>
+      <p:bldP spid="3" grpId="0"/>
+      <p:bldP spid="4" grpId="0"/>
+      <p:bldP spid="7" grpId="0"/>
+      <p:bldP spid="8" grpId="0"/>
+      <p:bldP spid="9" grpId="0"/>
+    </p:bldLst>
   </p:timing>
 </p:sld>
 </file>
@@ -18900,9 +20974,423 @@
   <p:timing>
     <p:tnLst>
       <p:par>
-        <p:cTn id="1" dur="indefinite" restart="never" nodeType="tmRoot"/>
+        <p:cTn id="1" dur="indefinite" restart="never" nodeType="tmRoot">
+          <p:childTnLst>
+            <p:seq concurrent="1" nextAc="seek">
+              <p:cTn id="2" dur="indefinite" nodeType="mainSeq">
+                <p:childTnLst>
+                  <p:par>
+                    <p:cTn id="3" fill="hold">
+                      <p:stCondLst>
+                        <p:cond delay="indefinite"/>
+                      </p:stCondLst>
+                      <p:childTnLst>
+                        <p:par>
+                          <p:cTn id="4" fill="hold">
+                            <p:stCondLst>
+                              <p:cond delay="0"/>
+                            </p:stCondLst>
+                            <p:childTnLst>
+                              <p:par>
+                                <p:cTn id="5" presetID="16" presetClass="entr" presetSubtype="21" fill="hold" grpId="0" nodeType="clickEffect">
+                                  <p:stCondLst>
+                                    <p:cond delay="0"/>
+                                  </p:stCondLst>
+                                  <p:childTnLst>
+                                    <p:set>
+                                      <p:cBhvr>
+                                        <p:cTn id="6" dur="1" fill="hold">
+                                          <p:stCondLst>
+                                            <p:cond delay="0"/>
+                                          </p:stCondLst>
+                                        </p:cTn>
+                                        <p:tgtEl>
+                                          <p:spTgt spid="2"/>
+                                        </p:tgtEl>
+                                        <p:attrNameLst>
+                                          <p:attrName>style.visibility</p:attrName>
+                                        </p:attrNameLst>
+                                      </p:cBhvr>
+                                      <p:to>
+                                        <p:strVal val="visible"/>
+                                      </p:to>
+                                    </p:set>
+                                    <p:animEffect transition="in" filter="barn(inVertical)">
+                                      <p:cBhvr>
+                                        <p:cTn id="7" dur="500"/>
+                                        <p:tgtEl>
+                                          <p:spTgt spid="2"/>
+                                        </p:tgtEl>
+                                      </p:cBhvr>
+                                    </p:animEffect>
+                                  </p:childTnLst>
+                                </p:cTn>
+                              </p:par>
+                            </p:childTnLst>
+                          </p:cTn>
+                        </p:par>
+                      </p:childTnLst>
+                    </p:cTn>
+                  </p:par>
+                  <p:par>
+                    <p:cTn id="8" fill="hold">
+                      <p:stCondLst>
+                        <p:cond delay="indefinite"/>
+                      </p:stCondLst>
+                      <p:childTnLst>
+                        <p:par>
+                          <p:cTn id="9" fill="hold">
+                            <p:stCondLst>
+                              <p:cond delay="0"/>
+                            </p:stCondLst>
+                            <p:childTnLst>
+                              <p:par>
+                                <p:cTn id="10" presetID="42" presetClass="entr" presetSubtype="0" fill="hold" grpId="0" nodeType="clickEffect">
+                                  <p:stCondLst>
+                                    <p:cond delay="0"/>
+                                  </p:stCondLst>
+                                  <p:childTnLst>
+                                    <p:set>
+                                      <p:cBhvr>
+                                        <p:cTn id="11" dur="1" fill="hold">
+                                          <p:stCondLst>
+                                            <p:cond delay="0"/>
+                                          </p:stCondLst>
+                                        </p:cTn>
+                                        <p:tgtEl>
+                                          <p:spTgt spid="19"/>
+                                        </p:tgtEl>
+                                        <p:attrNameLst>
+                                          <p:attrName>style.visibility</p:attrName>
+                                        </p:attrNameLst>
+                                      </p:cBhvr>
+                                      <p:to>
+                                        <p:strVal val="visible"/>
+                                      </p:to>
+                                    </p:set>
+                                    <p:animEffect transition="in" filter="fade">
+                                      <p:cBhvr>
+                                        <p:cTn id="12" dur="1000"/>
+                                        <p:tgtEl>
+                                          <p:spTgt spid="19"/>
+                                        </p:tgtEl>
+                                      </p:cBhvr>
+                                    </p:animEffect>
+                                    <p:anim calcmode="lin" valueType="num">
+                                      <p:cBhvr>
+                                        <p:cTn id="13" dur="1000" fill="hold"/>
+                                        <p:tgtEl>
+                                          <p:spTgt spid="19"/>
+                                        </p:tgtEl>
+                                        <p:attrNameLst>
+                                          <p:attrName>ppt_x</p:attrName>
+                                        </p:attrNameLst>
+                                      </p:cBhvr>
+                                      <p:tavLst>
+                                        <p:tav tm="0">
+                                          <p:val>
+                                            <p:strVal val="#ppt_x"/>
+                                          </p:val>
+                                        </p:tav>
+                                        <p:tav tm="100000">
+                                          <p:val>
+                                            <p:strVal val="#ppt_x"/>
+                                          </p:val>
+                                        </p:tav>
+                                      </p:tavLst>
+                                    </p:anim>
+                                    <p:anim calcmode="lin" valueType="num">
+                                      <p:cBhvr>
+                                        <p:cTn id="14" dur="1000" fill="hold"/>
+                                        <p:tgtEl>
+                                          <p:spTgt spid="19"/>
+                                        </p:tgtEl>
+                                        <p:attrNameLst>
+                                          <p:attrName>ppt_y</p:attrName>
+                                        </p:attrNameLst>
+                                      </p:cBhvr>
+                                      <p:tavLst>
+                                        <p:tav tm="0">
+                                          <p:val>
+                                            <p:strVal val="#ppt_y+.1"/>
+                                          </p:val>
+                                        </p:tav>
+                                        <p:tav tm="100000">
+                                          <p:val>
+                                            <p:strVal val="#ppt_y"/>
+                                          </p:val>
+                                        </p:tav>
+                                      </p:tavLst>
+                                    </p:anim>
+                                  </p:childTnLst>
+                                </p:cTn>
+                              </p:par>
+                            </p:childTnLst>
+                          </p:cTn>
+                        </p:par>
+                      </p:childTnLst>
+                    </p:cTn>
+                  </p:par>
+                  <p:par>
+                    <p:cTn id="15" fill="hold">
+                      <p:stCondLst>
+                        <p:cond delay="indefinite"/>
+                      </p:stCondLst>
+                      <p:childTnLst>
+                        <p:par>
+                          <p:cTn id="16" fill="hold">
+                            <p:stCondLst>
+                              <p:cond delay="0"/>
+                            </p:stCondLst>
+                            <p:childTnLst>
+                              <p:par>
+                                <p:cTn id="17" presetID="14" presetClass="entr" presetSubtype="10" fill="hold" grpId="0" nodeType="clickEffect">
+                                  <p:stCondLst>
+                                    <p:cond delay="0"/>
+                                  </p:stCondLst>
+                                  <p:childTnLst>
+                                    <p:set>
+                                      <p:cBhvr>
+                                        <p:cTn id="18" dur="1" fill="hold">
+                                          <p:stCondLst>
+                                            <p:cond delay="0"/>
+                                          </p:stCondLst>
+                                        </p:cTn>
+                                        <p:tgtEl>
+                                          <p:spTgt spid="3"/>
+                                        </p:tgtEl>
+                                        <p:attrNameLst>
+                                          <p:attrName>style.visibility</p:attrName>
+                                        </p:attrNameLst>
+                                      </p:cBhvr>
+                                      <p:to>
+                                        <p:strVal val="visible"/>
+                                      </p:to>
+                                    </p:set>
+                                    <p:animEffect transition="in" filter="randombar(horizontal)">
+                                      <p:cBhvr>
+                                        <p:cTn id="19" dur="500"/>
+                                        <p:tgtEl>
+                                          <p:spTgt spid="3"/>
+                                        </p:tgtEl>
+                                      </p:cBhvr>
+                                    </p:animEffect>
+                                  </p:childTnLst>
+                                </p:cTn>
+                              </p:par>
+                            </p:childTnLst>
+                          </p:cTn>
+                        </p:par>
+                      </p:childTnLst>
+                    </p:cTn>
+                  </p:par>
+                  <p:par>
+                    <p:cTn id="20" fill="hold">
+                      <p:stCondLst>
+                        <p:cond delay="indefinite"/>
+                      </p:stCondLst>
+                      <p:childTnLst>
+                        <p:par>
+                          <p:cTn id="21" fill="hold">
+                            <p:stCondLst>
+                              <p:cond delay="0"/>
+                            </p:stCondLst>
+                            <p:childTnLst>
+                              <p:par>
+                                <p:cTn id="22" presetID="42" presetClass="entr" presetSubtype="0" fill="hold" grpId="0" nodeType="clickEffect">
+                                  <p:stCondLst>
+                                    <p:cond delay="0"/>
+                                  </p:stCondLst>
+                                  <p:childTnLst>
+                                    <p:set>
+                                      <p:cBhvr>
+                                        <p:cTn id="23" dur="1" fill="hold">
+                                          <p:stCondLst>
+                                            <p:cond delay="0"/>
+                                          </p:stCondLst>
+                                        </p:cTn>
+                                        <p:tgtEl>
+                                          <p:spTgt spid="4"/>
+                                        </p:tgtEl>
+                                        <p:attrNameLst>
+                                          <p:attrName>style.visibility</p:attrName>
+                                        </p:attrNameLst>
+                                      </p:cBhvr>
+                                      <p:to>
+                                        <p:strVal val="visible"/>
+                                      </p:to>
+                                    </p:set>
+                                    <p:animEffect transition="in" filter="fade">
+                                      <p:cBhvr>
+                                        <p:cTn id="24" dur="1000"/>
+                                        <p:tgtEl>
+                                          <p:spTgt spid="4"/>
+                                        </p:tgtEl>
+                                      </p:cBhvr>
+                                    </p:animEffect>
+                                    <p:anim calcmode="lin" valueType="num">
+                                      <p:cBhvr>
+                                        <p:cTn id="25" dur="1000" fill="hold"/>
+                                        <p:tgtEl>
+                                          <p:spTgt spid="4"/>
+                                        </p:tgtEl>
+                                        <p:attrNameLst>
+                                          <p:attrName>ppt_x</p:attrName>
+                                        </p:attrNameLst>
+                                      </p:cBhvr>
+                                      <p:tavLst>
+                                        <p:tav tm="0">
+                                          <p:val>
+                                            <p:strVal val="#ppt_x"/>
+                                          </p:val>
+                                        </p:tav>
+                                        <p:tav tm="100000">
+                                          <p:val>
+                                            <p:strVal val="#ppt_x"/>
+                                          </p:val>
+                                        </p:tav>
+                                      </p:tavLst>
+                                    </p:anim>
+                                    <p:anim calcmode="lin" valueType="num">
+                                      <p:cBhvr>
+                                        <p:cTn id="26" dur="1000" fill="hold"/>
+                                        <p:tgtEl>
+                                          <p:spTgt spid="4"/>
+                                        </p:tgtEl>
+                                        <p:attrNameLst>
+                                          <p:attrName>ppt_y</p:attrName>
+                                        </p:attrNameLst>
+                                      </p:cBhvr>
+                                      <p:tavLst>
+                                        <p:tav tm="0">
+                                          <p:val>
+                                            <p:strVal val="#ppt_y+.1"/>
+                                          </p:val>
+                                        </p:tav>
+                                        <p:tav tm="100000">
+                                          <p:val>
+                                            <p:strVal val="#ppt_y"/>
+                                          </p:val>
+                                        </p:tav>
+                                      </p:tavLst>
+                                    </p:anim>
+                                  </p:childTnLst>
+                                </p:cTn>
+                              </p:par>
+                              <p:par>
+                                <p:cTn id="27" presetID="42" presetClass="entr" presetSubtype="0" fill="hold" nodeType="withEffect">
+                                  <p:stCondLst>
+                                    <p:cond delay="0"/>
+                                  </p:stCondLst>
+                                  <p:childTnLst>
+                                    <p:set>
+                                      <p:cBhvr>
+                                        <p:cTn id="28" dur="1" fill="hold">
+                                          <p:stCondLst>
+                                            <p:cond delay="0"/>
+                                          </p:stCondLst>
+                                        </p:cTn>
+                                        <p:tgtEl>
+                                          <p:spTgt spid="6146"/>
+                                        </p:tgtEl>
+                                        <p:attrNameLst>
+                                          <p:attrName>style.visibility</p:attrName>
+                                        </p:attrNameLst>
+                                      </p:cBhvr>
+                                      <p:to>
+                                        <p:strVal val="visible"/>
+                                      </p:to>
+                                    </p:set>
+                                    <p:animEffect transition="in" filter="fade">
+                                      <p:cBhvr>
+                                        <p:cTn id="29" dur="1000"/>
+                                        <p:tgtEl>
+                                          <p:spTgt spid="6146"/>
+                                        </p:tgtEl>
+                                      </p:cBhvr>
+                                    </p:animEffect>
+                                    <p:anim calcmode="lin" valueType="num">
+                                      <p:cBhvr>
+                                        <p:cTn id="30" dur="1000" fill="hold"/>
+                                        <p:tgtEl>
+                                          <p:spTgt spid="6146"/>
+                                        </p:tgtEl>
+                                        <p:attrNameLst>
+                                          <p:attrName>ppt_x</p:attrName>
+                                        </p:attrNameLst>
+                                      </p:cBhvr>
+                                      <p:tavLst>
+                                        <p:tav tm="0">
+                                          <p:val>
+                                            <p:strVal val="#ppt_x"/>
+                                          </p:val>
+                                        </p:tav>
+                                        <p:tav tm="100000">
+                                          <p:val>
+                                            <p:strVal val="#ppt_x"/>
+                                          </p:val>
+                                        </p:tav>
+                                      </p:tavLst>
+                                    </p:anim>
+                                    <p:anim calcmode="lin" valueType="num">
+                                      <p:cBhvr>
+                                        <p:cTn id="31" dur="1000" fill="hold"/>
+                                        <p:tgtEl>
+                                          <p:spTgt spid="6146"/>
+                                        </p:tgtEl>
+                                        <p:attrNameLst>
+                                          <p:attrName>ppt_y</p:attrName>
+                                        </p:attrNameLst>
+                                      </p:cBhvr>
+                                      <p:tavLst>
+                                        <p:tav tm="0">
+                                          <p:val>
+                                            <p:strVal val="#ppt_y+.1"/>
+                                          </p:val>
+                                        </p:tav>
+                                        <p:tav tm="100000">
+                                          <p:val>
+                                            <p:strVal val="#ppt_y"/>
+                                          </p:val>
+                                        </p:tav>
+                                      </p:tavLst>
+                                    </p:anim>
+                                  </p:childTnLst>
+                                </p:cTn>
+                              </p:par>
+                            </p:childTnLst>
+                          </p:cTn>
+                        </p:par>
+                      </p:childTnLst>
+                    </p:cTn>
+                  </p:par>
+                </p:childTnLst>
+              </p:cTn>
+              <p:prevCondLst>
+                <p:cond evt="onPrev" delay="0">
+                  <p:tgtEl>
+                    <p:sldTgt/>
+                  </p:tgtEl>
+                </p:cond>
+              </p:prevCondLst>
+              <p:nextCondLst>
+                <p:cond evt="onNext" delay="0">
+                  <p:tgtEl>
+                    <p:sldTgt/>
+                  </p:tgtEl>
+                </p:cond>
+              </p:nextCondLst>
+            </p:seq>
+          </p:childTnLst>
+        </p:cTn>
       </p:par>
     </p:tnLst>
+    <p:bldLst>
+      <p:bldP spid="2" grpId="0"/>
+      <p:bldP spid="19" grpId="0"/>
+      <p:bldP spid="3" grpId="0" animBg="1"/>
+      <p:bldP spid="4" grpId="0"/>
+    </p:bldLst>
   </p:timing>
 </p:sld>
 </file>
@@ -19505,7 +21993,7 @@
                             </p:stCondLst>
                             <p:childTnLst>
                               <p:par>
-                                <p:cTn id="5" presetID="2" presetClass="entr" presetSubtype="4" fill="hold" grpId="0" nodeType="clickEffect">
+                                <p:cTn id="5" presetID="16" presetClass="entr" presetSubtype="21" fill="hold" grpId="0" nodeType="clickEffect">
                                   <p:stCondLst>
                                     <p:cond delay="0"/>
                                   </p:stCondLst>
@@ -19518,7 +22006,7 @@
                                           </p:stCondLst>
                                         </p:cTn>
                                         <p:tgtEl>
-                                          <p:spTgt spid="15"/>
+                                          <p:spTgt spid="6"/>
                                         </p:tgtEl>
                                         <p:attrNameLst>
                                           <p:attrName>style.visibility</p:attrName>
@@ -19528,9 +22016,70 @@
                                         <p:strVal val="visible"/>
                                       </p:to>
                                     </p:set>
+                                    <p:animEffect transition="in" filter="barn(inVertical)">
+                                      <p:cBhvr>
+                                        <p:cTn id="7" dur="500"/>
+                                        <p:tgtEl>
+                                          <p:spTgt spid="6"/>
+                                        </p:tgtEl>
+                                      </p:cBhvr>
+                                    </p:animEffect>
+                                  </p:childTnLst>
+                                </p:cTn>
+                              </p:par>
+                            </p:childTnLst>
+                          </p:cTn>
+                        </p:par>
+                      </p:childTnLst>
+                    </p:cTn>
+                  </p:par>
+                  <p:par>
+                    <p:cTn id="8" fill="hold">
+                      <p:stCondLst>
+                        <p:cond delay="indefinite"/>
+                      </p:stCondLst>
+                      <p:childTnLst>
+                        <p:par>
+                          <p:cTn id="9" fill="hold">
+                            <p:stCondLst>
+                              <p:cond delay="0"/>
+                            </p:stCondLst>
+                            <p:childTnLst>
+                              <p:par>
+                                <p:cTn id="10" presetID="42" presetClass="entr" presetSubtype="0" fill="hold" grpId="0" nodeType="clickEffect">
+                                  <p:stCondLst>
+                                    <p:cond delay="0"/>
+                                  </p:stCondLst>
+                                  <p:childTnLst>
+                                    <p:set>
+                                      <p:cBhvr>
+                                        <p:cTn id="11" dur="1" fill="hold">
+                                          <p:stCondLst>
+                                            <p:cond delay="0"/>
+                                          </p:stCondLst>
+                                        </p:cTn>
+                                        <p:tgtEl>
+                                          <p:spTgt spid="15"/>
+                                        </p:tgtEl>
+                                        <p:attrNameLst>
+                                          <p:attrName>style.visibility</p:attrName>
+                                        </p:attrNameLst>
+                                      </p:cBhvr>
+                                      <p:to>
+                                        <p:strVal val="visible"/>
+                                      </p:to>
+                                    </p:set>
+                                    <p:animEffect transition="in" filter="fade">
+                                      <p:cBhvr>
+                                        <p:cTn id="12" dur="1000"/>
+                                        <p:tgtEl>
+                                          <p:spTgt spid="15"/>
+                                        </p:tgtEl>
+                                      </p:cBhvr>
+                                    </p:animEffect>
                                     <p:anim calcmode="lin" valueType="num">
-                                      <p:cBhvr additive="base">
-                                        <p:cTn id="7" dur="500" fill="hold"/>
+                                      <p:cBhvr>
+                                        <p:cTn id="13" dur="1000" fill="hold"/>
                                         <p:tgtEl>
                                           <p:spTgt spid="15"/>
                                         </p:tgtEl>
@@ -19552,8 +22101,8 @@
                                       </p:tavLst>
                                     </p:anim>
                                     <p:anim calcmode="lin" valueType="num">
-                                      <p:cBhvr additive="base">
-                                        <p:cTn id="8" dur="500" fill="hold"/>
+                                      <p:cBhvr>
+                                        <p:cTn id="14" dur="1000" fill="hold"/>
                                         <p:tgtEl>
                                           <p:spTgt spid="15"/>
                                         </p:tgtEl>
@@ -19564,7 +22113,7 @@
                                       <p:tavLst>
                                         <p:tav tm="0">
                                           <p:val>
-                                            <p:strVal val="1+#ppt_h/2"/>
+                                            <p:strVal val="#ppt_y+.1"/>
                                           </p:val>
                                         </p:tav>
                                         <p:tav tm="100000">
@@ -19584,26 +22133,26 @@
                     </p:cTn>
                   </p:par>
                   <p:par>
-                    <p:cTn id="9" fill="hold">
+                    <p:cTn id="15" fill="hold">
                       <p:stCondLst>
                         <p:cond delay="indefinite"/>
                       </p:stCondLst>
                       <p:childTnLst>
                         <p:par>
-                          <p:cTn id="10" fill="hold">
+                          <p:cTn id="16" fill="hold">
                             <p:stCondLst>
                               <p:cond delay="0"/>
                             </p:stCondLst>
                             <p:childTnLst>
                               <p:par>
-                                <p:cTn id="11" presetID="22" presetClass="entr" presetSubtype="4" fill="hold" grpId="0" nodeType="clickEffect">
+                                <p:cTn id="17" presetID="1" presetClass="entr" presetSubtype="0" fill="hold" grpId="0" nodeType="clickEffect">
                                   <p:stCondLst>
                                     <p:cond delay="0"/>
                                   </p:stCondLst>
                                   <p:childTnLst>
                                     <p:set>
                                       <p:cBhvr>
-                                        <p:cTn id="12" dur="1" fill="hold">
+                                        <p:cTn id="18" dur="1" fill="hold">
                                           <p:stCondLst>
                                             <p:cond delay="0"/>
                                           </p:stCondLst>
@@ -19619,11 +22168,161 @@
                                         <p:strVal val="visible"/>
                                       </p:to>
                                     </p:set>
-                                    <p:animEffect transition="in" filter="wipe(down)">
-                                      <p:cBhvr>
-                                        <p:cTn id="13" dur="500"/>
-                                        <p:tgtEl>
-                                          <p:spTgt spid="49"/>
+                                  </p:childTnLst>
+                                </p:cTn>
+                              </p:par>
+                            </p:childTnLst>
+                          </p:cTn>
+                        </p:par>
+                      </p:childTnLst>
+                    </p:cTn>
+                  </p:par>
+                  <p:par>
+                    <p:cTn id="19" fill="hold">
+                      <p:stCondLst>
+                        <p:cond delay="indefinite"/>
+                      </p:stCondLst>
+                      <p:childTnLst>
+                        <p:par>
+                          <p:cTn id="20" fill="hold">
+                            <p:stCondLst>
+                              <p:cond delay="0"/>
+                            </p:stCondLst>
+                            <p:childTnLst>
+                              <p:par>
+                                <p:cTn id="21" presetID="16" presetClass="entr" presetSubtype="21" fill="hold" nodeType="clickEffect">
+                                  <p:stCondLst>
+                                    <p:cond delay="0"/>
+                                  </p:stCondLst>
+                                  <p:childTnLst>
+                                    <p:set>
+                                      <p:cBhvr>
+                                        <p:cTn id="22" dur="1" fill="hold">
+                                          <p:stCondLst>
+                                            <p:cond delay="0"/>
+                                          </p:stCondLst>
+                                        </p:cTn>
+                                        <p:tgtEl>
+                                          <p:spTgt spid="50"/>
+                                        </p:tgtEl>
+                                        <p:attrNameLst>
+                                          <p:attrName>style.visibility</p:attrName>
+                                        </p:attrNameLst>
+                                      </p:cBhvr>
+                                      <p:to>
+                                        <p:strVal val="visible"/>
+                                      </p:to>
+                                    </p:set>
+                                    <p:animEffect transition="in" filter="barn(inVertical)">
+                                      <p:cBhvr>
+                                        <p:cTn id="23" dur="500"/>
+                                        <p:tgtEl>
+                                          <p:spTgt spid="50"/>
+                                        </p:tgtEl>
+                                      </p:cBhvr>
+                                    </p:animEffect>
+                                  </p:childTnLst>
+                                </p:cTn>
+                              </p:par>
+                              <p:par>
+                                <p:cTn id="24" presetID="16" presetClass="entr" presetSubtype="21" fill="hold" grpId="0" nodeType="withEffect">
+                                  <p:stCondLst>
+                                    <p:cond delay="0"/>
+                                  </p:stCondLst>
+                                  <p:childTnLst>
+                                    <p:set>
+                                      <p:cBhvr>
+                                        <p:cTn id="25" dur="1" fill="hold">
+                                          <p:stCondLst>
+                                            <p:cond delay="0"/>
+                                          </p:stCondLst>
+                                        </p:cTn>
+                                        <p:tgtEl>
+                                          <p:spTgt spid="52"/>
+                                        </p:tgtEl>
+                                        <p:attrNameLst>
+                                          <p:attrName>style.visibility</p:attrName>
+                                        </p:attrNameLst>
+                                      </p:cBhvr>
+                                      <p:to>
+                                        <p:strVal val="visible"/>
+                                      </p:to>
+                                    </p:set>
+                                    <p:animEffect transition="in" filter="barn(inVertical)">
+                                      <p:cBhvr>
+                                        <p:cTn id="26" dur="500"/>
+                                        <p:tgtEl>
+                                          <p:spTgt spid="52"/>
+                                        </p:tgtEl>
+                                      </p:cBhvr>
+                                    </p:animEffect>
+                                  </p:childTnLst>
+                                </p:cTn>
+                              </p:par>
+                              <p:par>
+                                <p:cTn id="27" presetID="16" presetClass="entr" presetSubtype="21" fill="hold" nodeType="withEffect">
+                                  <p:stCondLst>
+                                    <p:cond delay="0"/>
+                                  </p:stCondLst>
+                                  <p:childTnLst>
+                                    <p:set>
+                                      <p:cBhvr>
+                                        <p:cTn id="28" dur="1" fill="hold">
+                                          <p:stCondLst>
+                                            <p:cond delay="0"/>
+                                          </p:stCondLst>
+                                        </p:cTn>
+                                        <p:tgtEl>
+                                          <p:spTgt spid="51"/>
+                                        </p:tgtEl>
+                                        <p:attrNameLst>
+                                          <p:attrName>style.visibility</p:attrName>
+                                        </p:attrNameLst>
+                                      </p:cBhvr>
+                                      <p:to>
+                                        <p:strVal val="visible"/>
+                                      </p:to>
+                                    </p:set>
+                                    <p:animEffect transition="in" filter="barn(inVertical)">
+                                      <p:cBhvr>
+                                        <p:cTn id="29" dur="500"/>
+                                        <p:tgtEl>
+                                          <p:spTgt spid="51"/>
+                                        </p:tgtEl>
+                                      </p:cBhvr>
+                                    </p:animEffect>
+                                  </p:childTnLst>
+                                </p:cTn>
+                              </p:par>
+                              <p:par>
+                                <p:cTn id="30" presetID="16" presetClass="entr" presetSubtype="21" fill="hold" grpId="0" nodeType="withEffect">
+                                  <p:stCondLst>
+                                    <p:cond delay="0"/>
+                                  </p:stCondLst>
+                                  <p:childTnLst>
+                                    <p:set>
+                                      <p:cBhvr>
+                                        <p:cTn id="31" dur="1" fill="hold">
+                                          <p:stCondLst>
+                                            <p:cond delay="0"/>
+                                          </p:stCondLst>
+                                        </p:cTn>
+                                        <p:tgtEl>
+                                          <p:spTgt spid="53"/>
+                                        </p:tgtEl>
+                                        <p:attrNameLst>
+                                          <p:attrName>style.visibility</p:attrName>
+                                        </p:attrNameLst>
+                                      </p:cBhvr>
+                                      <p:to>
+                                        <p:strVal val="visible"/>
+                                      </p:to>
+                                    </p:set>
+                                    <p:animEffect transition="in" filter="barn(inVertical)">
+                                      <p:cBhvr>
+                                        <p:cTn id="32" dur="500"/>
+                                        <p:tgtEl>
+                                          <p:spTgt spid="53"/>
                                         </p:tgtEl>
                                       </p:cBhvr>
                                     </p:animEffect>
@@ -19637,32 +22336,32 @@
                     </p:cTn>
                   </p:par>
                   <p:par>
-                    <p:cTn id="14" fill="hold">
+                    <p:cTn id="33" fill="hold">
                       <p:stCondLst>
                         <p:cond delay="indefinite"/>
                       </p:stCondLst>
                       <p:childTnLst>
                         <p:par>
-                          <p:cTn id="15" fill="hold">
+                          <p:cTn id="34" fill="hold">
                             <p:stCondLst>
                               <p:cond delay="0"/>
                             </p:stCondLst>
                             <p:childTnLst>
                               <p:par>
-                                <p:cTn id="16" presetID="16" presetClass="entr" presetSubtype="21" fill="hold" nodeType="clickEffect">
+                                <p:cTn id="35" presetID="42" presetClass="entr" presetSubtype="0" fill="hold" grpId="0" nodeType="clickEffect">
                                   <p:stCondLst>
                                     <p:cond delay="0"/>
                                   </p:stCondLst>
                                   <p:childTnLst>
                                     <p:set>
                                       <p:cBhvr>
-                                        <p:cTn id="17" dur="1" fill="hold">
+                                        <p:cTn id="36" dur="1" fill="hold">
                                           <p:stCondLst>
                                             <p:cond delay="0"/>
                                           </p:stCondLst>
                                         </p:cTn>
                                         <p:tgtEl>
-                                          <p:spTgt spid="50"/>
+                                          <p:spTgt spid="36"/>
                                         </p:tgtEl>
                                         <p:attrNameLst>
                                           <p:attrName>style.visibility</p:attrName>
@@ -19672,185 +22371,17 @@
                                         <p:strVal val="visible"/>
                                       </p:to>
                                     </p:set>
-                                    <p:animEffect transition="in" filter="barn(inVertical)">
-                                      <p:cBhvr>
-                                        <p:cTn id="18" dur="500"/>
-                                        <p:tgtEl>
-                                          <p:spTgt spid="50"/>
+                                    <p:animEffect transition="in" filter="fade">
+                                      <p:cBhvr>
+                                        <p:cTn id="37" dur="1000"/>
+                                        <p:tgtEl>
+                                          <p:spTgt spid="36"/>
                                         </p:tgtEl>
                                       </p:cBhvr>
                                     </p:animEffect>
-                                  </p:childTnLst>
-                                </p:cTn>
-                              </p:par>
-                              <p:par>
-                                <p:cTn id="19" presetID="16" presetClass="entr" presetSubtype="21" fill="hold" grpId="0" nodeType="withEffect">
-                                  <p:stCondLst>
-                                    <p:cond delay="0"/>
-                                  </p:stCondLst>
-                                  <p:childTnLst>
-                                    <p:set>
-                                      <p:cBhvr>
-                                        <p:cTn id="20" dur="1" fill="hold">
-                                          <p:stCondLst>
-                                            <p:cond delay="0"/>
-                                          </p:stCondLst>
-                                        </p:cTn>
-                                        <p:tgtEl>
-                                          <p:spTgt spid="52"/>
-                                        </p:tgtEl>
-                                        <p:attrNameLst>
-                                          <p:attrName>style.visibility</p:attrName>
-                                        </p:attrNameLst>
-                                      </p:cBhvr>
-                                      <p:to>
-                                        <p:strVal val="visible"/>
-                                      </p:to>
-                                    </p:set>
-                                    <p:animEffect transition="in" filter="barn(inVertical)">
-                                      <p:cBhvr>
-                                        <p:cTn id="21" dur="500"/>
-                                        <p:tgtEl>
-                                          <p:spTgt spid="52"/>
-                                        </p:tgtEl>
-                                      </p:cBhvr>
-                                    </p:animEffect>
-                                  </p:childTnLst>
-                                </p:cTn>
-                              </p:par>
-                            </p:childTnLst>
-                          </p:cTn>
-                        </p:par>
-                      </p:childTnLst>
-                    </p:cTn>
-                  </p:par>
-                  <p:par>
-                    <p:cTn id="22" fill="hold">
-                      <p:stCondLst>
-                        <p:cond delay="indefinite"/>
-                      </p:stCondLst>
-                      <p:childTnLst>
-                        <p:par>
-                          <p:cTn id="23" fill="hold">
-                            <p:stCondLst>
-                              <p:cond delay="0"/>
-                            </p:stCondLst>
-                            <p:childTnLst>
-                              <p:par>
-                                <p:cTn id="24" presetID="22" presetClass="entr" presetSubtype="4" fill="hold" nodeType="clickEffect">
-                                  <p:stCondLst>
-                                    <p:cond delay="0"/>
-                                  </p:stCondLst>
-                                  <p:childTnLst>
-                                    <p:set>
-                                      <p:cBhvr>
-                                        <p:cTn id="25" dur="1" fill="hold">
-                                          <p:stCondLst>
-                                            <p:cond delay="0"/>
-                                          </p:stCondLst>
-                                        </p:cTn>
-                                        <p:tgtEl>
-                                          <p:spTgt spid="51"/>
-                                        </p:tgtEl>
-                                        <p:attrNameLst>
-                                          <p:attrName>style.visibility</p:attrName>
-                                        </p:attrNameLst>
-                                      </p:cBhvr>
-                                      <p:to>
-                                        <p:strVal val="visible"/>
-                                      </p:to>
-                                    </p:set>
-                                    <p:animEffect transition="in" filter="wipe(down)">
-                                      <p:cBhvr>
-                                        <p:cTn id="26" dur="500"/>
-                                        <p:tgtEl>
-                                          <p:spTgt spid="51"/>
-                                        </p:tgtEl>
-                                      </p:cBhvr>
-                                    </p:animEffect>
-                                  </p:childTnLst>
-                                </p:cTn>
-                              </p:par>
-                              <p:par>
-                                <p:cTn id="27" presetID="22" presetClass="entr" presetSubtype="4" fill="hold" grpId="0" nodeType="withEffect">
-                                  <p:stCondLst>
-                                    <p:cond delay="0"/>
-                                  </p:stCondLst>
-                                  <p:childTnLst>
-                                    <p:set>
-                                      <p:cBhvr>
-                                        <p:cTn id="28" dur="1" fill="hold">
-                                          <p:stCondLst>
-                                            <p:cond delay="0"/>
-                                          </p:stCondLst>
-                                        </p:cTn>
-                                        <p:tgtEl>
-                                          <p:spTgt spid="53"/>
-                                        </p:tgtEl>
-                                        <p:attrNameLst>
-                                          <p:attrName>style.visibility</p:attrName>
-                                        </p:attrNameLst>
-                                      </p:cBhvr>
-                                      <p:to>
-                                        <p:strVal val="visible"/>
-                                      </p:to>
-                                    </p:set>
-                                    <p:animEffect transition="in" filter="wipe(down)">
-                                      <p:cBhvr>
-                                        <p:cTn id="29" dur="500"/>
-                                        <p:tgtEl>
-                                          <p:spTgt spid="53"/>
-                                        </p:tgtEl>
-                                      </p:cBhvr>
-                                    </p:animEffect>
-                                  </p:childTnLst>
-                                </p:cTn>
-                              </p:par>
-                            </p:childTnLst>
-                          </p:cTn>
-                        </p:par>
-                      </p:childTnLst>
-                    </p:cTn>
-                  </p:par>
-                  <p:par>
-                    <p:cTn id="30" fill="hold">
-                      <p:stCondLst>
-                        <p:cond delay="indefinite"/>
-                      </p:stCondLst>
-                      <p:childTnLst>
-                        <p:par>
-                          <p:cTn id="31" fill="hold">
-                            <p:stCondLst>
-                              <p:cond delay="0"/>
-                            </p:stCondLst>
-                            <p:childTnLst>
-                              <p:par>
-                                <p:cTn id="32" presetID="2" presetClass="entr" presetSubtype="4" fill="hold" grpId="0" nodeType="clickEffect">
-                                  <p:stCondLst>
-                                    <p:cond delay="0"/>
-                                  </p:stCondLst>
-                                  <p:childTnLst>
-                                    <p:set>
-                                      <p:cBhvr>
-                                        <p:cTn id="33" dur="1" fill="hold">
-                                          <p:stCondLst>
-                                            <p:cond delay="0"/>
-                                          </p:stCondLst>
-                                        </p:cTn>
-                                        <p:tgtEl>
-                                          <p:spTgt spid="36"/>
-                                        </p:tgtEl>
-                                        <p:attrNameLst>
-                                          <p:attrName>style.visibility</p:attrName>
-                                        </p:attrNameLst>
-                                      </p:cBhvr>
-                                      <p:to>
-                                        <p:strVal val="visible"/>
-                                      </p:to>
-                                    </p:set>
                                     <p:anim calcmode="lin" valueType="num">
-                                      <p:cBhvr additive="base">
-                                        <p:cTn id="34" dur="500" fill="hold"/>
+                                      <p:cBhvr>
+                                        <p:cTn id="38" dur="1000" fill="hold"/>
                                         <p:tgtEl>
                                           <p:spTgt spid="36"/>
                                         </p:tgtEl>
@@ -19872,8 +22403,8 @@
                                       </p:tavLst>
                                     </p:anim>
                                     <p:anim calcmode="lin" valueType="num">
-                                      <p:cBhvr additive="base">
-                                        <p:cTn id="35" dur="500" fill="hold"/>
+                                      <p:cBhvr>
+                                        <p:cTn id="39" dur="1000" fill="hold"/>
                                         <p:tgtEl>
                                           <p:spTgt spid="36"/>
                                         </p:tgtEl>
@@ -19884,7 +22415,7 @@
                                       <p:tavLst>
                                         <p:tav tm="0">
                                           <p:val>
-                                            <p:strVal val="1+#ppt_h/2"/>
+                                            <p:strVal val="#ppt_y+.1"/>
                                           </p:val>
                                         </p:tav>
                                         <p:tav tm="100000">
@@ -19904,26 +22435,26 @@
                     </p:cTn>
                   </p:par>
                   <p:par>
-                    <p:cTn id="36" fill="hold">
+                    <p:cTn id="40" fill="hold">
                       <p:stCondLst>
                         <p:cond delay="indefinite"/>
                       </p:stCondLst>
                       <p:childTnLst>
                         <p:par>
-                          <p:cTn id="37" fill="hold">
+                          <p:cTn id="41" fill="hold">
                             <p:stCondLst>
                               <p:cond delay="0"/>
                             </p:stCondLst>
                             <p:childTnLst>
                               <p:par>
-                                <p:cTn id="38" presetID="2" presetClass="entr" presetSubtype="4" fill="hold" grpId="0" nodeType="clickEffect">
+                                <p:cTn id="42" presetID="42" presetClass="entr" presetSubtype="0" fill="hold" grpId="0" nodeType="clickEffect">
                                   <p:stCondLst>
                                     <p:cond delay="0"/>
                                   </p:stCondLst>
                                   <p:childTnLst>
                                     <p:set>
                                       <p:cBhvr>
-                                        <p:cTn id="39" dur="1" fill="hold">
+                                        <p:cTn id="43" dur="1" fill="hold">
                                           <p:stCondLst>
                                             <p:cond delay="0"/>
                                           </p:stCondLst>
@@ -19939,9 +22470,17 @@
                                         <p:strVal val="visible"/>
                                       </p:to>
                                     </p:set>
+                                    <p:animEffect transition="in" filter="fade">
+                                      <p:cBhvr>
+                                        <p:cTn id="44" dur="1000"/>
+                                        <p:tgtEl>
+                                          <p:spTgt spid="37"/>
+                                        </p:tgtEl>
+                                      </p:cBhvr>
+                                    </p:animEffect>
                                     <p:anim calcmode="lin" valueType="num">
-                                      <p:cBhvr additive="base">
-                                        <p:cTn id="40" dur="500" fill="hold"/>
+                                      <p:cBhvr>
+                                        <p:cTn id="45" dur="1000" fill="hold"/>
                                         <p:tgtEl>
                                           <p:spTgt spid="37"/>
                                         </p:tgtEl>
@@ -19963,8 +22502,8 @@
                                       </p:tavLst>
                                     </p:anim>
                                     <p:anim calcmode="lin" valueType="num">
-                                      <p:cBhvr additive="base">
-                                        <p:cTn id="41" dur="500" fill="hold"/>
+                                      <p:cBhvr>
+                                        <p:cTn id="46" dur="1000" fill="hold"/>
                                         <p:tgtEl>
                                           <p:spTgt spid="37"/>
                                         </p:tgtEl>
@@ -19975,7 +22514,88 @@
                                       <p:tavLst>
                                         <p:tav tm="0">
                                           <p:val>
-                                            <p:strVal val="1+#ppt_h/2"/>
+                                            <p:strVal val="#ppt_y+.1"/>
+                                          </p:val>
+                                        </p:tav>
+                                        <p:tav tm="100000">
+                                          <p:val>
+                                            <p:strVal val="#ppt_y"/>
+                                          </p:val>
+                                        </p:tav>
+                                      </p:tavLst>
+                                    </p:anim>
+                                  </p:childTnLst>
+                                </p:cTn>
+                              </p:par>
+                              <p:par>
+                                <p:cTn id="47" presetID="42" presetClass="entr" presetSubtype="0" fill="hold" nodeType="withEffect">
+                                  <p:stCondLst>
+                                    <p:cond delay="0"/>
+                                  </p:stCondLst>
+                                  <p:childTnLst>
+                                    <p:set>
+                                      <p:cBhvr>
+                                        <p:cTn id="48" dur="1" fill="hold">
+                                          <p:stCondLst>
+                                            <p:cond delay="0"/>
+                                          </p:stCondLst>
+                                        </p:cTn>
+                                        <p:tgtEl>
+                                          <p:spTgt spid="7170"/>
+                                        </p:tgtEl>
+                                        <p:attrNameLst>
+                                          <p:attrName>style.visibility</p:attrName>
+                                        </p:attrNameLst>
+                                      </p:cBhvr>
+                                      <p:to>
+                                        <p:strVal val="visible"/>
+                                      </p:to>
+                                    </p:set>
+                                    <p:animEffect transition="in" filter="fade">
+                                      <p:cBhvr>
+                                        <p:cTn id="49" dur="1000"/>
+                                        <p:tgtEl>
+                                          <p:spTgt spid="7170"/>
+                                        </p:tgtEl>
+                                      </p:cBhvr>
+                                    </p:animEffect>
+                                    <p:anim calcmode="lin" valueType="num">
+                                      <p:cBhvr>
+                                        <p:cTn id="50" dur="1000" fill="hold"/>
+                                        <p:tgtEl>
+                                          <p:spTgt spid="7170"/>
+                                        </p:tgtEl>
+                                        <p:attrNameLst>
+                                          <p:attrName>ppt_x</p:attrName>
+                                        </p:attrNameLst>
+                                      </p:cBhvr>
+                                      <p:tavLst>
+                                        <p:tav tm="0">
+                                          <p:val>
+                                            <p:strVal val="#ppt_x"/>
+                                          </p:val>
+                                        </p:tav>
+                                        <p:tav tm="100000">
+                                          <p:val>
+                                            <p:strVal val="#ppt_x"/>
+                                          </p:val>
+                                        </p:tav>
+                                      </p:tavLst>
+                                    </p:anim>
+                                    <p:anim calcmode="lin" valueType="num">
+                                      <p:cBhvr>
+                                        <p:cTn id="51" dur="1000" fill="hold"/>
+                                        <p:tgtEl>
+                                          <p:spTgt spid="7170"/>
+                                        </p:tgtEl>
+                                        <p:attrNameLst>
+                                          <p:attrName>ppt_y</p:attrName>
+                                        </p:attrNameLst>
+                                      </p:cBhvr>
+                                      <p:tavLst>
+                                        <p:tav tm="0">
+                                          <p:val>
+                                            <p:strVal val="#ppt_y+.1"/>
                                           </p:val>
                                         </p:tav>
                                         <p:tav tm="100000">
@@ -19991,36 +22611,27 @@
                             </p:childTnLst>
                           </p:cTn>
                         </p:par>
-                      </p:childTnLst>
-                    </p:cTn>
-                  </p:par>
-                  <p:par>
-                    <p:cTn id="42" fill="hold">
-                      <p:stCondLst>
-                        <p:cond delay="indefinite"/>
-                      </p:stCondLst>
-                      <p:childTnLst>
                         <p:par>
-                          <p:cTn id="43" fill="hold">
+                          <p:cTn id="52" fill="hold">
                             <p:stCondLst>
-                              <p:cond delay="0"/>
+                              <p:cond delay="1000"/>
                             </p:stCondLst>
                             <p:childTnLst>
                               <p:par>
-                                <p:cTn id="44" presetID="16" presetClass="entr" presetSubtype="21" fill="hold" nodeType="clickEffect">
+                                <p:cTn id="53" presetID="16" presetClass="entr" presetSubtype="21" fill="hold" nodeType="afterEffect">
                                   <p:stCondLst>
                                     <p:cond delay="0"/>
                                   </p:stCondLst>
                                   <p:childTnLst>
                                     <p:set>
                                       <p:cBhvr>
-                                        <p:cTn id="45" dur="1" fill="hold">
+                                        <p:cTn id="54" dur="1" fill="hold">
                                           <p:stCondLst>
                                             <p:cond delay="0"/>
                                           </p:stCondLst>
                                         </p:cTn>
                                         <p:tgtEl>
-                                          <p:spTgt spid="7170"/>
+                                          <p:spTgt spid="30"/>
                                         </p:tgtEl>
                                         <p:attrNameLst>
                                           <p:attrName>style.visibility</p:attrName>
@@ -20032,9 +22643,9 @@
                                     </p:set>
                                     <p:animEffect transition="in" filter="barn(inVertical)">
                                       <p:cBhvr>
-                                        <p:cTn id="46" dur="500"/>
-                                        <p:tgtEl>
-                                          <p:spTgt spid="7170"/>
+                                        <p:cTn id="55" dur="500"/>
+                                        <p:tgtEl>
+                                          <p:spTgt spid="30"/>
                                         </p:tgtEl>
                                       </p:cBhvr>
                                     </p:animEffect>
@@ -20048,32 +22659,32 @@
                     </p:cTn>
                   </p:par>
                   <p:par>
-                    <p:cTn id="47" fill="hold">
+                    <p:cTn id="56" fill="hold">
                       <p:stCondLst>
                         <p:cond delay="indefinite"/>
                       </p:stCondLst>
                       <p:childTnLst>
                         <p:par>
-                          <p:cTn id="48" fill="hold">
+                          <p:cTn id="57" fill="hold">
                             <p:stCondLst>
                               <p:cond delay="0"/>
                             </p:stCondLst>
                             <p:childTnLst>
                               <p:par>
-                                <p:cTn id="49" presetID="22" presetClass="entr" presetSubtype="4" fill="hold" nodeType="clickEffect">
+                                <p:cTn id="58" presetID="42" presetClass="entr" presetSubtype="0" fill="hold" nodeType="clickEffect">
                                   <p:stCondLst>
                                     <p:cond delay="0"/>
                                   </p:stCondLst>
                                   <p:childTnLst>
                                     <p:set>
                                       <p:cBhvr>
-                                        <p:cTn id="50" dur="1" fill="hold">
+                                        <p:cTn id="59" dur="1" fill="hold">
                                           <p:stCondLst>
                                             <p:cond delay="0"/>
                                           </p:stCondLst>
                                         </p:cTn>
                                         <p:tgtEl>
-                                          <p:spTgt spid="30"/>
+                                          <p:spTgt spid="7171"/>
                                         </p:tgtEl>
                                         <p:attrNameLst>
                                           <p:attrName>style.visibility</p:attrName>
@@ -20083,67 +22694,60 @@
                                         <p:strVal val="visible"/>
                                       </p:to>
                                     </p:set>
-                                    <p:animEffect transition="in" filter="wipe(down)">
-                                      <p:cBhvr>
-                                        <p:cTn id="51" dur="500"/>
-                                        <p:tgtEl>
-                                          <p:spTgt spid="30"/>
+                                    <p:animEffect transition="in" filter="fade">
+                                      <p:cBhvr>
+                                        <p:cTn id="60" dur="1000"/>
+                                        <p:tgtEl>
+                                          <p:spTgt spid="7171"/>
                                         </p:tgtEl>
                                       </p:cBhvr>
                                     </p:animEffect>
-                                  </p:childTnLst>
-                                </p:cTn>
-                              </p:par>
-                            </p:childTnLst>
-                          </p:cTn>
-                        </p:par>
-                      </p:childTnLst>
-                    </p:cTn>
-                  </p:par>
-                  <p:par>
-                    <p:cTn id="52" fill="hold">
-                      <p:stCondLst>
-                        <p:cond delay="indefinite"/>
-                      </p:stCondLst>
-                      <p:childTnLst>
-                        <p:par>
-                          <p:cTn id="53" fill="hold">
-                            <p:stCondLst>
-                              <p:cond delay="0"/>
-                            </p:stCondLst>
-                            <p:childTnLst>
-                              <p:par>
-                                <p:cTn id="54" presetID="16" presetClass="entr" presetSubtype="21" fill="hold" nodeType="clickEffect">
-                                  <p:stCondLst>
-                                    <p:cond delay="0"/>
-                                  </p:stCondLst>
-                                  <p:childTnLst>
-                                    <p:set>
-                                      <p:cBhvr>
-                                        <p:cTn id="55" dur="1" fill="hold">
-                                          <p:stCondLst>
-                                            <p:cond delay="0"/>
-                                          </p:stCondLst>
-                                        </p:cTn>
+                                    <p:anim calcmode="lin" valueType="num">
+                                      <p:cBhvr>
+                                        <p:cTn id="61" dur="1000" fill="hold"/>
                                         <p:tgtEl>
                                           <p:spTgt spid="7171"/>
                                         </p:tgtEl>
                                         <p:attrNameLst>
-                                          <p:attrName>style.visibility</p:attrName>
+                                          <p:attrName>ppt_x</p:attrName>
                                         </p:attrNameLst>
                                       </p:cBhvr>
-                                      <p:to>
-                                        <p:strVal val="visible"/>
-                                      </p:to>
-                                    </p:set>
-                                    <p:animEffect transition="in" filter="barn(inVertical)">
-                                      <p:cBhvr>
-                                        <p:cTn id="56" dur="500"/>
+                                      <p:tavLst>
+                                        <p:tav tm="0">
+                                          <p:val>
+                                            <p:strVal val="#ppt_x"/>
+                                          </p:val>
+                                        </p:tav>
+                                        <p:tav tm="100000">
+                                          <p:val>
+                                            <p:strVal val="#ppt_x"/>
+                                          </p:val>
+                                        </p:tav>
+                                      </p:tavLst>
+                                    </p:anim>
+                                    <p:anim calcmode="lin" valueType="num">
+                                      <p:cBhvr>
+                                        <p:cTn id="62" dur="1000" fill="hold"/>
                                         <p:tgtEl>
                                           <p:spTgt spid="7171"/>
                                         </p:tgtEl>
-                                      </p:cBhvr>
-                                    </p:animEffect>
+                                        <p:attrNameLst>
+                                          <p:attrName>ppt_y</p:attrName>
+                                        </p:attrNameLst>
+                                      </p:cBhvr>
+                                      <p:tavLst>
+                                        <p:tav tm="0">
+                                          <p:val>
+                                            <p:strVal val="#ppt_y+.1"/>
+                                          </p:val>
+                                        </p:tav>
+                                        <p:tav tm="100000">
+                                          <p:val>
+                                            <p:strVal val="#ppt_y"/>
+                                          </p:val>
+                                        </p:tav>
+                                      </p:tavLst>
+                                    </p:anim>
                                   </p:childTnLst>
                                 </p:cTn>
                               </p:par>
@@ -20175,6 +22779,7 @@
       </p:par>
     </p:tnLst>
     <p:bldLst>
+      <p:bldP spid="6" grpId="0"/>
       <p:bldP spid="15" grpId="0"/>
       <p:bldP spid="49" grpId="0" animBg="1"/>
       <p:bldP spid="52" grpId="0"/>
@@ -20909,7 +23514,7 @@
         </p:blipFill>
         <p:spPr bwMode="auto">
           <a:xfrm>
-            <a:off x="3565837" y="2111845"/>
+            <a:off x="3565837" y="2105495"/>
             <a:ext cx="1328615" cy="3034142"/>
           </a:xfrm>
           <a:prstGeom prst="rect">
@@ -21347,7 +23952,7 @@
                             </p:stCondLst>
                             <p:childTnLst>
                               <p:par>
-                                <p:cTn id="5" presetID="2" presetClass="entr" presetSubtype="4" fill="hold" nodeType="clickEffect">
+                                <p:cTn id="5" presetID="16" presetClass="entr" presetSubtype="21" fill="hold" grpId="0" nodeType="clickEffect">
                                   <p:stCondLst>
                                     <p:cond delay="0"/>
                                   </p:stCondLst>
@@ -21360,7 +23965,7 @@
                                           </p:stCondLst>
                                         </p:cTn>
                                         <p:tgtEl>
-                                          <p:spTgt spid="8201"/>
+                                          <p:spTgt spid="8"/>
                                         </p:tgtEl>
                                         <p:attrNameLst>
                                           <p:attrName>style.visibility</p:attrName>
@@ -21370,11 +23975,72 @@
                                         <p:strVal val="visible"/>
                                       </p:to>
                                     </p:set>
+                                    <p:animEffect transition="in" filter="barn(inVertical)">
+                                      <p:cBhvr>
+                                        <p:cTn id="7" dur="500"/>
+                                        <p:tgtEl>
+                                          <p:spTgt spid="8"/>
+                                        </p:tgtEl>
+                                      </p:cBhvr>
+                                    </p:animEffect>
+                                  </p:childTnLst>
+                                </p:cTn>
+                              </p:par>
+                            </p:childTnLst>
+                          </p:cTn>
+                        </p:par>
+                      </p:childTnLst>
+                    </p:cTn>
+                  </p:par>
+                  <p:par>
+                    <p:cTn id="8" fill="hold">
+                      <p:stCondLst>
+                        <p:cond delay="indefinite"/>
+                      </p:stCondLst>
+                      <p:childTnLst>
+                        <p:par>
+                          <p:cTn id="9" fill="hold">
+                            <p:stCondLst>
+                              <p:cond delay="0"/>
+                            </p:stCondLst>
+                            <p:childTnLst>
+                              <p:par>
+                                <p:cTn id="10" presetID="42" presetClass="entr" presetSubtype="0" fill="hold" grpId="0" nodeType="clickEffect">
+                                  <p:stCondLst>
+                                    <p:cond delay="0"/>
+                                  </p:stCondLst>
+                                  <p:childTnLst>
+                                    <p:set>
+                                      <p:cBhvr>
+                                        <p:cTn id="11" dur="1" fill="hold">
+                                          <p:stCondLst>
+                                            <p:cond delay="0"/>
+                                          </p:stCondLst>
+                                        </p:cTn>
+                                        <p:tgtEl>
+                                          <p:spTgt spid="26"/>
+                                        </p:tgtEl>
+                                        <p:attrNameLst>
+                                          <p:attrName>style.visibility</p:attrName>
+                                        </p:attrNameLst>
+                                      </p:cBhvr>
+                                      <p:to>
+                                        <p:strVal val="visible"/>
+                                      </p:to>
+                                    </p:set>
+                                    <p:animEffect transition="in" filter="fade">
+                                      <p:cBhvr>
+                                        <p:cTn id="12" dur="1000"/>
+                                        <p:tgtEl>
+                                          <p:spTgt spid="26"/>
+                                        </p:tgtEl>
+                                      </p:cBhvr>
+                                    </p:animEffect>
                                     <p:anim calcmode="lin" valueType="num">
-                                      <p:cBhvr additive="base">
-                                        <p:cTn id="7" dur="500" fill="hold"/>
-                                        <p:tgtEl>
-                                          <p:spTgt spid="8201"/>
+                                      <p:cBhvr>
+                                        <p:cTn id="13" dur="1000" fill="hold"/>
+                                        <p:tgtEl>
+                                          <p:spTgt spid="26"/>
                                         </p:tgtEl>
                                         <p:attrNameLst>
                                           <p:attrName>ppt_x</p:attrName>
@@ -21394,10 +24060,10 @@
                                       </p:tavLst>
                                     </p:anim>
                                     <p:anim calcmode="lin" valueType="num">
-                                      <p:cBhvr additive="base">
-                                        <p:cTn id="8" dur="500" fill="hold"/>
-                                        <p:tgtEl>
-                                          <p:spTgt spid="8201"/>
+                                      <p:cBhvr>
+                                        <p:cTn id="14" dur="1000" fill="hold"/>
+                                        <p:tgtEl>
+                                          <p:spTgt spid="26"/>
                                         </p:tgtEl>
                                         <p:attrNameLst>
                                           <p:attrName>ppt_y</p:attrName>
@@ -21406,7 +24072,7 @@
                                       <p:tavLst>
                                         <p:tav tm="0">
                                           <p:val>
-                                            <p:strVal val="1+#ppt_h/2"/>
+                                            <p:strVal val="#ppt_y+.1"/>
                                           </p:val>
                                         </p:tav>
                                         <p:tav tm="100000">
@@ -21426,32 +24092,32 @@
                     </p:cTn>
                   </p:par>
                   <p:par>
-                    <p:cTn id="9" fill="hold">
+                    <p:cTn id="15" fill="hold">
                       <p:stCondLst>
                         <p:cond delay="indefinite"/>
                       </p:stCondLst>
                       <p:childTnLst>
                         <p:par>
-                          <p:cTn id="10" fill="hold">
+                          <p:cTn id="16" fill="hold">
                             <p:stCondLst>
                               <p:cond delay="0"/>
                             </p:stCondLst>
                             <p:childTnLst>
                               <p:par>
-                                <p:cTn id="11" presetID="2" presetClass="entr" presetSubtype="4" fill="hold" grpId="0" nodeType="clickEffect">
+                                <p:cTn id="17" presetID="42" presetClass="entr" presetSubtype="0" fill="hold" nodeType="clickEffect">
                                   <p:stCondLst>
                                     <p:cond delay="0"/>
                                   </p:stCondLst>
                                   <p:childTnLst>
                                     <p:set>
                                       <p:cBhvr>
-                                        <p:cTn id="12" dur="1" fill="hold">
+                                        <p:cTn id="18" dur="1" fill="hold">
                                           <p:stCondLst>
                                             <p:cond delay="0"/>
                                           </p:stCondLst>
                                         </p:cTn>
                                         <p:tgtEl>
-                                          <p:spTgt spid="17"/>
+                                          <p:spTgt spid="8201"/>
                                         </p:tgtEl>
                                         <p:attrNameLst>
                                           <p:attrName>style.visibility</p:attrName>
@@ -21461,11 +24127,19 @@
                                         <p:strVal val="visible"/>
                                       </p:to>
                                     </p:set>
+                                    <p:animEffect transition="in" filter="fade">
+                                      <p:cBhvr>
+                                        <p:cTn id="19" dur="1000"/>
+                                        <p:tgtEl>
+                                          <p:spTgt spid="8201"/>
+                                        </p:tgtEl>
+                                      </p:cBhvr>
+                                    </p:animEffect>
                                     <p:anim calcmode="lin" valueType="num">
-                                      <p:cBhvr additive="base">
-                                        <p:cTn id="13" dur="500" fill="hold"/>
-                                        <p:tgtEl>
-                                          <p:spTgt spid="17"/>
+                                      <p:cBhvr>
+                                        <p:cTn id="20" dur="1000" fill="hold"/>
+                                        <p:tgtEl>
+                                          <p:spTgt spid="8201"/>
                                         </p:tgtEl>
                                         <p:attrNameLst>
                                           <p:attrName>ppt_x</p:attrName>
@@ -21485,10 +24159,10 @@
                                       </p:tavLst>
                                     </p:anim>
                                     <p:anim calcmode="lin" valueType="num">
-                                      <p:cBhvr additive="base">
-                                        <p:cTn id="14" dur="500" fill="hold"/>
-                                        <p:tgtEl>
-                                          <p:spTgt spid="17"/>
+                                      <p:cBhvr>
+                                        <p:cTn id="21" dur="1000" fill="hold"/>
+                                        <p:tgtEl>
+                                          <p:spTgt spid="8201"/>
                                         </p:tgtEl>
                                         <p:attrNameLst>
                                           <p:attrName>ppt_y</p:attrName>
@@ -21497,7 +24171,97 @@
                                       <p:tavLst>
                                         <p:tav tm="0">
                                           <p:val>
-                                            <p:strVal val="1+#ppt_h/2"/>
+                                            <p:strVal val="#ppt_y+.1"/>
+                                          </p:val>
+                                        </p:tav>
+                                        <p:tav tm="100000">
+                                          <p:val>
+                                            <p:strVal val="#ppt_y"/>
+                                          </p:val>
+                                        </p:tav>
+                                      </p:tavLst>
+                                    </p:anim>
+                                  </p:childTnLst>
+                                </p:cTn>
+                              </p:par>
+                            </p:childTnLst>
+                          </p:cTn>
+                        </p:par>
+                        <p:par>
+                          <p:cTn id="22" fill="hold">
+                            <p:stCondLst>
+                              <p:cond delay="1000"/>
+                            </p:stCondLst>
+                            <p:childTnLst>
+                              <p:par>
+                                <p:cTn id="23" presetID="42" presetClass="entr" presetSubtype="0" fill="hold" grpId="0" nodeType="afterEffect">
+                                  <p:stCondLst>
+                                    <p:cond delay="0"/>
+                                  </p:stCondLst>
+                                  <p:childTnLst>
+                                    <p:set>
+                                      <p:cBhvr>
+                                        <p:cTn id="24" dur="1" fill="hold">
+                                          <p:stCondLst>
+                                            <p:cond delay="0"/>
+                                          </p:stCondLst>
+                                        </p:cTn>
+                                        <p:tgtEl>
+                                          <p:spTgt spid="17"/>
+                                        </p:tgtEl>
+                                        <p:attrNameLst>
+                                          <p:attrName>style.visibility</p:attrName>
+                                        </p:attrNameLst>
+                                      </p:cBhvr>
+                                      <p:to>
+                                        <p:strVal val="visible"/>
+                                      </p:to>
+                                    </p:set>
+                                    <p:animEffect transition="in" filter="fade">
+                                      <p:cBhvr>
+                                        <p:cTn id="25" dur="1000"/>
+                                        <p:tgtEl>
+                                          <p:spTgt spid="17"/>
+                                        </p:tgtEl>
+                                      </p:cBhvr>
+                                    </p:animEffect>
+                                    <p:anim calcmode="lin" valueType="num">
+                                      <p:cBhvr>
+                                        <p:cTn id="26" dur="1000" fill="hold"/>
+                                        <p:tgtEl>
+                                          <p:spTgt spid="17"/>
+                                        </p:tgtEl>
+                                        <p:attrNameLst>
+                                          <p:attrName>ppt_x</p:attrName>
+                                        </p:attrNameLst>
+                                      </p:cBhvr>
+                                      <p:tavLst>
+                                        <p:tav tm="0">
+                                          <p:val>
+                                            <p:strVal val="#ppt_x"/>
+                                          </p:val>
+                                        </p:tav>
+                                        <p:tav tm="100000">
+                                          <p:val>
+                                            <p:strVal val="#ppt_x"/>
+                                          </p:val>
+                                        </p:tav>
+                                      </p:tavLst>
+                                    </p:anim>
+                                    <p:anim calcmode="lin" valueType="num">
+                                      <p:cBhvr>
+                                        <p:cTn id="27" dur="1000" fill="hold"/>
+                                        <p:tgtEl>
+                                          <p:spTgt spid="17"/>
+                                        </p:tgtEl>
+                                        <p:attrNameLst>
+                                          <p:attrName>ppt_y</p:attrName>
+                                        </p:attrNameLst>
+                                      </p:cBhvr>
+                                      <p:tavLst>
+                                        <p:tav tm="0">
+                                          <p:val>
+                                            <p:strVal val="#ppt_y+.1"/>
                                           </p:val>
                                         </p:tav>
                                         <p:tav tm="100000">
@@ -21511,14 +24275,14 @@
                                 </p:cTn>
                               </p:par>
                               <p:par>
-                                <p:cTn id="15" presetID="2" presetClass="entr" presetSubtype="4" fill="hold" nodeType="withEffect">
+                                <p:cTn id="28" presetID="42" presetClass="entr" presetSubtype="0" fill="hold" nodeType="withEffect">
                                   <p:stCondLst>
                                     <p:cond delay="0"/>
                                   </p:stCondLst>
                                   <p:childTnLst>
                                     <p:set>
                                       <p:cBhvr>
-                                        <p:cTn id="16" dur="1" fill="hold">
+                                        <p:cTn id="29" dur="1" fill="hold">
                                           <p:stCondLst>
                                             <p:cond delay="0"/>
                                           </p:stCondLst>
@@ -21534,9 +24298,17 @@
                                         <p:strVal val="visible"/>
                                       </p:to>
                                     </p:set>
+                                    <p:animEffect transition="in" filter="fade">
+                                      <p:cBhvr>
+                                        <p:cTn id="30" dur="1000"/>
+                                        <p:tgtEl>
+                                          <p:spTgt spid="20"/>
+                                        </p:tgtEl>
+                                      </p:cBhvr>
+                                    </p:animEffect>
                                     <p:anim calcmode="lin" valueType="num">
-                                      <p:cBhvr additive="base">
-                                        <p:cTn id="17" dur="500" fill="hold"/>
+                                      <p:cBhvr>
+                                        <p:cTn id="31" dur="1000" fill="hold"/>
                                         <p:tgtEl>
                                           <p:spTgt spid="20"/>
                                         </p:tgtEl>
@@ -21558,8 +24330,8 @@
                                       </p:tavLst>
                                     </p:anim>
                                     <p:anim calcmode="lin" valueType="num">
-                                      <p:cBhvr additive="base">
-                                        <p:cTn id="18" dur="500" fill="hold"/>
+                                      <p:cBhvr>
+                                        <p:cTn id="32" dur="1000" fill="hold"/>
                                         <p:tgtEl>
                                           <p:spTgt spid="20"/>
                                         </p:tgtEl>
@@ -21570,7 +24342,7 @@
                                       <p:tavLst>
                                         <p:tav tm="0">
                                           <p:val>
-                                            <p:strVal val="1+#ppt_h/2"/>
+                                            <p:strVal val="#ppt_y+.1"/>
                                           </p:val>
                                         </p:tav>
                                         <p:tav tm="100000">
@@ -21584,20 +24356,20 @@
                                 </p:cTn>
                               </p:par>
                               <p:par>
-                                <p:cTn id="19" presetID="2" presetClass="entr" presetSubtype="4" fill="hold" grpId="0" nodeType="withEffect">
+                                <p:cTn id="33" presetID="42" presetClass="entr" presetSubtype="0" fill="hold" nodeType="withEffect">
                                   <p:stCondLst>
                                     <p:cond delay="0"/>
                                   </p:stCondLst>
                                   <p:childTnLst>
                                     <p:set>
                                       <p:cBhvr>
-                                        <p:cTn id="20" dur="1" fill="hold">
+                                        <p:cTn id="34" dur="1" fill="hold">
                                           <p:stCondLst>
                                             <p:cond delay="0"/>
                                           </p:stCondLst>
                                         </p:cTn>
                                         <p:tgtEl>
-                                          <p:spTgt spid="22"/>
+                                          <p:spTgt spid="19"/>
                                         </p:tgtEl>
                                         <p:attrNameLst>
                                           <p:attrName>style.visibility</p:attrName>
@@ -21607,11 +24379,19 @@
                                         <p:strVal val="visible"/>
                                       </p:to>
                                     </p:set>
+                                    <p:animEffect transition="in" filter="fade">
+                                      <p:cBhvr>
+                                        <p:cTn id="35" dur="1000"/>
+                                        <p:tgtEl>
+                                          <p:spTgt spid="19"/>
+                                        </p:tgtEl>
+                                      </p:cBhvr>
+                                    </p:animEffect>
                                     <p:anim calcmode="lin" valueType="num">
-                                      <p:cBhvr additive="base">
-                                        <p:cTn id="21" dur="500" fill="hold"/>
-                                        <p:tgtEl>
-                                          <p:spTgt spid="22"/>
+                                      <p:cBhvr>
+                                        <p:cTn id="36" dur="1000" fill="hold"/>
+                                        <p:tgtEl>
+                                          <p:spTgt spid="19"/>
                                         </p:tgtEl>
                                         <p:attrNameLst>
                                           <p:attrName>ppt_x</p:attrName>
@@ -21631,10 +24411,10 @@
                                       </p:tavLst>
                                     </p:anim>
                                     <p:anim calcmode="lin" valueType="num">
-                                      <p:cBhvr additive="base">
-                                        <p:cTn id="22" dur="500" fill="hold"/>
-                                        <p:tgtEl>
-                                          <p:spTgt spid="22"/>
+                                      <p:cBhvr>
+                                        <p:cTn id="37" dur="1000" fill="hold"/>
+                                        <p:tgtEl>
+                                          <p:spTgt spid="19"/>
                                         </p:tgtEl>
                                         <p:attrNameLst>
                                           <p:attrName>ppt_y</p:attrName>
@@ -21643,7 +24423,7 @@
                                       <p:tavLst>
                                         <p:tav tm="0">
                                           <p:val>
-                                            <p:strVal val="1+#ppt_h/2"/>
+                                            <p:strVal val="#ppt_y+.1"/>
                                           </p:val>
                                         </p:tav>
                                         <p:tav tm="100000">
@@ -21657,20 +24437,20 @@
                                 </p:cTn>
                               </p:par>
                               <p:par>
-                                <p:cTn id="23" presetID="2" presetClass="entr" presetSubtype="4" fill="hold" nodeType="withEffect">
+                                <p:cTn id="38" presetID="42" presetClass="entr" presetSubtype="0" fill="hold" grpId="0" nodeType="withEffect">
                                   <p:stCondLst>
                                     <p:cond delay="0"/>
                                   </p:stCondLst>
                                   <p:childTnLst>
                                     <p:set>
                                       <p:cBhvr>
-                                        <p:cTn id="24" dur="1" fill="hold">
+                                        <p:cTn id="39" dur="1" fill="hold">
                                           <p:stCondLst>
                                             <p:cond delay="0"/>
                                           </p:stCondLst>
                                         </p:cTn>
                                         <p:tgtEl>
-                                          <p:spTgt spid="19"/>
+                                          <p:spTgt spid="21"/>
                                         </p:tgtEl>
                                         <p:attrNameLst>
                                           <p:attrName>style.visibility</p:attrName>
@@ -21680,11 +24460,19 @@
                                         <p:strVal val="visible"/>
                                       </p:to>
                                     </p:set>
+                                    <p:animEffect transition="in" filter="fade">
+                                      <p:cBhvr>
+                                        <p:cTn id="40" dur="1000"/>
+                                        <p:tgtEl>
+                                          <p:spTgt spid="21"/>
+                                        </p:tgtEl>
+                                      </p:cBhvr>
+                                    </p:animEffect>
                                     <p:anim calcmode="lin" valueType="num">
-                                      <p:cBhvr additive="base">
-                                        <p:cTn id="25" dur="500" fill="hold"/>
-                                        <p:tgtEl>
-                                          <p:spTgt spid="19"/>
+                                      <p:cBhvr>
+                                        <p:cTn id="41" dur="1000" fill="hold"/>
+                                        <p:tgtEl>
+                                          <p:spTgt spid="21"/>
                                         </p:tgtEl>
                                         <p:attrNameLst>
                                           <p:attrName>ppt_x</p:attrName>
@@ -21704,10 +24492,10 @@
                                       </p:tavLst>
                                     </p:anim>
                                     <p:anim calcmode="lin" valueType="num">
-                                      <p:cBhvr additive="base">
-                                        <p:cTn id="26" dur="500" fill="hold"/>
-                                        <p:tgtEl>
-                                          <p:spTgt spid="19"/>
+                                      <p:cBhvr>
+                                        <p:cTn id="42" dur="1000" fill="hold"/>
+                                        <p:tgtEl>
+                                          <p:spTgt spid="21"/>
                                         </p:tgtEl>
                                         <p:attrNameLst>
                                           <p:attrName>ppt_y</p:attrName>
@@ -21716,7 +24504,7 @@
                                       <p:tavLst>
                                         <p:tav tm="0">
                                           <p:val>
-                                            <p:strVal val="1+#ppt_h/2"/>
+                                            <p:strVal val="#ppt_y+.1"/>
                                           </p:val>
                                         </p:tav>
                                         <p:tav tm="100000">
@@ -21730,20 +24518,20 @@
                                 </p:cTn>
                               </p:par>
                               <p:par>
-                                <p:cTn id="27" presetID="2" presetClass="entr" presetSubtype="4" fill="hold" grpId="0" nodeType="withEffect">
+                                <p:cTn id="43" presetID="42" presetClass="entr" presetSubtype="0" fill="hold" grpId="0" nodeType="withEffect">
                                   <p:stCondLst>
                                     <p:cond delay="0"/>
                                   </p:stCondLst>
                                   <p:childTnLst>
                                     <p:set>
                                       <p:cBhvr>
-                                        <p:cTn id="28" dur="1" fill="hold">
+                                        <p:cTn id="44" dur="1" fill="hold">
                                           <p:stCondLst>
                                             <p:cond delay="0"/>
                                           </p:stCondLst>
                                         </p:cTn>
                                         <p:tgtEl>
-                                          <p:spTgt spid="21"/>
+                                          <p:spTgt spid="22"/>
                                         </p:tgtEl>
                                         <p:attrNameLst>
                                           <p:attrName>style.visibility</p:attrName>
@@ -21753,11 +24541,19 @@
                                         <p:strVal val="visible"/>
                                       </p:to>
                                     </p:set>
+                                    <p:animEffect transition="in" filter="fade">
+                                      <p:cBhvr>
+                                        <p:cTn id="45" dur="1000"/>
+                                        <p:tgtEl>
+                                          <p:spTgt spid="22"/>
+                                        </p:tgtEl>
+                                      </p:cBhvr>
+                                    </p:animEffect>
                                     <p:anim calcmode="lin" valueType="num">
-                                      <p:cBhvr additive="base">
-                                        <p:cTn id="29" dur="500" fill="hold"/>
-                                        <p:tgtEl>
-                                          <p:spTgt spid="21"/>
+                                      <p:cBhvr>
+                                        <p:cTn id="46" dur="1000" fill="hold"/>
+                                        <p:tgtEl>
+                                          <p:spTgt spid="22"/>
                                         </p:tgtEl>
                                         <p:attrNameLst>
                                           <p:attrName>ppt_x</p:attrName>
@@ -21777,10 +24573,10 @@
                                       </p:tavLst>
                                     </p:anim>
                                     <p:anim calcmode="lin" valueType="num">
-                                      <p:cBhvr additive="base">
-                                        <p:cTn id="30" dur="500" fill="hold"/>
-                                        <p:tgtEl>
-                                          <p:spTgt spid="21"/>
+                                      <p:cBhvr>
+                                        <p:cTn id="47" dur="1000" fill="hold"/>
+                                        <p:tgtEl>
+                                          <p:spTgt spid="22"/>
                                         </p:tgtEl>
                                         <p:attrNameLst>
                                           <p:attrName>ppt_y</p:attrName>
@@ -21789,7 +24585,7 @@
                                       <p:tavLst>
                                         <p:tav tm="0">
                                           <p:val>
-                                            <p:strVal val="1+#ppt_h/2"/>
+                                            <p:strVal val="#ppt_y+.1"/>
                                           </p:val>
                                         </p:tav>
                                         <p:tav tm="100000">
@@ -21809,120 +24605,32 @@
                     </p:cTn>
                   </p:par>
                   <p:par>
-                    <p:cTn id="31" fill="hold">
+                    <p:cTn id="48" fill="hold">
                       <p:stCondLst>
                         <p:cond delay="indefinite"/>
                       </p:stCondLst>
                       <p:childTnLst>
                         <p:par>
-                          <p:cTn id="32" fill="hold">
+                          <p:cTn id="49" fill="hold">
                             <p:stCondLst>
                               <p:cond delay="0"/>
                             </p:stCondLst>
                             <p:childTnLst>
                               <p:par>
-                                <p:cTn id="33" presetID="16" presetClass="entr" presetSubtype="21" fill="hold" grpId="0" nodeType="clickEffect">
+                                <p:cTn id="50" presetID="42" presetClass="entr" presetSubtype="0" fill="hold" grpId="0" nodeType="clickEffect">
                                   <p:stCondLst>
                                     <p:cond delay="0"/>
                                   </p:stCondLst>
                                   <p:childTnLst>
                                     <p:set>
                                       <p:cBhvr>
-                                        <p:cTn id="34" dur="1" fill="hold">
+                                        <p:cTn id="51" dur="1" fill="hold">
                                           <p:stCondLst>
                                             <p:cond delay="0"/>
                                           </p:stCondLst>
                                         </p:cTn>
                                         <p:tgtEl>
-                                          <p:spTgt spid="15"/>
-                                        </p:tgtEl>
-                                        <p:attrNameLst>
-                                          <p:attrName>style.visibility</p:attrName>
-                                        </p:attrNameLst>
-                                      </p:cBhvr>
-                                      <p:to>
-                                        <p:strVal val="visible"/>
-                                      </p:to>
-                                    </p:set>
-                                    <p:animEffect transition="in" filter="barn(inVertical)">
-                                      <p:cBhvr>
-                                        <p:cTn id="35" dur="500"/>
-                                        <p:tgtEl>
-                                          <p:spTgt spid="15"/>
-                                        </p:tgtEl>
-                                      </p:cBhvr>
-                                    </p:animEffect>
-                                  </p:childTnLst>
-                                </p:cTn>
-                              </p:par>
-                              <p:par>
-                                <p:cTn id="36" presetID="16" presetClass="entr" presetSubtype="21" fill="hold" grpId="0" nodeType="withEffect">
-                                  <p:stCondLst>
-                                    <p:cond delay="0"/>
-                                  </p:stCondLst>
-                                  <p:childTnLst>
-                                    <p:set>
-                                      <p:cBhvr>
-                                        <p:cTn id="37" dur="1" fill="hold">
-                                          <p:stCondLst>
-                                            <p:cond delay="0"/>
-                                          </p:stCondLst>
-                                        </p:cTn>
-                                        <p:tgtEl>
-                                          <p:spTgt spid="24"/>
-                                        </p:tgtEl>
-                                        <p:attrNameLst>
-                                          <p:attrName>style.visibility</p:attrName>
-                                        </p:attrNameLst>
-                                      </p:cBhvr>
-                                      <p:to>
-                                        <p:strVal val="visible"/>
-                                      </p:to>
-                                    </p:set>
-                                    <p:animEffect transition="in" filter="barn(inVertical)">
-                                      <p:cBhvr>
-                                        <p:cTn id="38" dur="500"/>
-                                        <p:tgtEl>
-                                          <p:spTgt spid="24"/>
-                                        </p:tgtEl>
-                                      </p:cBhvr>
-                                    </p:animEffect>
-                                  </p:childTnLst>
-                                </p:cTn>
-                              </p:par>
-                            </p:childTnLst>
-                          </p:cTn>
-                        </p:par>
-                      </p:childTnLst>
-                    </p:cTn>
-                  </p:par>
-                  <p:par>
-                    <p:cTn id="39" fill="hold">
-                      <p:stCondLst>
-                        <p:cond delay="indefinite"/>
-                      </p:stCondLst>
-                      <p:childTnLst>
-                        <p:par>
-                          <p:cTn id="40" fill="hold">
-                            <p:stCondLst>
-                              <p:cond delay="0"/>
-                            </p:stCondLst>
-                            <p:childTnLst>
-                              <p:par>
-                                <p:cTn id="41" presetID="47" presetClass="entr" presetSubtype="0" fill="hold" grpId="0" nodeType="clickEffect">
-                                  <p:stCondLst>
-                                    <p:cond delay="0"/>
-                                  </p:stCondLst>
-                                  <p:childTnLst>
-                                    <p:set>
-                                      <p:cBhvr>
-                                        <p:cTn id="42" dur="1" fill="hold">
-                                          <p:stCondLst>
-                                            <p:cond delay="0"/>
-                                          </p:stCondLst>
-                                        </p:cTn>
-                                        <p:tgtEl>
-                                          <p:spTgt spid="6"/>
+                                          <p:spTgt spid="25"/>
                                         </p:tgtEl>
                                         <p:attrNameLst>
                                           <p:attrName>style.visibility</p:attrName>
@@ -21934,17 +24642,17 @@
                                     </p:set>
                                     <p:animEffect transition="in" filter="fade">
                                       <p:cBhvr>
-                                        <p:cTn id="43" dur="1000"/>
-                                        <p:tgtEl>
-                                          <p:spTgt spid="6"/>
+                                        <p:cTn id="52" dur="1000"/>
+                                        <p:tgtEl>
+                                          <p:spTgt spid="25"/>
                                         </p:tgtEl>
                                       </p:cBhvr>
                                     </p:animEffect>
                                     <p:anim calcmode="lin" valueType="num">
                                       <p:cBhvr>
-                                        <p:cTn id="44" dur="1000" fill="hold"/>
-                                        <p:tgtEl>
-                                          <p:spTgt spid="6"/>
+                                        <p:cTn id="53" dur="1000" fill="hold"/>
+                                        <p:tgtEl>
+                                          <p:spTgt spid="25"/>
                                         </p:tgtEl>
                                         <p:attrNameLst>
                                           <p:attrName>ppt_x</p:attrName>
@@ -21965,9 +24673,9 @@
                                     </p:anim>
                                     <p:anim calcmode="lin" valueType="num">
                                       <p:cBhvr>
-                                        <p:cTn id="45" dur="1000" fill="hold"/>
-                                        <p:tgtEl>
-                                          <p:spTgt spid="6"/>
+                                        <p:cTn id="54" dur="1000" fill="hold"/>
+                                        <p:tgtEl>
+                                          <p:spTgt spid="25"/>
                                         </p:tgtEl>
                                         <p:attrNameLst>
                                           <p:attrName>ppt_y</p:attrName>
@@ -21976,88 +24684,7 @@
                                       <p:tavLst>
                                         <p:tav tm="0">
                                           <p:val>
-                                            <p:strVal val="#ppt_y-.1"/>
-                                          </p:val>
-                                        </p:tav>
-                                        <p:tav tm="100000">
-                                          <p:val>
-                                            <p:strVal val="#ppt_y"/>
-                                          </p:val>
-                                        </p:tav>
-                                      </p:tavLst>
-                                    </p:anim>
-                                  </p:childTnLst>
-                                </p:cTn>
-                              </p:par>
-                              <p:par>
-                                <p:cTn id="46" presetID="47" presetClass="entr" presetSubtype="0" fill="hold" nodeType="withEffect">
-                                  <p:stCondLst>
-                                    <p:cond delay="0"/>
-                                  </p:stCondLst>
-                                  <p:childTnLst>
-                                    <p:set>
-                                      <p:cBhvr>
-                                        <p:cTn id="47" dur="1" fill="hold">
-                                          <p:stCondLst>
-                                            <p:cond delay="0"/>
-                                          </p:stCondLst>
-                                        </p:cTn>
-                                        <p:tgtEl>
-                                          <p:spTgt spid="8204"/>
-                                        </p:tgtEl>
-                                        <p:attrNameLst>
-                                          <p:attrName>style.visibility</p:attrName>
-                                        </p:attrNameLst>
-                                      </p:cBhvr>
-                                      <p:to>
-                                        <p:strVal val="visible"/>
-                                      </p:to>
-                                    </p:set>
-                                    <p:animEffect transition="in" filter="fade">
-                                      <p:cBhvr>
-                                        <p:cTn id="48" dur="1000"/>
-                                        <p:tgtEl>
-                                          <p:spTgt spid="8204"/>
-                                        </p:tgtEl>
-                                      </p:cBhvr>
-                                    </p:animEffect>
-                                    <p:anim calcmode="lin" valueType="num">
-                                      <p:cBhvr>
-                                        <p:cTn id="49" dur="1000" fill="hold"/>
-                                        <p:tgtEl>
-                                          <p:spTgt spid="8204"/>
-                                        </p:tgtEl>
-                                        <p:attrNameLst>
-                                          <p:attrName>ppt_x</p:attrName>
-                                        </p:attrNameLst>
-                                      </p:cBhvr>
-                                      <p:tavLst>
-                                        <p:tav tm="0">
-                                          <p:val>
-                                            <p:strVal val="#ppt_x"/>
-                                          </p:val>
-                                        </p:tav>
-                                        <p:tav tm="100000">
-                                          <p:val>
-                                            <p:strVal val="#ppt_x"/>
-                                          </p:val>
-                                        </p:tav>
-                                      </p:tavLst>
-                                    </p:anim>
-                                    <p:anim calcmode="lin" valueType="num">
-                                      <p:cBhvr>
-                                        <p:cTn id="50" dur="1000" fill="hold"/>
-                                        <p:tgtEl>
-                                          <p:spTgt spid="8204"/>
-                                        </p:tgtEl>
-                                        <p:attrNameLst>
-                                          <p:attrName>ppt_y</p:attrName>
-                                        </p:attrNameLst>
-                                      </p:cBhvr>
-                                      <p:tavLst>
-                                        <p:tav tm="0">
-                                          <p:val>
-                                            <p:strVal val="#ppt_y-.1"/>
+                                            <p:strVal val="#ppt_y+.1"/>
                                           </p:val>
                                         </p:tav>
                                         <p:tav tm="100000">
@@ -22077,32 +24704,32 @@
                     </p:cTn>
                   </p:par>
                   <p:par>
-                    <p:cTn id="51" fill="hold">
+                    <p:cTn id="55" fill="hold">
                       <p:stCondLst>
                         <p:cond delay="indefinite"/>
                       </p:stCondLst>
                       <p:childTnLst>
                         <p:par>
-                          <p:cTn id="52" fill="hold">
+                          <p:cTn id="56" fill="hold">
                             <p:stCondLst>
                               <p:cond delay="0"/>
                             </p:stCondLst>
                             <p:childTnLst>
                               <p:par>
-                                <p:cTn id="53" presetID="16" presetClass="entr" presetSubtype="21" fill="hold" grpId="0" nodeType="clickEffect">
+                                <p:cTn id="57" presetID="42" presetClass="entr" presetSubtype="0" fill="hold" grpId="0" nodeType="clickEffect">
                                   <p:stCondLst>
                                     <p:cond delay="0"/>
                                   </p:stCondLst>
                                   <p:childTnLst>
                                     <p:set>
                                       <p:cBhvr>
-                                        <p:cTn id="54" dur="1" fill="hold">
+                                        <p:cTn id="58" dur="1" fill="hold">
                                           <p:stCondLst>
                                             <p:cond delay="0"/>
                                           </p:stCondLst>
                                         </p:cTn>
                                         <p:tgtEl>
-                                          <p:spTgt spid="46"/>
+                                          <p:spTgt spid="15"/>
                                         </p:tgtEl>
                                         <p:attrNameLst>
                                           <p:attrName>style.visibility</p:attrName>
@@ -22112,11 +24739,182 @@
                                         <p:strVal val="visible"/>
                                       </p:to>
                                     </p:set>
-                                    <p:animEffect transition="in" filter="barn(inVertical)">
-                                      <p:cBhvr>
-                                        <p:cTn id="55" dur="500"/>
-                                        <p:tgtEl>
-                                          <p:spTgt spid="46"/>
+                                    <p:animEffect transition="in" filter="fade">
+                                      <p:cBhvr>
+                                        <p:cTn id="59" dur="1000"/>
+                                        <p:tgtEl>
+                                          <p:spTgt spid="15"/>
+                                        </p:tgtEl>
+                                      </p:cBhvr>
+                                    </p:animEffect>
+                                    <p:anim calcmode="lin" valueType="num">
+                                      <p:cBhvr>
+                                        <p:cTn id="60" dur="1000" fill="hold"/>
+                                        <p:tgtEl>
+                                          <p:spTgt spid="15"/>
+                                        </p:tgtEl>
+                                        <p:attrNameLst>
+                                          <p:attrName>ppt_x</p:attrName>
+                                        </p:attrNameLst>
+                                      </p:cBhvr>
+                                      <p:tavLst>
+                                        <p:tav tm="0">
+                                          <p:val>
+                                            <p:strVal val="#ppt_x"/>
+                                          </p:val>
+                                        </p:tav>
+                                        <p:tav tm="100000">
+                                          <p:val>
+                                            <p:strVal val="#ppt_x"/>
+                                          </p:val>
+                                        </p:tav>
+                                      </p:tavLst>
+                                    </p:anim>
+                                    <p:anim calcmode="lin" valueType="num">
+                                      <p:cBhvr>
+                                        <p:cTn id="61" dur="1000" fill="hold"/>
+                                        <p:tgtEl>
+                                          <p:spTgt spid="15"/>
+                                        </p:tgtEl>
+                                        <p:attrNameLst>
+                                          <p:attrName>ppt_y</p:attrName>
+                                        </p:attrNameLst>
+                                      </p:cBhvr>
+                                      <p:tavLst>
+                                        <p:tav tm="0">
+                                          <p:val>
+                                            <p:strVal val="#ppt_y+.1"/>
+                                          </p:val>
+                                        </p:tav>
+                                        <p:tav tm="100000">
+                                          <p:val>
+                                            <p:strVal val="#ppt_y"/>
+                                          </p:val>
+                                        </p:tav>
+                                      </p:tavLst>
+                                    </p:anim>
+                                  </p:childTnLst>
+                                </p:cTn>
+                              </p:par>
+                              <p:par>
+                                <p:cTn id="62" presetID="42" presetClass="entr" presetSubtype="0" fill="hold" grpId="0" nodeType="withEffect">
+                                  <p:stCondLst>
+                                    <p:cond delay="0"/>
+                                  </p:stCondLst>
+                                  <p:childTnLst>
+                                    <p:set>
+                                      <p:cBhvr>
+                                        <p:cTn id="63" dur="1" fill="hold">
+                                          <p:stCondLst>
+                                            <p:cond delay="0"/>
+                                          </p:stCondLst>
+                                        </p:cTn>
+                                        <p:tgtEl>
+                                          <p:spTgt spid="24"/>
+                                        </p:tgtEl>
+                                        <p:attrNameLst>
+                                          <p:attrName>style.visibility</p:attrName>
+                                        </p:attrNameLst>
+                                      </p:cBhvr>
+                                      <p:to>
+                                        <p:strVal val="visible"/>
+                                      </p:to>
+                                    </p:set>
+                                    <p:animEffect transition="in" filter="fade">
+                                      <p:cBhvr>
+                                        <p:cTn id="64" dur="1000"/>
+                                        <p:tgtEl>
+                                          <p:spTgt spid="24"/>
+                                        </p:tgtEl>
+                                      </p:cBhvr>
+                                    </p:animEffect>
+                                    <p:anim calcmode="lin" valueType="num">
+                                      <p:cBhvr>
+                                        <p:cTn id="65" dur="1000" fill="hold"/>
+                                        <p:tgtEl>
+                                          <p:spTgt spid="24"/>
+                                        </p:tgtEl>
+                                        <p:attrNameLst>
+                                          <p:attrName>ppt_x</p:attrName>
+                                        </p:attrNameLst>
+                                      </p:cBhvr>
+                                      <p:tavLst>
+                                        <p:tav tm="0">
+                                          <p:val>
+                                            <p:strVal val="#ppt_x"/>
+                                          </p:val>
+                                        </p:tav>
+                                        <p:tav tm="100000">
+                                          <p:val>
+                                            <p:strVal val="#ppt_x"/>
+                                          </p:val>
+                                        </p:tav>
+                                      </p:tavLst>
+                                    </p:anim>
+                                    <p:anim calcmode="lin" valueType="num">
+                                      <p:cBhvr>
+                                        <p:cTn id="66" dur="1000" fill="hold"/>
+                                        <p:tgtEl>
+                                          <p:spTgt spid="24"/>
+                                        </p:tgtEl>
+                                        <p:attrNameLst>
+                                          <p:attrName>ppt_y</p:attrName>
+                                        </p:attrNameLst>
+                                      </p:cBhvr>
+                                      <p:tavLst>
+                                        <p:tav tm="0">
+                                          <p:val>
+                                            <p:strVal val="#ppt_y+.1"/>
+                                          </p:val>
+                                        </p:tav>
+                                        <p:tav tm="100000">
+                                          <p:val>
+                                            <p:strVal val="#ppt_y"/>
+                                          </p:val>
+                                        </p:tav>
+                                      </p:tavLst>
+                                    </p:anim>
+                                  </p:childTnLst>
+                                </p:cTn>
+                              </p:par>
+                            </p:childTnLst>
+                          </p:cTn>
+                        </p:par>
+                        <p:par>
+                          <p:cTn id="67" fill="hold">
+                            <p:stCondLst>
+                              <p:cond delay="1000"/>
+                            </p:stCondLst>
+                            <p:childTnLst>
+                              <p:par>
+                                <p:cTn id="68" presetID="22" presetClass="entr" presetSubtype="1" fill="hold" grpId="0" nodeType="afterEffect">
+                                  <p:stCondLst>
+                                    <p:cond delay="0"/>
+                                  </p:stCondLst>
+                                  <p:childTnLst>
+                                    <p:set>
+                                      <p:cBhvr>
+                                        <p:cTn id="69" dur="1" fill="hold">
+                                          <p:stCondLst>
+                                            <p:cond delay="0"/>
+                                          </p:stCondLst>
+                                        </p:cTn>
+                                        <p:tgtEl>
+                                          <p:spTgt spid="6"/>
+                                        </p:tgtEl>
+                                        <p:attrNameLst>
+                                          <p:attrName>style.visibility</p:attrName>
+                                        </p:attrNameLst>
+                                      </p:cBhvr>
+                                      <p:to>
+                                        <p:strVal val="visible"/>
+                                      </p:to>
+                                    </p:set>
+                                    <p:animEffect transition="in" filter="wipe(up)">
+                                      <p:cBhvr>
+                                        <p:cTn id="70" dur="500"/>
+                                        <p:tgtEl>
+                                          <p:spTgt spid="6"/>
                                         </p:tgtEl>
                                       </p:cBhvr>
                                     </p:animEffect>
@@ -22124,20 +24922,20 @@
                                 </p:cTn>
                               </p:par>
                               <p:par>
-                                <p:cTn id="56" presetID="16" presetClass="entr" presetSubtype="21" fill="hold" grpId="0" nodeType="withEffect">
+                                <p:cTn id="71" presetID="22" presetClass="entr" presetSubtype="1" fill="hold" nodeType="withEffect">
                                   <p:stCondLst>
                                     <p:cond delay="0"/>
                                   </p:stCondLst>
                                   <p:childTnLst>
                                     <p:set>
                                       <p:cBhvr>
-                                        <p:cTn id="57" dur="1" fill="hold">
+                                        <p:cTn id="72" dur="1" fill="hold">
                                           <p:stCondLst>
                                             <p:cond delay="0"/>
                                           </p:stCondLst>
                                         </p:cTn>
                                         <p:tgtEl>
-                                          <p:spTgt spid="50"/>
+                                          <p:spTgt spid="8204"/>
                                         </p:tgtEl>
                                         <p:attrNameLst>
                                           <p:attrName>style.visibility</p:attrName>
@@ -22147,11 +24945,11 @@
                                         <p:strVal val="visible"/>
                                       </p:to>
                                     </p:set>
-                                    <p:animEffect transition="in" filter="barn(inVertical)">
-                                      <p:cBhvr>
-                                        <p:cTn id="58" dur="500"/>
-                                        <p:tgtEl>
-                                          <p:spTgt spid="50"/>
+                                    <p:animEffect transition="in" filter="wipe(up)">
+                                      <p:cBhvr>
+                                        <p:cTn id="73" dur="500"/>
+                                        <p:tgtEl>
+                                          <p:spTgt spid="8204"/>
                                         </p:tgtEl>
                                       </p:cBhvr>
                                     </p:animEffect>
@@ -22165,32 +24963,32 @@
                     </p:cTn>
                   </p:par>
                   <p:par>
-                    <p:cTn id="59" fill="hold">
+                    <p:cTn id="74" fill="hold">
                       <p:stCondLst>
                         <p:cond delay="indefinite"/>
                       </p:stCondLst>
                       <p:childTnLst>
                         <p:par>
-                          <p:cTn id="60" fill="hold">
+                          <p:cTn id="75" fill="hold">
                             <p:stCondLst>
                               <p:cond delay="0"/>
                             </p:stCondLst>
                             <p:childTnLst>
                               <p:par>
-                                <p:cTn id="61" presetID="47" presetClass="entr" presetSubtype="0" fill="hold" grpId="0" nodeType="clickEffect">
+                                <p:cTn id="76" presetID="42" presetClass="entr" presetSubtype="0" fill="hold" grpId="0" nodeType="clickEffect">
                                   <p:stCondLst>
                                     <p:cond delay="0"/>
                                   </p:stCondLst>
                                   <p:childTnLst>
                                     <p:set>
                                       <p:cBhvr>
-                                        <p:cTn id="62" dur="1" fill="hold">
+                                        <p:cTn id="77" dur="1" fill="hold">
                                           <p:stCondLst>
                                             <p:cond delay="0"/>
                                           </p:stCondLst>
                                         </p:cTn>
                                         <p:tgtEl>
-                                          <p:spTgt spid="29"/>
+                                          <p:spTgt spid="46"/>
                                         </p:tgtEl>
                                         <p:attrNameLst>
                                           <p:attrName>style.visibility</p:attrName>
@@ -22202,17 +25000,17 @@
                                     </p:set>
                                     <p:animEffect transition="in" filter="fade">
                                       <p:cBhvr>
-                                        <p:cTn id="63" dur="1000"/>
-                                        <p:tgtEl>
-                                          <p:spTgt spid="29"/>
+                                        <p:cTn id="78" dur="1000"/>
+                                        <p:tgtEl>
+                                          <p:spTgt spid="46"/>
                                         </p:tgtEl>
                                       </p:cBhvr>
                                     </p:animEffect>
                                     <p:anim calcmode="lin" valueType="num">
                                       <p:cBhvr>
-                                        <p:cTn id="64" dur="1000" fill="hold"/>
-                                        <p:tgtEl>
-                                          <p:spTgt spid="29"/>
+                                        <p:cTn id="79" dur="1000" fill="hold"/>
+                                        <p:tgtEl>
+                                          <p:spTgt spid="46"/>
                                         </p:tgtEl>
                                         <p:attrNameLst>
                                           <p:attrName>ppt_x</p:attrName>
@@ -22233,9 +25031,9 @@
                                     </p:anim>
                                     <p:anim calcmode="lin" valueType="num">
                                       <p:cBhvr>
-                                        <p:cTn id="65" dur="1000" fill="hold"/>
-                                        <p:tgtEl>
-                                          <p:spTgt spid="29"/>
+                                        <p:cTn id="80" dur="1000" fill="hold"/>
+                                        <p:tgtEl>
+                                          <p:spTgt spid="46"/>
                                         </p:tgtEl>
                                         <p:attrNameLst>
                                           <p:attrName>ppt_y</p:attrName>
@@ -22244,7 +25042,7 @@
                                       <p:tavLst>
                                         <p:tav tm="0">
                                           <p:val>
-                                            <p:strVal val="#ppt_y-.1"/>
+                                            <p:strVal val="#ppt_y+.1"/>
                                           </p:val>
                                         </p:tav>
                                         <p:tav tm="100000">
@@ -22258,20 +25056,20 @@
                                 </p:cTn>
                               </p:par>
                               <p:par>
-                                <p:cTn id="66" presetID="47" presetClass="entr" presetSubtype="0" fill="hold" nodeType="withEffect">
+                                <p:cTn id="81" presetID="42" presetClass="entr" presetSubtype="0" fill="hold" grpId="0" nodeType="withEffect">
                                   <p:stCondLst>
                                     <p:cond delay="0"/>
                                   </p:stCondLst>
                                   <p:childTnLst>
                                     <p:set>
                                       <p:cBhvr>
-                                        <p:cTn id="67" dur="1" fill="hold">
+                                        <p:cTn id="82" dur="1" fill="hold">
                                           <p:stCondLst>
                                             <p:cond delay="0"/>
                                           </p:stCondLst>
                                         </p:cTn>
                                         <p:tgtEl>
-                                          <p:spTgt spid="52"/>
+                                          <p:spTgt spid="50"/>
                                         </p:tgtEl>
                                         <p:attrNameLst>
                                           <p:attrName>style.visibility</p:attrName>
@@ -22283,17 +25081,17 @@
                                     </p:set>
                                     <p:animEffect transition="in" filter="fade">
                                       <p:cBhvr>
-                                        <p:cTn id="68" dur="1000"/>
-                                        <p:tgtEl>
-                                          <p:spTgt spid="52"/>
+                                        <p:cTn id="83" dur="1000"/>
+                                        <p:tgtEl>
+                                          <p:spTgt spid="50"/>
                                         </p:tgtEl>
                                       </p:cBhvr>
                                     </p:animEffect>
                                     <p:anim calcmode="lin" valueType="num">
                                       <p:cBhvr>
-                                        <p:cTn id="69" dur="1000" fill="hold"/>
-                                        <p:tgtEl>
-                                          <p:spTgt spid="52"/>
+                                        <p:cTn id="84" dur="1000" fill="hold"/>
+                                        <p:tgtEl>
+                                          <p:spTgt spid="50"/>
                                         </p:tgtEl>
                                         <p:attrNameLst>
                                           <p:attrName>ppt_x</p:attrName>
@@ -22314,9 +25112,9 @@
                                     </p:anim>
                                     <p:anim calcmode="lin" valueType="num">
                                       <p:cBhvr>
-                                        <p:cTn id="70" dur="1000" fill="hold"/>
-                                        <p:tgtEl>
-                                          <p:spTgt spid="52"/>
+                                        <p:cTn id="85" dur="1000" fill="hold"/>
+                                        <p:tgtEl>
+                                          <p:spTgt spid="50"/>
                                         </p:tgtEl>
                                         <p:attrNameLst>
                                           <p:attrName>ppt_y</p:attrName>
@@ -22325,7 +25123,7 @@
                                       <p:tavLst>
                                         <p:tav tm="0">
                                           <p:val>
-                                            <p:strVal val="#ppt_y-.1"/>
+                                            <p:strVal val="#ppt_y+.1"/>
                                           </p:val>
                                         </p:tav>
                                         <p:tav tm="100000">
@@ -22341,36 +25139,27 @@
                             </p:childTnLst>
                           </p:cTn>
                         </p:par>
-                      </p:childTnLst>
-                    </p:cTn>
-                  </p:par>
-                  <p:par>
-                    <p:cTn id="71" fill="hold">
-                      <p:stCondLst>
-                        <p:cond delay="indefinite"/>
-                      </p:stCondLst>
-                      <p:childTnLst>
                         <p:par>
-                          <p:cTn id="72" fill="hold">
+                          <p:cTn id="86" fill="hold">
                             <p:stCondLst>
-                              <p:cond delay="0"/>
+                              <p:cond delay="1000"/>
                             </p:stCondLst>
                             <p:childTnLst>
                               <p:par>
-                                <p:cTn id="73" presetID="16" presetClass="entr" presetSubtype="21" fill="hold" grpId="0" nodeType="clickEffect">
+                                <p:cTn id="87" presetID="22" presetClass="entr" presetSubtype="1" fill="hold" grpId="0" nodeType="afterEffect">
                                   <p:stCondLst>
                                     <p:cond delay="0"/>
                                   </p:stCondLst>
                                   <p:childTnLst>
                                     <p:set>
                                       <p:cBhvr>
-                                        <p:cTn id="74" dur="1" fill="hold">
+                                        <p:cTn id="88" dur="1" fill="hold">
                                           <p:stCondLst>
                                             <p:cond delay="0"/>
                                           </p:stCondLst>
                                         </p:cTn>
                                         <p:tgtEl>
-                                          <p:spTgt spid="49"/>
+                                          <p:spTgt spid="29"/>
                                         </p:tgtEl>
                                         <p:attrNameLst>
                                           <p:attrName>style.visibility</p:attrName>
@@ -22380,11 +25169,11 @@
                                         <p:strVal val="visible"/>
                                       </p:to>
                                     </p:set>
-                                    <p:animEffect transition="in" filter="barn(inVertical)">
-                                      <p:cBhvr>
-                                        <p:cTn id="75" dur="500"/>
-                                        <p:tgtEl>
-                                          <p:spTgt spid="49"/>
+                                    <p:animEffect transition="in" filter="wipe(up)">
+                                      <p:cBhvr>
+                                        <p:cTn id="89" dur="500"/>
+                                        <p:tgtEl>
+                                          <p:spTgt spid="29"/>
                                         </p:tgtEl>
                                       </p:cBhvr>
                                     </p:animEffect>
@@ -22392,20 +25181,20 @@
                                 </p:cTn>
                               </p:par>
                               <p:par>
-                                <p:cTn id="76" presetID="16" presetClass="entr" presetSubtype="21" fill="hold" grpId="0" nodeType="withEffect">
+                                <p:cTn id="90" presetID="22" presetClass="entr" presetSubtype="1" fill="hold" nodeType="withEffect">
                                   <p:stCondLst>
                                     <p:cond delay="0"/>
                                   </p:stCondLst>
                                   <p:childTnLst>
                                     <p:set>
                                       <p:cBhvr>
-                                        <p:cTn id="77" dur="1" fill="hold">
+                                        <p:cTn id="91" dur="1" fill="hold">
                                           <p:stCondLst>
                                             <p:cond delay="0"/>
                                           </p:stCondLst>
                                         </p:cTn>
                                         <p:tgtEl>
-                                          <p:spTgt spid="51"/>
+                                          <p:spTgt spid="52"/>
                                         </p:tgtEl>
                                         <p:attrNameLst>
                                           <p:attrName>style.visibility</p:attrName>
@@ -22415,11 +25204,11 @@
                                         <p:strVal val="visible"/>
                                       </p:to>
                                     </p:set>
-                                    <p:animEffect transition="in" filter="barn(inVertical)">
-                                      <p:cBhvr>
-                                        <p:cTn id="78" dur="500"/>
-                                        <p:tgtEl>
-                                          <p:spTgt spid="51"/>
+                                    <p:animEffect transition="in" filter="wipe(up)">
+                                      <p:cBhvr>
+                                        <p:cTn id="92" dur="500"/>
+                                        <p:tgtEl>
+                                          <p:spTgt spid="52"/>
                                         </p:tgtEl>
                                       </p:cBhvr>
                                     </p:animEffect>
@@ -22433,32 +25222,32 @@
                     </p:cTn>
                   </p:par>
                   <p:par>
-                    <p:cTn id="79" fill="hold">
+                    <p:cTn id="93" fill="hold">
                       <p:stCondLst>
                         <p:cond delay="indefinite"/>
                       </p:stCondLst>
                       <p:childTnLst>
                         <p:par>
-                          <p:cTn id="80" fill="hold">
+                          <p:cTn id="94" fill="hold">
                             <p:stCondLst>
                               <p:cond delay="0"/>
                             </p:stCondLst>
                             <p:childTnLst>
                               <p:par>
-                                <p:cTn id="81" presetID="47" presetClass="entr" presetSubtype="0" fill="hold" grpId="0" nodeType="clickEffect">
+                                <p:cTn id="95" presetID="42" presetClass="entr" presetSubtype="0" fill="hold" grpId="0" nodeType="clickEffect">
                                   <p:stCondLst>
                                     <p:cond delay="0"/>
                                   </p:stCondLst>
                                   <p:childTnLst>
                                     <p:set>
                                       <p:cBhvr>
-                                        <p:cTn id="82" dur="1" fill="hold">
+                                        <p:cTn id="96" dur="1" fill="hold">
                                           <p:stCondLst>
                                             <p:cond delay="0"/>
                                           </p:stCondLst>
                                         </p:cTn>
                                         <p:tgtEl>
-                                          <p:spTgt spid="48"/>
+                                          <p:spTgt spid="49"/>
                                         </p:tgtEl>
                                         <p:attrNameLst>
                                           <p:attrName>style.visibility</p:attrName>
@@ -22470,17 +25259,17 @@
                                     </p:set>
                                     <p:animEffect transition="in" filter="fade">
                                       <p:cBhvr>
-                                        <p:cTn id="83" dur="1000"/>
-                                        <p:tgtEl>
-                                          <p:spTgt spid="48"/>
+                                        <p:cTn id="97" dur="1000"/>
+                                        <p:tgtEl>
+                                          <p:spTgt spid="49"/>
                                         </p:tgtEl>
                                       </p:cBhvr>
                                     </p:animEffect>
                                     <p:anim calcmode="lin" valueType="num">
                                       <p:cBhvr>
-                                        <p:cTn id="84" dur="1000" fill="hold"/>
-                                        <p:tgtEl>
-                                          <p:spTgt spid="48"/>
+                                        <p:cTn id="98" dur="1000" fill="hold"/>
+                                        <p:tgtEl>
+                                          <p:spTgt spid="49"/>
                                         </p:tgtEl>
                                         <p:attrNameLst>
                                           <p:attrName>ppt_x</p:attrName>
@@ -22501,9 +25290,9 @@
                                     </p:anim>
                                     <p:anim calcmode="lin" valueType="num">
                                       <p:cBhvr>
-                                        <p:cTn id="85" dur="1000" fill="hold"/>
-                                        <p:tgtEl>
-                                          <p:spTgt spid="48"/>
+                                        <p:cTn id="99" dur="1000" fill="hold"/>
+                                        <p:tgtEl>
+                                          <p:spTgt spid="49"/>
                                         </p:tgtEl>
                                         <p:attrNameLst>
                                           <p:attrName>ppt_y</p:attrName>
@@ -22512,7 +25301,7 @@
                                       <p:tavLst>
                                         <p:tav tm="0">
                                           <p:val>
-                                            <p:strVal val="#ppt_y-.1"/>
+                                            <p:strVal val="#ppt_y+.1"/>
                                           </p:val>
                                         </p:tav>
                                         <p:tav tm="100000">
@@ -22526,20 +25315,20 @@
                                 </p:cTn>
                               </p:par>
                               <p:par>
-                                <p:cTn id="86" presetID="47" presetClass="entr" presetSubtype="0" fill="hold" nodeType="withEffect">
+                                <p:cTn id="100" presetID="42" presetClass="entr" presetSubtype="0" fill="hold" grpId="0" nodeType="withEffect">
                                   <p:stCondLst>
                                     <p:cond delay="0"/>
                                   </p:stCondLst>
                                   <p:childTnLst>
                                     <p:set>
                                       <p:cBhvr>
-                                        <p:cTn id="87" dur="1" fill="hold">
+                                        <p:cTn id="101" dur="1" fill="hold">
                                           <p:stCondLst>
                                             <p:cond delay="0"/>
                                           </p:stCondLst>
                                         </p:cTn>
                                         <p:tgtEl>
-                                          <p:spTgt spid="53"/>
+                                          <p:spTgt spid="51"/>
                                         </p:tgtEl>
                                         <p:attrNameLst>
                                           <p:attrName>style.visibility</p:attrName>
@@ -22551,17 +25340,17 @@
                                     </p:set>
                                     <p:animEffect transition="in" filter="fade">
                                       <p:cBhvr>
-                                        <p:cTn id="88" dur="1000"/>
-                                        <p:tgtEl>
-                                          <p:spTgt spid="53"/>
+                                        <p:cTn id="102" dur="1000"/>
+                                        <p:tgtEl>
+                                          <p:spTgt spid="51"/>
                                         </p:tgtEl>
                                       </p:cBhvr>
                                     </p:animEffect>
                                     <p:anim calcmode="lin" valueType="num">
                                       <p:cBhvr>
-                                        <p:cTn id="89" dur="1000" fill="hold"/>
-                                        <p:tgtEl>
-                                          <p:spTgt spid="53"/>
+                                        <p:cTn id="103" dur="1000" fill="hold"/>
+                                        <p:tgtEl>
+                                          <p:spTgt spid="51"/>
                                         </p:tgtEl>
                                         <p:attrNameLst>
                                           <p:attrName>ppt_x</p:attrName>
@@ -22582,9 +25371,9 @@
                                     </p:anim>
                                     <p:anim calcmode="lin" valueType="num">
                                       <p:cBhvr>
-                                        <p:cTn id="90" dur="1000" fill="hold"/>
-                                        <p:tgtEl>
-                                          <p:spTgt spid="53"/>
+                                        <p:cTn id="104" dur="1000" fill="hold"/>
+                                        <p:tgtEl>
+                                          <p:spTgt spid="51"/>
                                         </p:tgtEl>
                                         <p:attrNameLst>
                                           <p:attrName>ppt_y</p:attrName>
@@ -22593,7 +25382,7 @@
                                       <p:tavLst>
                                         <p:tav tm="0">
                                           <p:val>
-                                            <p:strVal val="#ppt_y-.1"/>
+                                            <p:strVal val="#ppt_y+.1"/>
                                           </p:val>
                                         </p:tav>
                                         <p:tav tm="100000">
@@ -22610,26 +25399,26 @@
                           </p:cTn>
                         </p:par>
                         <p:par>
-                          <p:cTn id="91" fill="hold">
+                          <p:cTn id="105" fill="hold">
                             <p:stCondLst>
                               <p:cond delay="1000"/>
                             </p:stCondLst>
                             <p:childTnLst>
                               <p:par>
-                                <p:cTn id="92" presetID="16" presetClass="entr" presetSubtype="21" fill="hold" nodeType="afterEffect">
+                                <p:cTn id="106" presetID="22" presetClass="entr" presetSubtype="1" fill="hold" grpId="0" nodeType="afterEffect">
                                   <p:stCondLst>
                                     <p:cond delay="0"/>
                                   </p:stCondLst>
                                   <p:childTnLst>
                                     <p:set>
                                       <p:cBhvr>
-                                        <p:cTn id="93" dur="1" fill="hold">
+                                        <p:cTn id="107" dur="1" fill="hold">
                                           <p:stCondLst>
                                             <p:cond delay="0"/>
                                           </p:stCondLst>
                                         </p:cTn>
                                         <p:tgtEl>
-                                          <p:spTgt spid="10"/>
+                                          <p:spTgt spid="48"/>
                                         </p:tgtEl>
                                         <p:attrNameLst>
                                           <p:attrName>style.visibility</p:attrName>
@@ -22639,11 +25428,11 @@
                                         <p:strVal val="visible"/>
                                       </p:to>
                                     </p:set>
-                                    <p:animEffect transition="in" filter="barn(inVertical)">
-                                      <p:cBhvr>
-                                        <p:cTn id="94" dur="500"/>
-                                        <p:tgtEl>
-                                          <p:spTgt spid="10"/>
+                                    <p:animEffect transition="in" filter="wipe(up)">
+                                      <p:cBhvr>
+                                        <p:cTn id="108" dur="500"/>
+                                        <p:tgtEl>
+                                          <p:spTgt spid="48"/>
                                         </p:tgtEl>
                                       </p:cBhvr>
                                     </p:animEffect>
@@ -22651,20 +25440,20 @@
                                 </p:cTn>
                               </p:par>
                               <p:par>
-                                <p:cTn id="95" presetID="16" presetClass="entr" presetSubtype="21" fill="hold" grpId="0" nodeType="withEffect">
+                                <p:cTn id="109" presetID="22" presetClass="entr" presetSubtype="1" fill="hold" nodeType="withEffect">
                                   <p:stCondLst>
                                     <p:cond delay="0"/>
                                   </p:stCondLst>
                                   <p:childTnLst>
                                     <p:set>
                                       <p:cBhvr>
-                                        <p:cTn id="96" dur="1" fill="hold">
+                                        <p:cTn id="110" dur="1" fill="hold">
                                           <p:stCondLst>
                                             <p:cond delay="0"/>
                                           </p:stCondLst>
                                         </p:cTn>
                                         <p:tgtEl>
-                                          <p:spTgt spid="11"/>
+                                          <p:spTgt spid="53"/>
                                         </p:tgtEl>
                                         <p:attrNameLst>
                                           <p:attrName>style.visibility</p:attrName>
@@ -22674,81 +25463,11 @@
                                         <p:strVal val="visible"/>
                                       </p:to>
                                     </p:set>
-                                    <p:animEffect transition="in" filter="barn(inVertical)">
-                                      <p:cBhvr>
-                                        <p:cTn id="97" dur="500"/>
-                                        <p:tgtEl>
-                                          <p:spTgt spid="11"/>
-                                        </p:tgtEl>
-                                      </p:cBhvr>
-                                    </p:animEffect>
-                                  </p:childTnLst>
-                                </p:cTn>
-                              </p:par>
-                              <p:par>
-                                <p:cTn id="98" presetID="16" presetClass="entr" presetSubtype="21" fill="hold" grpId="0" nodeType="withEffect">
-                                  <p:stCondLst>
-                                    <p:cond delay="0"/>
-                                  </p:stCondLst>
-                                  <p:childTnLst>
-                                    <p:set>
-                                      <p:cBhvr>
-                                        <p:cTn id="99" dur="1" fill="hold">
-                                          <p:stCondLst>
-                                            <p:cond delay="0"/>
-                                          </p:stCondLst>
-                                        </p:cTn>
-                                        <p:tgtEl>
-                                          <p:spTgt spid="45"/>
-                                        </p:tgtEl>
-                                        <p:attrNameLst>
-                                          <p:attrName>style.visibility</p:attrName>
-                                        </p:attrNameLst>
-                                      </p:cBhvr>
-                                      <p:to>
-                                        <p:strVal val="visible"/>
-                                      </p:to>
-                                    </p:set>
-                                    <p:animEffect transition="in" filter="barn(inVertical)">
-                                      <p:cBhvr>
-                                        <p:cTn id="100" dur="500"/>
-                                        <p:tgtEl>
-                                          <p:spTgt spid="45"/>
-                                        </p:tgtEl>
-                                      </p:cBhvr>
-                                    </p:animEffect>
-                                  </p:childTnLst>
-                                </p:cTn>
-                              </p:par>
-                              <p:par>
-                                <p:cTn id="101" presetID="16" presetClass="entr" presetSubtype="21" fill="hold" nodeType="withEffect">
-                                  <p:stCondLst>
-                                    <p:cond delay="0"/>
-                                  </p:stCondLst>
-                                  <p:childTnLst>
-                                    <p:set>
-                                      <p:cBhvr>
-                                        <p:cTn id="102" dur="1" fill="hold">
-                                          <p:stCondLst>
-                                            <p:cond delay="0"/>
-                                          </p:stCondLst>
-                                        </p:cTn>
-                                        <p:tgtEl>
-                                          <p:spTgt spid="13"/>
-                                        </p:tgtEl>
-                                        <p:attrNameLst>
-                                          <p:attrName>style.visibility</p:attrName>
-                                        </p:attrNameLst>
-                                      </p:cBhvr>
-                                      <p:to>
-                                        <p:strVal val="visible"/>
-                                      </p:to>
-                                    </p:set>
-                                    <p:animEffect transition="in" filter="barn(inVertical)">
-                                      <p:cBhvr>
-                                        <p:cTn id="103" dur="500"/>
-                                        <p:tgtEl>
-                                          <p:spTgt spid="13"/>
+                                    <p:animEffect transition="in" filter="wipe(up)">
+                                      <p:cBhvr>
+                                        <p:cTn id="111" dur="500"/>
+                                        <p:tgtEl>
+                                          <p:spTgt spid="53"/>
                                         </p:tgtEl>
                                       </p:cBhvr>
                                     </p:animEffect>
@@ -22758,36 +25477,27 @@
                             </p:childTnLst>
                           </p:cTn>
                         </p:par>
-                      </p:childTnLst>
-                    </p:cTn>
-                  </p:par>
-                  <p:par>
-                    <p:cTn id="104" fill="hold">
-                      <p:stCondLst>
-                        <p:cond delay="indefinite"/>
-                      </p:stCondLst>
-                      <p:childTnLst>
                         <p:par>
-                          <p:cTn id="105" fill="hold">
+                          <p:cTn id="112" fill="hold">
                             <p:stCondLst>
-                              <p:cond delay="0"/>
+                              <p:cond delay="1500"/>
                             </p:stCondLst>
                             <p:childTnLst>
                               <p:par>
-                                <p:cTn id="106" presetID="2" presetClass="entr" presetSubtype="4" fill="hold" grpId="0" nodeType="clickEffect">
+                                <p:cTn id="113" presetID="16" presetClass="entr" presetSubtype="21" fill="hold" grpId="0" nodeType="afterEffect">
                                   <p:stCondLst>
                                     <p:cond delay="0"/>
                                   </p:stCondLst>
                                   <p:childTnLst>
                                     <p:set>
                                       <p:cBhvr>
-                                        <p:cTn id="107" dur="1" fill="hold">
+                                        <p:cTn id="114" dur="1" fill="hold">
                                           <p:stCondLst>
                                             <p:cond delay="0"/>
                                           </p:stCondLst>
                                         </p:cTn>
                                         <p:tgtEl>
-                                          <p:spTgt spid="25"/>
+                                          <p:spTgt spid="45"/>
                                         </p:tgtEl>
                                         <p:attrNameLst>
                                           <p:attrName>style.visibility</p:attrName>
@@ -22797,52 +25507,119 @@
                                         <p:strVal val="visible"/>
                                       </p:to>
                                     </p:set>
-                                    <p:anim calcmode="lin" valueType="num">
-                                      <p:cBhvr additive="base">
-                                        <p:cTn id="108" dur="500" fill="hold"/>
-                                        <p:tgtEl>
-                                          <p:spTgt spid="25"/>
+                                    <p:animEffect transition="in" filter="barn(inVertical)">
+                                      <p:cBhvr>
+                                        <p:cTn id="115" dur="500"/>
+                                        <p:tgtEl>
+                                          <p:spTgt spid="45"/>
+                                        </p:tgtEl>
+                                      </p:cBhvr>
+                                    </p:animEffect>
+                                  </p:childTnLst>
+                                </p:cTn>
+                              </p:par>
+                              <p:par>
+                                <p:cTn id="116" presetID="16" presetClass="entr" presetSubtype="21" fill="hold" nodeType="withEffect">
+                                  <p:stCondLst>
+                                    <p:cond delay="0"/>
+                                  </p:stCondLst>
+                                  <p:childTnLst>
+                                    <p:set>
+                                      <p:cBhvr>
+                                        <p:cTn id="117" dur="1" fill="hold">
+                                          <p:stCondLst>
+                                            <p:cond delay="0"/>
+                                          </p:stCondLst>
+                                        </p:cTn>
+                                        <p:tgtEl>
+                                          <p:spTgt spid="13"/>
                                         </p:tgtEl>
                                         <p:attrNameLst>
-                                          <p:attrName>ppt_x</p:attrName>
+                                          <p:attrName>style.visibility</p:attrName>
                                         </p:attrNameLst>
                                       </p:cBhvr>
-                                      <p:tavLst>
-                                        <p:tav tm="0">
-                                          <p:val>
-                                            <p:strVal val="#ppt_x"/>
-                                          </p:val>
-                                        </p:tav>
-                                        <p:tav tm="100000">
-                                          <p:val>
-                                            <p:strVal val="#ppt_x"/>
-                                          </p:val>
-                                        </p:tav>
-                                      </p:tavLst>
-                                    </p:anim>
-                                    <p:anim calcmode="lin" valueType="num">
-                                      <p:cBhvr additive="base">
-                                        <p:cTn id="109" dur="500" fill="hold"/>
-                                        <p:tgtEl>
-                                          <p:spTgt spid="25"/>
+                                      <p:to>
+                                        <p:strVal val="visible"/>
+                                      </p:to>
+                                    </p:set>
+                                    <p:animEffect transition="in" filter="barn(inVertical)">
+                                      <p:cBhvr>
+                                        <p:cTn id="118" dur="500"/>
+                                        <p:tgtEl>
+                                          <p:spTgt spid="13"/>
+                                        </p:tgtEl>
+                                      </p:cBhvr>
+                                    </p:animEffect>
+                                  </p:childTnLst>
+                                </p:cTn>
+                              </p:par>
+                              <p:par>
+                                <p:cTn id="119" presetID="16" presetClass="entr" presetSubtype="21" fill="hold" nodeType="withEffect">
+                                  <p:stCondLst>
+                                    <p:cond delay="0"/>
+                                  </p:stCondLst>
+                                  <p:childTnLst>
+                                    <p:set>
+                                      <p:cBhvr>
+                                        <p:cTn id="120" dur="1" fill="hold">
+                                          <p:stCondLst>
+                                            <p:cond delay="0"/>
+                                          </p:stCondLst>
+                                        </p:cTn>
+                                        <p:tgtEl>
+                                          <p:spTgt spid="10"/>
                                         </p:tgtEl>
                                         <p:attrNameLst>
-                                          <p:attrName>ppt_y</p:attrName>
+                                          <p:attrName>style.visibility</p:attrName>
                                         </p:attrNameLst>
                                       </p:cBhvr>
-                                      <p:tavLst>
-                                        <p:tav tm="0">
-                                          <p:val>
-                                            <p:strVal val="1+#ppt_h/2"/>
-                                          </p:val>
-                                        </p:tav>
-                                        <p:tav tm="100000">
-                                          <p:val>
-                                            <p:strVal val="#ppt_y"/>
-                                          </p:val>
-                                        </p:tav>
-                                      </p:tavLst>
-                                    </p:anim>
+                                      <p:to>
+                                        <p:strVal val="visible"/>
+                                      </p:to>
+                                    </p:set>
+                                    <p:animEffect transition="in" filter="barn(inVertical)">
+                                      <p:cBhvr>
+                                        <p:cTn id="121" dur="500"/>
+                                        <p:tgtEl>
+                                          <p:spTgt spid="10"/>
+                                        </p:tgtEl>
+                                      </p:cBhvr>
+                                    </p:animEffect>
+                                  </p:childTnLst>
+                                </p:cTn>
+                              </p:par>
+                              <p:par>
+                                <p:cTn id="122" presetID="16" presetClass="entr" presetSubtype="21" fill="hold" grpId="0" nodeType="withEffect">
+                                  <p:stCondLst>
+                                    <p:cond delay="0"/>
+                                  </p:stCondLst>
+                                  <p:childTnLst>
+                                    <p:set>
+                                      <p:cBhvr>
+                                        <p:cTn id="123" dur="1" fill="hold">
+                                          <p:stCondLst>
+                                            <p:cond delay="0"/>
+                                          </p:stCondLst>
+                                        </p:cTn>
+                                        <p:tgtEl>
+                                          <p:spTgt spid="11"/>
+                                        </p:tgtEl>
+                                        <p:attrNameLst>
+                                          <p:attrName>style.visibility</p:attrName>
+                                        </p:attrNameLst>
+                                      </p:cBhvr>
+                                      <p:to>
+                                        <p:strVal val="visible"/>
+                                      </p:to>
+                                    </p:set>
+                                    <p:animEffect transition="in" filter="barn(inVertical)">
+                                      <p:cBhvr>
+                                        <p:cTn id="124" dur="500"/>
+                                        <p:tgtEl>
+                                          <p:spTgt spid="11"/>
+                                        </p:tgtEl>
+                                      </p:cBhvr>
+                                    </p:animEffect>
                                   </p:childTnLst>
                                 </p:cTn>
                               </p:par>
@@ -22875,6 +25652,7 @@
     </p:tnLst>
     <p:bldLst>
       <p:bldP spid="17" grpId="0" animBg="1"/>
+      <p:bldP spid="8" grpId="0"/>
       <p:bldP spid="21" grpId="0"/>
       <p:bldP spid="22" grpId="0"/>
       <p:bldP spid="11" grpId="0"/>
@@ -22889,6 +25667,7 @@
       <p:bldP spid="15" grpId="0" animBg="1"/>
       <p:bldP spid="46" grpId="0" animBg="1"/>
       <p:bldP spid="49" grpId="0" animBg="1"/>
+      <p:bldP spid="26" grpId="0"/>
     </p:bldLst>
   </p:timing>
 </p:sld>
@@ -24105,14 +26884,715 @@
                             </p:stCondLst>
                             <p:childTnLst>
                               <p:par>
-                                <p:cTn id="5" presetID="35" presetClass="path" presetSubtype="0" accel="50000" decel="50000" fill="hold" grpId="0" nodeType="clickEffect">
+                                <p:cTn id="5" presetID="16" presetClass="entr" presetSubtype="21" fill="hold" grpId="0" nodeType="clickEffect">
+                                  <p:stCondLst>
+                                    <p:cond delay="0"/>
+                                  </p:stCondLst>
+                                  <p:childTnLst>
+                                    <p:set>
+                                      <p:cBhvr>
+                                        <p:cTn id="6" dur="1" fill="hold">
+                                          <p:stCondLst>
+                                            <p:cond delay="0"/>
+                                          </p:stCondLst>
+                                        </p:cTn>
+                                        <p:tgtEl>
+                                          <p:spTgt spid="8"/>
+                                        </p:tgtEl>
+                                        <p:attrNameLst>
+                                          <p:attrName>style.visibility</p:attrName>
+                                        </p:attrNameLst>
+                                      </p:cBhvr>
+                                      <p:to>
+                                        <p:strVal val="visible"/>
+                                      </p:to>
+                                    </p:set>
+                                    <p:animEffect transition="in" filter="barn(inVertical)">
+                                      <p:cBhvr>
+                                        <p:cTn id="7" dur="500"/>
+                                        <p:tgtEl>
+                                          <p:spTgt spid="8"/>
+                                        </p:tgtEl>
+                                      </p:cBhvr>
+                                    </p:animEffect>
+                                  </p:childTnLst>
+                                </p:cTn>
+                              </p:par>
+                            </p:childTnLst>
+                          </p:cTn>
+                        </p:par>
+                      </p:childTnLst>
+                    </p:cTn>
+                  </p:par>
+                  <p:par>
+                    <p:cTn id="8" fill="hold">
+                      <p:stCondLst>
+                        <p:cond delay="indefinite"/>
+                      </p:stCondLst>
+                      <p:childTnLst>
+                        <p:par>
+                          <p:cTn id="9" fill="hold">
+                            <p:stCondLst>
+                              <p:cond delay="0"/>
+                            </p:stCondLst>
+                            <p:childTnLst>
+                              <p:par>
+                                <p:cTn id="10" presetID="42" presetClass="entr" presetSubtype="0" fill="hold" grpId="0" nodeType="clickEffect">
+                                  <p:stCondLst>
+                                    <p:cond delay="0"/>
+                                  </p:stCondLst>
+                                  <p:childTnLst>
+                                    <p:set>
+                                      <p:cBhvr>
+                                        <p:cTn id="11" dur="1" fill="hold">
+                                          <p:stCondLst>
+                                            <p:cond delay="0"/>
+                                          </p:stCondLst>
+                                        </p:cTn>
+                                        <p:tgtEl>
+                                          <p:spTgt spid="27"/>
+                                        </p:tgtEl>
+                                        <p:attrNameLst>
+                                          <p:attrName>style.visibility</p:attrName>
+                                        </p:attrNameLst>
+                                      </p:cBhvr>
+                                      <p:to>
+                                        <p:strVal val="visible"/>
+                                      </p:to>
+                                    </p:set>
+                                    <p:animEffect transition="in" filter="fade">
+                                      <p:cBhvr>
+                                        <p:cTn id="12" dur="1000"/>
+                                        <p:tgtEl>
+                                          <p:spTgt spid="27"/>
+                                        </p:tgtEl>
+                                      </p:cBhvr>
+                                    </p:animEffect>
+                                    <p:anim calcmode="lin" valueType="num">
+                                      <p:cBhvr>
+                                        <p:cTn id="13" dur="1000" fill="hold"/>
+                                        <p:tgtEl>
+                                          <p:spTgt spid="27"/>
+                                        </p:tgtEl>
+                                        <p:attrNameLst>
+                                          <p:attrName>ppt_x</p:attrName>
+                                        </p:attrNameLst>
+                                      </p:cBhvr>
+                                      <p:tavLst>
+                                        <p:tav tm="0">
+                                          <p:val>
+                                            <p:strVal val="#ppt_x"/>
+                                          </p:val>
+                                        </p:tav>
+                                        <p:tav tm="100000">
+                                          <p:val>
+                                            <p:strVal val="#ppt_x"/>
+                                          </p:val>
+                                        </p:tav>
+                                      </p:tavLst>
+                                    </p:anim>
+                                    <p:anim calcmode="lin" valueType="num">
+                                      <p:cBhvr>
+                                        <p:cTn id="14" dur="1000" fill="hold"/>
+                                        <p:tgtEl>
+                                          <p:spTgt spid="27"/>
+                                        </p:tgtEl>
+                                        <p:attrNameLst>
+                                          <p:attrName>ppt_y</p:attrName>
+                                        </p:attrNameLst>
+                                      </p:cBhvr>
+                                      <p:tavLst>
+                                        <p:tav tm="0">
+                                          <p:val>
+                                            <p:strVal val="#ppt_y+.1"/>
+                                          </p:val>
+                                        </p:tav>
+                                        <p:tav tm="100000">
+                                          <p:val>
+                                            <p:strVal val="#ppt_y"/>
+                                          </p:val>
+                                        </p:tav>
+                                      </p:tavLst>
+                                    </p:anim>
+                                  </p:childTnLst>
+                                </p:cTn>
+                              </p:par>
+                            </p:childTnLst>
+                          </p:cTn>
+                        </p:par>
+                      </p:childTnLst>
+                    </p:cTn>
+                  </p:par>
+                  <p:par>
+                    <p:cTn id="15" fill="hold">
+                      <p:stCondLst>
+                        <p:cond delay="indefinite"/>
+                      </p:stCondLst>
+                      <p:childTnLst>
+                        <p:par>
+                          <p:cTn id="16" fill="hold">
+                            <p:stCondLst>
+                              <p:cond delay="0"/>
+                            </p:stCondLst>
+                            <p:childTnLst>
+                              <p:par>
+                                <p:cTn id="17" presetID="42" presetClass="entr" presetSubtype="0" fill="hold" grpId="0" nodeType="clickEffect">
+                                  <p:stCondLst>
+                                    <p:cond delay="0"/>
+                                  </p:stCondLst>
+                                  <p:childTnLst>
+                                    <p:set>
+                                      <p:cBhvr>
+                                        <p:cTn id="18" dur="1" fill="hold">
+                                          <p:stCondLst>
+                                            <p:cond delay="0"/>
+                                          </p:stCondLst>
+                                        </p:cTn>
+                                        <p:tgtEl>
+                                          <p:spTgt spid="42"/>
+                                        </p:tgtEl>
+                                        <p:attrNameLst>
+                                          <p:attrName>style.visibility</p:attrName>
+                                        </p:attrNameLst>
+                                      </p:cBhvr>
+                                      <p:to>
+                                        <p:strVal val="visible"/>
+                                      </p:to>
+                                    </p:set>
+                                    <p:animEffect transition="in" filter="fade">
+                                      <p:cBhvr>
+                                        <p:cTn id="19" dur="1000"/>
+                                        <p:tgtEl>
+                                          <p:spTgt spid="42"/>
+                                        </p:tgtEl>
+                                      </p:cBhvr>
+                                    </p:animEffect>
+                                    <p:anim calcmode="lin" valueType="num">
+                                      <p:cBhvr>
+                                        <p:cTn id="20" dur="1000" fill="hold"/>
+                                        <p:tgtEl>
+                                          <p:spTgt spid="42"/>
+                                        </p:tgtEl>
+                                        <p:attrNameLst>
+                                          <p:attrName>ppt_x</p:attrName>
+                                        </p:attrNameLst>
+                                      </p:cBhvr>
+                                      <p:tavLst>
+                                        <p:tav tm="0">
+                                          <p:val>
+                                            <p:strVal val="#ppt_x"/>
+                                          </p:val>
+                                        </p:tav>
+                                        <p:tav tm="100000">
+                                          <p:val>
+                                            <p:strVal val="#ppt_x"/>
+                                          </p:val>
+                                        </p:tav>
+                                      </p:tavLst>
+                                    </p:anim>
+                                    <p:anim calcmode="lin" valueType="num">
+                                      <p:cBhvr>
+                                        <p:cTn id="21" dur="1000" fill="hold"/>
+                                        <p:tgtEl>
+                                          <p:spTgt spid="42"/>
+                                        </p:tgtEl>
+                                        <p:attrNameLst>
+                                          <p:attrName>ppt_y</p:attrName>
+                                        </p:attrNameLst>
+                                      </p:cBhvr>
+                                      <p:tavLst>
+                                        <p:tav tm="0">
+                                          <p:val>
+                                            <p:strVal val="#ppt_y+.1"/>
+                                          </p:val>
+                                        </p:tav>
+                                        <p:tav tm="100000">
+                                          <p:val>
+                                            <p:strVal val="#ppt_y"/>
+                                          </p:val>
+                                        </p:tav>
+                                      </p:tavLst>
+                                    </p:anim>
+                                  </p:childTnLst>
+                                </p:cTn>
+                              </p:par>
+                              <p:par>
+                                <p:cTn id="22" presetID="42" presetClass="entr" presetSubtype="0" fill="hold" nodeType="withEffect">
+                                  <p:stCondLst>
+                                    <p:cond delay="0"/>
+                                  </p:stCondLst>
+                                  <p:childTnLst>
+                                    <p:set>
+                                      <p:cBhvr>
+                                        <p:cTn id="23" dur="1" fill="hold">
+                                          <p:stCondLst>
+                                            <p:cond delay="0"/>
+                                          </p:stCondLst>
+                                        </p:cTn>
+                                        <p:tgtEl>
+                                          <p:spTgt spid="9221"/>
+                                        </p:tgtEl>
+                                        <p:attrNameLst>
+                                          <p:attrName>style.visibility</p:attrName>
+                                        </p:attrNameLst>
+                                      </p:cBhvr>
+                                      <p:to>
+                                        <p:strVal val="visible"/>
+                                      </p:to>
+                                    </p:set>
+                                    <p:animEffect transition="in" filter="fade">
+                                      <p:cBhvr>
+                                        <p:cTn id="24" dur="1000"/>
+                                        <p:tgtEl>
+                                          <p:spTgt spid="9221"/>
+                                        </p:tgtEl>
+                                      </p:cBhvr>
+                                    </p:animEffect>
+                                    <p:anim calcmode="lin" valueType="num">
+                                      <p:cBhvr>
+                                        <p:cTn id="25" dur="1000" fill="hold"/>
+                                        <p:tgtEl>
+                                          <p:spTgt spid="9221"/>
+                                        </p:tgtEl>
+                                        <p:attrNameLst>
+                                          <p:attrName>ppt_x</p:attrName>
+                                        </p:attrNameLst>
+                                      </p:cBhvr>
+                                      <p:tavLst>
+                                        <p:tav tm="0">
+                                          <p:val>
+                                            <p:strVal val="#ppt_x"/>
+                                          </p:val>
+                                        </p:tav>
+                                        <p:tav tm="100000">
+                                          <p:val>
+                                            <p:strVal val="#ppt_x"/>
+                                          </p:val>
+                                        </p:tav>
+                                      </p:tavLst>
+                                    </p:anim>
+                                    <p:anim calcmode="lin" valueType="num">
+                                      <p:cBhvr>
+                                        <p:cTn id="26" dur="1000" fill="hold"/>
+                                        <p:tgtEl>
+                                          <p:spTgt spid="9221"/>
+                                        </p:tgtEl>
+                                        <p:attrNameLst>
+                                          <p:attrName>ppt_y</p:attrName>
+                                        </p:attrNameLst>
+                                      </p:cBhvr>
+                                      <p:tavLst>
+                                        <p:tav tm="0">
+                                          <p:val>
+                                            <p:strVal val="#ppt_y+.1"/>
+                                          </p:val>
+                                        </p:tav>
+                                        <p:tav tm="100000">
+                                          <p:val>
+                                            <p:strVal val="#ppt_y"/>
+                                          </p:val>
+                                        </p:tav>
+                                      </p:tavLst>
+                                    </p:anim>
+                                  </p:childTnLst>
+                                </p:cTn>
+                              </p:par>
+                            </p:childTnLst>
+                          </p:cTn>
+                        </p:par>
+                      </p:childTnLst>
+                    </p:cTn>
+                  </p:par>
+                  <p:par>
+                    <p:cTn id="27" fill="hold">
+                      <p:stCondLst>
+                        <p:cond delay="indefinite"/>
+                      </p:stCondLst>
+                      <p:childTnLst>
+                        <p:par>
+                          <p:cTn id="28" fill="hold">
+                            <p:stCondLst>
+                              <p:cond delay="0"/>
+                            </p:stCondLst>
+                            <p:childTnLst>
+                              <p:par>
+                                <p:cTn id="29" presetID="42" presetClass="entr" presetSubtype="0" fill="hold" grpId="0" nodeType="clickEffect">
+                                  <p:stCondLst>
+                                    <p:cond delay="0"/>
+                                  </p:stCondLst>
+                                  <p:childTnLst>
+                                    <p:set>
+                                      <p:cBhvr>
+                                        <p:cTn id="30" dur="1" fill="hold">
+                                          <p:stCondLst>
+                                            <p:cond delay="0"/>
+                                          </p:stCondLst>
+                                        </p:cTn>
+                                        <p:tgtEl>
+                                          <p:spTgt spid="59"/>
+                                        </p:tgtEl>
+                                        <p:attrNameLst>
+                                          <p:attrName>style.visibility</p:attrName>
+                                        </p:attrNameLst>
+                                      </p:cBhvr>
+                                      <p:to>
+                                        <p:strVal val="visible"/>
+                                      </p:to>
+                                    </p:set>
+                                    <p:animEffect transition="in" filter="fade">
+                                      <p:cBhvr>
+                                        <p:cTn id="31" dur="1000"/>
+                                        <p:tgtEl>
+                                          <p:spTgt spid="59"/>
+                                        </p:tgtEl>
+                                      </p:cBhvr>
+                                    </p:animEffect>
+                                    <p:anim calcmode="lin" valueType="num">
+                                      <p:cBhvr>
+                                        <p:cTn id="32" dur="1000" fill="hold"/>
+                                        <p:tgtEl>
+                                          <p:spTgt spid="59"/>
+                                        </p:tgtEl>
+                                        <p:attrNameLst>
+                                          <p:attrName>ppt_x</p:attrName>
+                                        </p:attrNameLst>
+                                      </p:cBhvr>
+                                      <p:tavLst>
+                                        <p:tav tm="0">
+                                          <p:val>
+                                            <p:strVal val="#ppt_x"/>
+                                          </p:val>
+                                        </p:tav>
+                                        <p:tav tm="100000">
+                                          <p:val>
+                                            <p:strVal val="#ppt_x"/>
+                                          </p:val>
+                                        </p:tav>
+                                      </p:tavLst>
+                                    </p:anim>
+                                    <p:anim calcmode="lin" valueType="num">
+                                      <p:cBhvr>
+                                        <p:cTn id="33" dur="1000" fill="hold"/>
+                                        <p:tgtEl>
+                                          <p:spTgt spid="59"/>
+                                        </p:tgtEl>
+                                        <p:attrNameLst>
+                                          <p:attrName>ppt_y</p:attrName>
+                                        </p:attrNameLst>
+                                      </p:cBhvr>
+                                      <p:tavLst>
+                                        <p:tav tm="0">
+                                          <p:val>
+                                            <p:strVal val="#ppt_y+.1"/>
+                                          </p:val>
+                                        </p:tav>
+                                        <p:tav tm="100000">
+                                          <p:val>
+                                            <p:strVal val="#ppt_y"/>
+                                          </p:val>
+                                        </p:tav>
+                                      </p:tavLst>
+                                    </p:anim>
+                                  </p:childTnLst>
+                                </p:cTn>
+                              </p:par>
+                            </p:childTnLst>
+                          </p:cTn>
+                        </p:par>
+                        <p:par>
+                          <p:cTn id="34" fill="hold">
+                            <p:stCondLst>
+                              <p:cond delay="1000"/>
+                            </p:stCondLst>
+                            <p:childTnLst>
+                              <p:par>
+                                <p:cTn id="35" presetID="42" presetClass="entr" presetSubtype="0" fill="hold" grpId="0" nodeType="afterEffect">
+                                  <p:stCondLst>
+                                    <p:cond delay="0"/>
+                                  </p:stCondLst>
+                                  <p:childTnLst>
+                                    <p:set>
+                                      <p:cBhvr>
+                                        <p:cTn id="36" dur="1" fill="hold">
+                                          <p:stCondLst>
+                                            <p:cond delay="0"/>
+                                          </p:stCondLst>
+                                        </p:cTn>
+                                        <p:tgtEl>
+                                          <p:spTgt spid="62"/>
+                                        </p:tgtEl>
+                                        <p:attrNameLst>
+                                          <p:attrName>style.visibility</p:attrName>
+                                        </p:attrNameLst>
+                                      </p:cBhvr>
+                                      <p:to>
+                                        <p:strVal val="visible"/>
+                                      </p:to>
+                                    </p:set>
+                                    <p:animEffect transition="in" filter="fade">
+                                      <p:cBhvr>
+                                        <p:cTn id="37" dur="1000"/>
+                                        <p:tgtEl>
+                                          <p:spTgt spid="62"/>
+                                        </p:tgtEl>
+                                      </p:cBhvr>
+                                    </p:animEffect>
+                                    <p:anim calcmode="lin" valueType="num">
+                                      <p:cBhvr>
+                                        <p:cTn id="38" dur="1000" fill="hold"/>
+                                        <p:tgtEl>
+                                          <p:spTgt spid="62"/>
+                                        </p:tgtEl>
+                                        <p:attrNameLst>
+                                          <p:attrName>ppt_x</p:attrName>
+                                        </p:attrNameLst>
+                                      </p:cBhvr>
+                                      <p:tavLst>
+                                        <p:tav tm="0">
+                                          <p:val>
+                                            <p:strVal val="#ppt_x"/>
+                                          </p:val>
+                                        </p:tav>
+                                        <p:tav tm="100000">
+                                          <p:val>
+                                            <p:strVal val="#ppt_x"/>
+                                          </p:val>
+                                        </p:tav>
+                                      </p:tavLst>
+                                    </p:anim>
+                                    <p:anim calcmode="lin" valueType="num">
+                                      <p:cBhvr>
+                                        <p:cTn id="39" dur="1000" fill="hold"/>
+                                        <p:tgtEl>
+                                          <p:spTgt spid="62"/>
+                                        </p:tgtEl>
+                                        <p:attrNameLst>
+                                          <p:attrName>ppt_y</p:attrName>
+                                        </p:attrNameLst>
+                                      </p:cBhvr>
+                                      <p:tavLst>
+                                        <p:tav tm="0">
+                                          <p:val>
+                                            <p:strVal val="#ppt_y+.1"/>
+                                          </p:val>
+                                        </p:tav>
+                                        <p:tav tm="100000">
+                                          <p:val>
+                                            <p:strVal val="#ppt_y"/>
+                                          </p:val>
+                                        </p:tav>
+                                      </p:tavLst>
+                                    </p:anim>
+                                  </p:childTnLst>
+                                </p:cTn>
+                              </p:par>
+                            </p:childTnLst>
+                          </p:cTn>
+                        </p:par>
+                        <p:par>
+                          <p:cTn id="40" fill="hold">
+                            <p:stCondLst>
+                              <p:cond delay="2000"/>
+                            </p:stCondLst>
+                            <p:childTnLst>
+                              <p:par>
+                                <p:cTn id="41" presetID="42" presetClass="entr" presetSubtype="0" fill="hold" grpId="0" nodeType="afterEffect">
+                                  <p:stCondLst>
+                                    <p:cond delay="0"/>
+                                  </p:stCondLst>
+                                  <p:childTnLst>
+                                    <p:set>
+                                      <p:cBhvr>
+                                        <p:cTn id="42" dur="1" fill="hold">
+                                          <p:stCondLst>
+                                            <p:cond delay="0"/>
+                                          </p:stCondLst>
+                                        </p:cTn>
+                                        <p:tgtEl>
+                                          <p:spTgt spid="61"/>
+                                        </p:tgtEl>
+                                        <p:attrNameLst>
+                                          <p:attrName>style.visibility</p:attrName>
+                                        </p:attrNameLst>
+                                      </p:cBhvr>
+                                      <p:to>
+                                        <p:strVal val="visible"/>
+                                      </p:to>
+                                    </p:set>
+                                    <p:animEffect transition="in" filter="fade">
+                                      <p:cBhvr>
+                                        <p:cTn id="43" dur="1000"/>
+                                        <p:tgtEl>
+                                          <p:spTgt spid="61"/>
+                                        </p:tgtEl>
+                                      </p:cBhvr>
+                                    </p:animEffect>
+                                    <p:anim calcmode="lin" valueType="num">
+                                      <p:cBhvr>
+                                        <p:cTn id="44" dur="1000" fill="hold"/>
+                                        <p:tgtEl>
+                                          <p:spTgt spid="61"/>
+                                        </p:tgtEl>
+                                        <p:attrNameLst>
+                                          <p:attrName>ppt_x</p:attrName>
+                                        </p:attrNameLst>
+                                      </p:cBhvr>
+                                      <p:tavLst>
+                                        <p:tav tm="0">
+                                          <p:val>
+                                            <p:strVal val="#ppt_x"/>
+                                          </p:val>
+                                        </p:tav>
+                                        <p:tav tm="100000">
+                                          <p:val>
+                                            <p:strVal val="#ppt_x"/>
+                                          </p:val>
+                                        </p:tav>
+                                      </p:tavLst>
+                                    </p:anim>
+                                    <p:anim calcmode="lin" valueType="num">
+                                      <p:cBhvr>
+                                        <p:cTn id="45" dur="1000" fill="hold"/>
+                                        <p:tgtEl>
+                                          <p:spTgt spid="61"/>
+                                        </p:tgtEl>
+                                        <p:attrNameLst>
+                                          <p:attrName>ppt_y</p:attrName>
+                                        </p:attrNameLst>
+                                      </p:cBhvr>
+                                      <p:tavLst>
+                                        <p:tav tm="0">
+                                          <p:val>
+                                            <p:strVal val="#ppt_y+.1"/>
+                                          </p:val>
+                                        </p:tav>
+                                        <p:tav tm="100000">
+                                          <p:val>
+                                            <p:strVal val="#ppt_y"/>
+                                          </p:val>
+                                        </p:tav>
+                                      </p:tavLst>
+                                    </p:anim>
+                                  </p:childTnLst>
+                                </p:cTn>
+                              </p:par>
+                            </p:childTnLst>
+                          </p:cTn>
+                        </p:par>
+                        <p:par>
+                          <p:cTn id="46" fill="hold">
+                            <p:stCondLst>
+                              <p:cond delay="3000"/>
+                            </p:stCondLst>
+                            <p:childTnLst>
+                              <p:par>
+                                <p:cTn id="47" presetID="42" presetClass="entr" presetSubtype="0" fill="hold" nodeType="afterEffect">
+                                  <p:stCondLst>
+                                    <p:cond delay="0"/>
+                                  </p:stCondLst>
+                                  <p:childTnLst>
+                                    <p:set>
+                                      <p:cBhvr>
+                                        <p:cTn id="48" dur="1" fill="hold">
+                                          <p:stCondLst>
+                                            <p:cond delay="0"/>
+                                          </p:stCondLst>
+                                        </p:cTn>
+                                        <p:tgtEl>
+                                          <p:spTgt spid="9222"/>
+                                        </p:tgtEl>
+                                        <p:attrNameLst>
+                                          <p:attrName>style.visibility</p:attrName>
+                                        </p:attrNameLst>
+                                      </p:cBhvr>
+                                      <p:to>
+                                        <p:strVal val="visible"/>
+                                      </p:to>
+                                    </p:set>
+                                    <p:animEffect transition="in" filter="fade">
+                                      <p:cBhvr>
+                                        <p:cTn id="49" dur="1000"/>
+                                        <p:tgtEl>
+                                          <p:spTgt spid="9222"/>
+                                        </p:tgtEl>
+                                      </p:cBhvr>
+                                    </p:animEffect>
+                                    <p:anim calcmode="lin" valueType="num">
+                                      <p:cBhvr>
+                                        <p:cTn id="50" dur="1000" fill="hold"/>
+                                        <p:tgtEl>
+                                          <p:spTgt spid="9222"/>
+                                        </p:tgtEl>
+                                        <p:attrNameLst>
+                                          <p:attrName>ppt_x</p:attrName>
+                                        </p:attrNameLst>
+                                      </p:cBhvr>
+                                      <p:tavLst>
+                                        <p:tav tm="0">
+                                          <p:val>
+                                            <p:strVal val="#ppt_x"/>
+                                          </p:val>
+                                        </p:tav>
+                                        <p:tav tm="100000">
+                                          <p:val>
+                                            <p:strVal val="#ppt_x"/>
+                                          </p:val>
+                                        </p:tav>
+                                      </p:tavLst>
+                                    </p:anim>
+                                    <p:anim calcmode="lin" valueType="num">
+                                      <p:cBhvr>
+                                        <p:cTn id="51" dur="1000" fill="hold"/>
+                                        <p:tgtEl>
+                                          <p:spTgt spid="9222"/>
+                                        </p:tgtEl>
+                                        <p:attrNameLst>
+                                          <p:attrName>ppt_y</p:attrName>
+                                        </p:attrNameLst>
+                                      </p:cBhvr>
+                                      <p:tavLst>
+                                        <p:tav tm="0">
+                                          <p:val>
+                                            <p:strVal val="#ppt_y+.1"/>
+                                          </p:val>
+                                        </p:tav>
+                                        <p:tav tm="100000">
+                                          <p:val>
+                                            <p:strVal val="#ppt_y"/>
+                                          </p:val>
+                                        </p:tav>
+                                      </p:tavLst>
+                                    </p:anim>
+                                  </p:childTnLst>
+                                </p:cTn>
+                              </p:par>
+                            </p:childTnLst>
+                          </p:cTn>
+                        </p:par>
+                      </p:childTnLst>
+                    </p:cTn>
+                  </p:par>
+                  <p:par>
+                    <p:cTn id="52" fill="hold">
+                      <p:stCondLst>
+                        <p:cond delay="indefinite"/>
+                      </p:stCondLst>
+                      <p:childTnLst>
+                        <p:par>
+                          <p:cTn id="53" fill="hold">
+                            <p:stCondLst>
+                              <p:cond delay="0"/>
+                            </p:stCondLst>
+                            <p:childTnLst>
+                              <p:par>
+                                <p:cTn id="54" presetID="35" presetClass="path" presetSubtype="0" accel="50000" decel="50000" fill="hold" grpId="0" nodeType="clickEffect">
                                   <p:stCondLst>
                                     <p:cond delay="0"/>
                                   </p:stCondLst>
                                   <p:childTnLst>
                                     <p:animMotion origin="layout" path="M -0.00065 -2.6932E-6 L -0.10391 -2.6932E-6 " pathEditMode="relative" rAng="0" ptsTypes="AA">
                                       <p:cBhvr>
-                                        <p:cTn id="6" dur="2000" fill="hold"/>
+                                        <p:cTn id="55" dur="2000" fill="hold"/>
                                         <p:tgtEl>
                                           <p:spTgt spid="32"/>
                                         </p:tgtEl>
@@ -24127,14 +27607,14 @@
                                 </p:cTn>
                               </p:par>
                               <p:par>
-                                <p:cTn id="7" presetID="35" presetClass="path" presetSubtype="0" accel="50000" decel="50000" fill="hold" grpId="0" nodeType="withEffect">
+                                <p:cTn id="56" presetID="35" presetClass="path" presetSubtype="0" accel="50000" decel="50000" fill="hold" grpId="0" nodeType="withEffect">
                                   <p:stCondLst>
                                     <p:cond delay="0"/>
                                   </p:stCondLst>
                                   <p:childTnLst>
                                     <p:animMotion origin="layout" path="M -1.04167E-6 -4.06756E-6 L -0.10377 -4.06756E-6 " pathEditMode="relative" rAng="0" ptsTypes="AA">
                                       <p:cBhvr>
-                                        <p:cTn id="8" dur="2000" fill="hold"/>
+                                        <p:cTn id="57" dur="2000" fill="hold"/>
                                         <p:tgtEl>
                                           <p:spTgt spid="31"/>
                                         </p:tgtEl>
@@ -24149,14 +27629,14 @@
                                 </p:cTn>
                               </p:par>
                               <p:par>
-                                <p:cTn id="9" presetID="35" presetClass="path" presetSubtype="0" accel="50000" decel="50000" fill="hold" grpId="0" nodeType="withEffect">
+                                <p:cTn id="58" presetID="35" presetClass="path" presetSubtype="0" accel="50000" decel="50000" fill="hold" grpId="0" nodeType="withEffect">
                                   <p:stCondLst>
                                     <p:cond delay="0"/>
                                   </p:stCondLst>
                                   <p:childTnLst>
                                     <p:animMotion origin="layout" path="M 4.79167E-6 -2.6932E-6 L -0.10378 -2.6932E-6 " pathEditMode="relative" rAng="0" ptsTypes="AA">
                                       <p:cBhvr>
-                                        <p:cTn id="10" dur="2000" fill="hold"/>
+                                        <p:cTn id="59" dur="2000" fill="hold"/>
                                         <p:tgtEl>
                                           <p:spTgt spid="2"/>
                                         </p:tgtEl>
@@ -24171,14 +27651,14 @@
                                 </p:cTn>
                               </p:par>
                               <p:par>
-                                <p:cTn id="11" presetID="35" presetClass="path" presetSubtype="0" accel="50000" decel="50000" fill="hold" grpId="0" nodeType="withEffect">
+                                <p:cTn id="60" presetID="35" presetClass="path" presetSubtype="0" accel="50000" decel="50000" fill="hold" grpId="0" nodeType="withEffect">
                                   <p:stCondLst>
                                     <p:cond delay="0"/>
                                   </p:stCondLst>
                                   <p:childTnLst>
                                     <p:animMotion origin="layout" path="M -2.70833E-6 -2.6932E-6 L -0.10403 -2.6932E-6 " pathEditMode="relative" rAng="0" ptsTypes="AA">
                                       <p:cBhvr>
-                                        <p:cTn id="12" dur="2000" fill="hold"/>
+                                        <p:cTn id="61" dur="2000" fill="hold"/>
                                         <p:tgtEl>
                                           <p:spTgt spid="33"/>
                                         </p:tgtEl>
@@ -24199,26 +27679,26 @@
                     </p:cTn>
                   </p:par>
                   <p:par>
-                    <p:cTn id="13" fill="hold">
+                    <p:cTn id="62" fill="hold">
                       <p:stCondLst>
                         <p:cond delay="indefinite"/>
                       </p:stCondLst>
                       <p:childTnLst>
                         <p:par>
-                          <p:cTn id="14" fill="hold">
+                          <p:cTn id="63" fill="hold">
                             <p:stCondLst>
                               <p:cond delay="0"/>
                             </p:stCondLst>
                             <p:childTnLst>
                               <p:par>
-                                <p:cTn id="15" presetID="42" presetClass="entr" presetSubtype="0" fill="hold" grpId="0" nodeType="clickEffect">
+                                <p:cTn id="64" presetID="42" presetClass="entr" presetSubtype="0" fill="hold" grpId="0" nodeType="clickEffect">
                                   <p:stCondLst>
                                     <p:cond delay="0"/>
                                   </p:stCondLst>
                                   <p:childTnLst>
                                     <p:set>
                                       <p:cBhvr>
-                                        <p:cTn id="16" dur="1" fill="hold">
+                                        <p:cTn id="65" dur="1" fill="hold">
                                           <p:stCondLst>
                                             <p:cond delay="0"/>
                                           </p:stCondLst>
@@ -24236,7 +27716,7 @@
                                     </p:set>
                                     <p:animEffect transition="in" filter="fade">
                                       <p:cBhvr>
-                                        <p:cTn id="17" dur="1000"/>
+                                        <p:cTn id="66" dur="1000"/>
                                         <p:tgtEl>
                                           <p:spTgt spid="40"/>
                                         </p:tgtEl>
@@ -24244,7 +27724,7 @@
                                     </p:animEffect>
                                     <p:anim calcmode="lin" valueType="num">
                                       <p:cBhvr>
-                                        <p:cTn id="18" dur="1000" fill="hold"/>
+                                        <p:cTn id="67" dur="1000" fill="hold"/>
                                         <p:tgtEl>
                                           <p:spTgt spid="40"/>
                                         </p:tgtEl>
@@ -24267,7 +27747,7 @@
                                     </p:anim>
                                     <p:anim calcmode="lin" valueType="num">
                                       <p:cBhvr>
-                                        <p:cTn id="19" dur="1000" fill="hold"/>
+                                        <p:cTn id="68" dur="1000" fill="hold"/>
                                         <p:tgtEl>
                                           <p:spTgt spid="40"/>
                                         </p:tgtEl>
@@ -24298,26 +27778,26 @@
                     </p:cTn>
                   </p:par>
                   <p:par>
-                    <p:cTn id="20" fill="hold">
+                    <p:cTn id="69" fill="hold">
                       <p:stCondLst>
                         <p:cond delay="indefinite"/>
                       </p:stCondLst>
                       <p:childTnLst>
                         <p:par>
-                          <p:cTn id="21" fill="hold">
+                          <p:cTn id="70" fill="hold">
                             <p:stCondLst>
                               <p:cond delay="0"/>
                             </p:stCondLst>
                             <p:childTnLst>
                               <p:par>
-                                <p:cTn id="22" presetID="42" presetClass="path" presetSubtype="0" accel="50000" decel="50000" fill="hold" grpId="1" nodeType="clickEffect">
+                                <p:cTn id="71" presetID="42" presetClass="path" presetSubtype="0" accel="50000" decel="50000" fill="hold" grpId="1" nodeType="clickEffect">
                                   <p:stCondLst>
                                     <p:cond delay="0"/>
                                   </p:stCondLst>
                                   <p:childTnLst>
                                     <p:animMotion origin="layout" path="M -0.10378 -2.6932E-6 L -0.10378 0.32624 " pathEditMode="relative" rAng="0" ptsTypes="AA">
                                       <p:cBhvr>
-                                        <p:cTn id="23" dur="1500" fill="hold"/>
+                                        <p:cTn id="72" dur="1500" fill="hold"/>
                                         <p:tgtEl>
                                           <p:spTgt spid="2"/>
                                         </p:tgtEl>
@@ -24335,20 +27815,20 @@
                           </p:cTn>
                         </p:par>
                         <p:par>
-                          <p:cTn id="24" fill="hold">
+                          <p:cTn id="73" fill="hold">
                             <p:stCondLst>
                               <p:cond delay="1500"/>
                             </p:stCondLst>
                             <p:childTnLst>
                               <p:par>
-                                <p:cTn id="25" presetID="10" presetClass="exit" presetSubtype="0" fill="hold" grpId="1" nodeType="afterEffect">
+                                <p:cTn id="74" presetID="10" presetClass="exit" presetSubtype="0" fill="hold" grpId="1" nodeType="afterEffect">
                                   <p:stCondLst>
                                     <p:cond delay="0"/>
                                   </p:stCondLst>
                                   <p:childTnLst>
                                     <p:animEffect transition="out" filter="fade">
                                       <p:cBhvr>
-                                        <p:cTn id="26" dur="500"/>
+                                        <p:cTn id="75" dur="500"/>
                                         <p:tgtEl>
                                           <p:spTgt spid="40"/>
                                         </p:tgtEl>
@@ -24356,7 +27836,7 @@
                                     </p:animEffect>
                                     <p:set>
                                       <p:cBhvr>
-                                        <p:cTn id="27" dur="1" fill="hold">
+                                        <p:cTn id="76" dur="1" fill="hold">
                                           <p:stCondLst>
                                             <p:cond delay="499"/>
                                           </p:stCondLst>
@@ -24382,26 +27862,26 @@
                     </p:cTn>
                   </p:par>
                   <p:par>
-                    <p:cTn id="28" fill="hold">
+                    <p:cTn id="77" fill="hold">
                       <p:stCondLst>
                         <p:cond delay="indefinite"/>
                       </p:stCondLst>
                       <p:childTnLst>
                         <p:par>
-                          <p:cTn id="29" fill="hold">
+                          <p:cTn id="78" fill="hold">
                             <p:stCondLst>
                               <p:cond delay="0"/>
                             </p:stCondLst>
                             <p:childTnLst>
                               <p:par>
-                                <p:cTn id="30" presetID="16" presetClass="entr" presetSubtype="21" fill="hold" grpId="1" nodeType="clickEffect">
+                                <p:cTn id="79" presetID="16" presetClass="entr" presetSubtype="21" fill="hold" grpId="1" nodeType="clickEffect">
                                   <p:stCondLst>
                                     <p:cond delay="0"/>
                                   </p:stCondLst>
                                   <p:childTnLst>
                                     <p:set>
                                       <p:cBhvr>
-                                        <p:cTn id="31" dur="1" fill="hold">
+                                        <p:cTn id="80" dur="1" fill="hold">
                                           <p:stCondLst>
                                             <p:cond delay="0"/>
                                           </p:stCondLst>
@@ -24419,7 +27899,7 @@
                                     </p:set>
                                     <p:animEffect transition="in" filter="barn(inVertical)">
                                       <p:cBhvr>
-                                        <p:cTn id="32" dur="500"/>
+                                        <p:cTn id="81" dur="500"/>
                                         <p:tgtEl>
                                           <p:spTgt spid="55"/>
                                         </p:tgtEl>
@@ -24435,26 +27915,26 @@
                     </p:cTn>
                   </p:par>
                   <p:par>
-                    <p:cTn id="33" fill="hold">
+                    <p:cTn id="82" fill="hold">
                       <p:stCondLst>
                         <p:cond delay="indefinite"/>
                       </p:stCondLst>
                       <p:childTnLst>
                         <p:par>
-                          <p:cTn id="34" fill="hold">
+                          <p:cTn id="83" fill="hold">
                             <p:stCondLst>
                               <p:cond delay="0"/>
                             </p:stCondLst>
                             <p:childTnLst>
                               <p:par>
-                                <p:cTn id="35" presetID="42" presetClass="path" presetSubtype="0" accel="50000" decel="50000" fill="hold" grpId="0" nodeType="clickEffect">
+                                <p:cTn id="84" presetID="42" presetClass="path" presetSubtype="0" accel="50000" decel="50000" fill="hold" grpId="0" nodeType="clickEffect">
                                   <p:stCondLst>
                                     <p:cond delay="0"/>
                                   </p:stCondLst>
                                   <p:childTnLst>
                                     <p:animMotion origin="layout" path="M 0 0 L 0 0.25 E" pathEditMode="relative" ptsTypes="">
                                       <p:cBhvr>
-                                        <p:cTn id="36" dur="2000" fill="hold"/>
+                                        <p:cTn id="85" dur="2000" fill="hold"/>
                                         <p:tgtEl>
                                           <p:spTgt spid="55"/>
                                         </p:tgtEl>
@@ -24471,20 +27951,20 @@
                           </p:cTn>
                         </p:par>
                         <p:par>
-                          <p:cTn id="37" fill="hold">
+                          <p:cTn id="86" fill="hold">
                             <p:stCondLst>
                               <p:cond delay="2000"/>
                             </p:stCondLst>
                             <p:childTnLst>
                               <p:par>
-                                <p:cTn id="38" presetID="16" presetClass="entr" presetSubtype="21" fill="hold" grpId="0" nodeType="afterEffect">
+                                <p:cTn id="87" presetID="16" presetClass="entr" presetSubtype="21" fill="hold" grpId="0" nodeType="afterEffect">
                                   <p:stCondLst>
                                     <p:cond delay="0"/>
                                   </p:stCondLst>
                                   <p:childTnLst>
                                     <p:set>
                                       <p:cBhvr>
-                                        <p:cTn id="39" dur="1" fill="hold">
+                                        <p:cTn id="88" dur="1" fill="hold">
                                           <p:stCondLst>
                                             <p:cond delay="0"/>
                                           </p:stCondLst>
@@ -24502,7 +27982,7 @@
                                     </p:set>
                                     <p:animEffect transition="in" filter="barn(inVertical)">
                                       <p:cBhvr>
-                                        <p:cTn id="40" dur="500"/>
+                                        <p:cTn id="89" dur="500"/>
                                         <p:tgtEl>
                                           <p:spTgt spid="57"/>
                                         </p:tgtEl>
@@ -24539,6 +28019,7 @@
       </p:par>
     </p:tnLst>
     <p:bldLst>
+      <p:bldP spid="8" grpId="0"/>
       <p:bldP spid="2" grpId="0" animBg="1"/>
       <p:bldP spid="2" grpId="1" animBg="1"/>
       <p:bldP spid="31" grpId="0" animBg="1"/>
@@ -24549,6 +28030,11 @@
       <p:bldP spid="40" grpId="0"/>
       <p:bldP spid="40" grpId="1"/>
       <p:bldP spid="57" grpId="0"/>
+      <p:bldP spid="42" grpId="0"/>
+      <p:bldP spid="59" grpId="0"/>
+      <p:bldP spid="61" grpId="0"/>
+      <p:bldP spid="62" grpId="0"/>
+      <p:bldP spid="27" grpId="0"/>
     </p:bldLst>
   </p:timing>
 </p:sld>
@@ -24749,7 +28235,7 @@
   <a:extraClrSchemeLst/>
   <a:extLst>
     <a:ext uri="{05A4C25C-085E-4340-85A3-A5531E510DB2}">
-      <thm15:themeFamily xmlns="" xmlns:thm15="http://schemas.microsoft.com/office/thememl/2012/main" name="TF10001108_Welcome to Powerpoint 2016_CLR_v2" id="{CAB9082A-965C-42BE-8170-C940D3319B60}" vid="{82B84162-888A-4FD2-BEC9-B29B6DB2C73F}"/>
+      <thm15:themeFamily xmlns:thm15="http://schemas.microsoft.com/office/thememl/2012/main" name="TF10001108_Welcome to Powerpoint 2016_CLR_v2" id="{CAB9082A-965C-42BE-8170-C940D3319B60}" vid="{82B84162-888A-4FD2-BEC9-B29B6DB2C73F}"/>
     </a:ext>
   </a:extLst>
 </a:theme>
@@ -25010,7 +28496,7 @@
   <a:extraClrSchemeLst/>
   <a:extLst>
     <a:ext uri="{05A4C25C-085E-4340-85A3-A5531E510DB2}">
-      <thm15:themeFamily xmlns="" xmlns:thm15="http://schemas.microsoft.com/office/thememl/2012/main" name="Office Theme" id="{62F939B6-93AF-4DB8-9C6B-D6C7DFDC589F}" vid="{4A3C46E8-61CC-4603-A589-7422A47A8E4A}"/>
+      <thm15:themeFamily xmlns:thm15="http://schemas.microsoft.com/office/thememl/2012/main" name="Office Theme" id="{62F939B6-93AF-4DB8-9C6B-D6C7DFDC589F}" vid="{4A3C46E8-61CC-4603-A589-7422A47A8E4A}"/>
     </a:ext>
   </a:extLst>
 </a:theme>
@@ -25305,22 +28791,13 @@
   <a:extraClrSchemeLst/>
   <a:extLst>
     <a:ext uri="{05A4C25C-085E-4340-85A3-A5531E510DB2}">
-      <thm15:themeFamily xmlns="" xmlns:thm15="http://schemas.microsoft.com/office/thememl/2012/main" name="Office Theme" id="{62F939B6-93AF-4DB8-9C6B-D6C7DFDC589F}" vid="{4A3C46E8-61CC-4603-A589-7422A47A8E4A}"/>
+      <thm15:themeFamily xmlns:thm15="http://schemas.microsoft.com/office/thememl/2012/main" name="Office Theme" id="{62F939B6-93AF-4DB8-9C6B-D6C7DFDC589F}" vid="{4A3C46E8-61CC-4603-A589-7422A47A8E4A}"/>
     </a:ext>
   </a:extLst>
 </a:theme>
 </file>
 
 <file path=customXml/item1.xml><?xml version="1.0" encoding="utf-8"?>
-<p:properties xmlns:p="http://schemas.microsoft.com/office/2006/metadata/properties" xmlns:xsi="http://www.w3.org/2001/XMLSchema-instance" xmlns:pc="http://schemas.microsoft.com/office/infopath/2007/PartnerControls">
-  <documentManagement>
-    <Status xmlns="71af3243-3dd4-4a8d-8c0d-dd76da1f02a5">Not started</Status>
-    <MediaServiceKeyPoints xmlns="71af3243-3dd4-4a8d-8c0d-dd76da1f02a5" xsi:nil="true"/>
-  </documentManagement>
-</p:properties>
-</file>
-
-<file path=customXml/item2.xml><?xml version="1.0" encoding="utf-8"?>
 <ct:contentTypeSchema xmlns:ct="http://schemas.microsoft.com/office/2006/metadata/contentType" xmlns:ma="http://schemas.microsoft.com/office/2006/metadata/properties/metaAttributes" ct:_="" ma:_="" ma:contentTypeName="Document" ma:contentTypeID="0x01010079F111ED35F8CC479449609E8A0923A6" ma:contentTypeVersion="12" ma:contentTypeDescription="Create a new document." ma:contentTypeScope="" ma:versionID="a8a52e8c320b9a064ae3583ae3861c92">
   <xsd:schema xmlns:xsd="http://www.w3.org/2001/XMLSchema" xmlns:xs="http://www.w3.org/2001/XMLSchema" xmlns:p="http://schemas.microsoft.com/office/2006/metadata/properties" xmlns:ns2="71af3243-3dd4-4a8d-8c0d-dd76da1f02a5" xmlns:ns3="16c05727-aa75-4e4a-9b5f-8a80a1165891" targetNamespace="http://schemas.microsoft.com/office/2006/metadata/properties" ma:root="true" ma:fieldsID="88020cb39231a0945110f9cd888b521a" ns2:_="" ns3:_="">
     <xsd:import namespace="71af3243-3dd4-4a8d-8c0d-dd76da1f02a5"/>
@@ -25541,6 +29018,15 @@
 </ct:contentTypeSchema>
 </file>
 
+<file path=customXml/item2.xml><?xml version="1.0" encoding="utf-8"?>
+<p:properties xmlns:p="http://schemas.microsoft.com/office/2006/metadata/properties" xmlns:xsi="http://www.w3.org/2001/XMLSchema-instance" xmlns:pc="http://schemas.microsoft.com/office/infopath/2007/PartnerControls">
+  <documentManagement>
+    <Status xmlns="71af3243-3dd4-4a8d-8c0d-dd76da1f02a5">Not started</Status>
+    <MediaServiceKeyPoints xmlns="71af3243-3dd4-4a8d-8c0d-dd76da1f02a5" xsi:nil="true"/>
+  </documentManagement>
+</p:properties>
+</file>
+
 <file path=customXml/item3.xml><?xml version="1.0" encoding="utf-8"?>
 <?mso-contentType ?>
 <FormTemplates xmlns="http://schemas.microsoft.com/sharepoint/v3/contenttype/forms">
@@ -25551,23 +29037,6 @@
 </file>
 
 <file path=customXml/itemProps1.xml><?xml version="1.0" encoding="utf-8"?>
-<ds:datastoreItem xmlns:ds="http://schemas.openxmlformats.org/officeDocument/2006/customXml" ds:itemID="{950072C5-DDE0-4258-BA7A-4D4B80DFA632}">
-  <ds:schemaRefs>
-    <ds:schemaRef ds:uri="http://schemas.microsoft.com/office/2006/metadata/properties"/>
-    <ds:schemaRef ds:uri="http://schemas.microsoft.com/office/2006/documentManagement/types"/>
-    <ds:schemaRef ds:uri="http://purl.org/dc/terms/"/>
-    <ds:schemaRef ds:uri="http://purl.org/dc/elements/1.1/"/>
-    <ds:schemaRef ds:uri="http://www.w3.org/XML/1998/namespace"/>
-    <ds:schemaRef ds:uri="http://schemas.microsoft.com/office/infopath/2007/PartnerControls"/>
-    <ds:schemaRef ds:uri="http://schemas.openxmlformats.org/package/2006/metadata/core-properties"/>
-    <ds:schemaRef ds:uri="16c05727-aa75-4e4a-9b5f-8a80a1165891"/>
-    <ds:schemaRef ds:uri="71af3243-3dd4-4a8d-8c0d-dd76da1f02a5"/>
-    <ds:schemaRef ds:uri="http://purl.org/dc/dcmitype/"/>
-  </ds:schemaRefs>
-</ds:datastoreItem>
-</file>
-
-<file path=customXml/itemProps2.xml><?xml version="1.0" encoding="utf-8"?>
 <ds:datastoreItem xmlns:ds="http://schemas.openxmlformats.org/officeDocument/2006/customXml" ds:itemID="{FD7FC771-7DFE-49DA-B577-71181BFBCB2E}">
   <ds:schemaRefs>
     <ds:schemaRef ds:uri="http://schemas.microsoft.com/office/2006/metadata/contentType"/>
@@ -25586,6 +29055,23 @@
 </ds:datastoreItem>
 </file>
 
+<file path=customXml/itemProps2.xml><?xml version="1.0" encoding="utf-8"?>
+<ds:datastoreItem xmlns:ds="http://schemas.openxmlformats.org/officeDocument/2006/customXml" ds:itemID="{950072C5-DDE0-4258-BA7A-4D4B80DFA632}">
+  <ds:schemaRefs>
+    <ds:schemaRef ds:uri="http://purl.org/dc/elements/1.1/"/>
+    <ds:schemaRef ds:uri="16c05727-aa75-4e4a-9b5f-8a80a1165891"/>
+    <ds:schemaRef ds:uri="http://schemas.microsoft.com/office/2006/metadata/properties"/>
+    <ds:schemaRef ds:uri="http://schemas.microsoft.com/office/2006/documentManagement/types"/>
+    <ds:schemaRef ds:uri="http://purl.org/dc/terms/"/>
+    <ds:schemaRef ds:uri="71af3243-3dd4-4a8d-8c0d-dd76da1f02a5"/>
+    <ds:schemaRef ds:uri="http://purl.org/dc/dcmitype/"/>
+    <ds:schemaRef ds:uri="http://schemas.microsoft.com/office/infopath/2007/PartnerControls"/>
+    <ds:schemaRef ds:uri="http://schemas.openxmlformats.org/package/2006/metadata/core-properties"/>
+    <ds:schemaRef ds:uri="http://www.w3.org/XML/1998/namespace"/>
+  </ds:schemaRefs>
+</ds:datastoreItem>
+</file>
+
 <file path=customXml/itemProps3.xml><?xml version="1.0" encoding="utf-8"?>
 <ds:datastoreItem xmlns:ds="http://schemas.openxmlformats.org/officeDocument/2006/customXml" ds:itemID="{7EE8C63A-4744-4DE4-BB49-0FF0B5375C60}">
   <ds:schemaRefs>
